--- a/Prezentacja/Ocena-jakosci-WWZM.pptx
+++ b/Prezentacja/Ocena-jakosci-WWZM.pptx
@@ -348,7 +348,7 @@
             <a:pPr indent="0" algn="r">
               <a:buNone/>
             </a:pPr>
-            <a:fld id="{FB361943-3F90-4E4A-962A-11F87424E449}" type="slidenum">
+            <a:fld id="{A43A2823-B98B-465F-87ED-32341DBE88E1}" type="slidenum">
               <a:rPr b="0" lang="pl-PL" sz="1400" spc="-1" strike="noStrike">
                 <a:solidFill>
                   <a:srgbClr val="000000"/>
@@ -391,7 +391,7 @@
       </p:grpSpPr>
       <p:sp>
         <p:nvSpPr>
-          <p:cNvPr id="113" name="PlaceHolder 1"/>
+          <p:cNvPr id="111" name="PlaceHolder 1"/>
           <p:cNvSpPr>
             <a:spLocks noGrp="1"/>
           </p:cNvSpPr>
@@ -402,19 +402,19 @@
         <p:spPr>
           <a:xfrm>
             <a:off x="685800" y="1143000"/>
-            <a:ext cx="5485680" cy="3085560"/>
-          </a:xfrm>
-          <a:prstGeom prst="rect">
-            <a:avLst/>
-          </a:prstGeom>
-          <a:ln w="0">
-            <a:noFill/>
-          </a:ln>
-        </p:spPr>
-      </p:sp>
-      <p:sp>
-        <p:nvSpPr>
-          <p:cNvPr id="114" name="PlaceHolder 2"/>
+            <a:ext cx="5485320" cy="3085200"/>
+          </a:xfrm>
+          <a:prstGeom prst="rect">
+            <a:avLst/>
+          </a:prstGeom>
+          <a:ln w="0">
+            <a:noFill/>
+          </a:ln>
+        </p:spPr>
+      </p:sp>
+      <p:sp>
+        <p:nvSpPr>
+          <p:cNvPr id="112" name="PlaceHolder 2"/>
           <p:cNvSpPr>
             <a:spLocks noGrp="1"/>
           </p:cNvSpPr>
@@ -425,7 +425,7 @@
         <p:spPr>
           <a:xfrm>
             <a:off x="685800" y="4400640"/>
-            <a:ext cx="5485680" cy="3599640"/>
+            <a:ext cx="5485320" cy="3599280"/>
           </a:xfrm>
           <a:prstGeom prst="rect">
             <a:avLst/>
@@ -454,7 +454,7 @@
       </p:sp>
       <p:sp>
         <p:nvSpPr>
-          <p:cNvPr id="115" name="PlaceHolder 3"/>
+          <p:cNvPr id="113" name="PlaceHolder 3"/>
           <p:cNvSpPr>
             <a:spLocks noGrp="1"/>
           </p:cNvSpPr>
@@ -465,7 +465,7 @@
         <p:spPr>
           <a:xfrm>
             <a:off x="3884760" y="8685360"/>
-            <a:ext cx="2971080" cy="457920"/>
+            <a:ext cx="2970720" cy="457560"/>
           </a:xfrm>
           <a:prstGeom prst="rect">
             <a:avLst/>
@@ -507,7 +507,7 @@
                 <a:tab algn="l" pos="0"/>
               </a:tabLst>
             </a:pPr>
-            <a:fld id="{502DD1B8-1381-4C20-9212-183C3661405F}" type="slidenum">
+            <a:fld id="{20933C21-363D-4133-A8AA-97585D0BA606}" type="slidenum">
               <a:rPr b="0" lang="pl-PL" sz="1200" spc="-1" strike="noStrike">
                 <a:solidFill>
                   <a:schemeClr val="dk1"/>
@@ -550,7 +550,7 @@
       </p:grpSpPr>
       <p:sp>
         <p:nvSpPr>
-          <p:cNvPr id="140" name="PlaceHolder 1"/>
+          <p:cNvPr id="138" name="PlaceHolder 1"/>
           <p:cNvSpPr>
             <a:spLocks noGrp="1"/>
           </p:cNvSpPr>
@@ -561,19 +561,19 @@
         <p:spPr>
           <a:xfrm>
             <a:off x="685800" y="1143000"/>
-            <a:ext cx="5485680" cy="3085560"/>
-          </a:xfrm>
-          <a:prstGeom prst="rect">
-            <a:avLst/>
-          </a:prstGeom>
-          <a:ln w="0">
-            <a:noFill/>
-          </a:ln>
-        </p:spPr>
-      </p:sp>
-      <p:sp>
-        <p:nvSpPr>
-          <p:cNvPr id="141" name="PlaceHolder 2"/>
+            <a:ext cx="5485320" cy="3085200"/>
+          </a:xfrm>
+          <a:prstGeom prst="rect">
+            <a:avLst/>
+          </a:prstGeom>
+          <a:ln w="0">
+            <a:noFill/>
+          </a:ln>
+        </p:spPr>
+      </p:sp>
+      <p:sp>
+        <p:nvSpPr>
+          <p:cNvPr id="139" name="PlaceHolder 2"/>
           <p:cNvSpPr>
             <a:spLocks noGrp="1"/>
           </p:cNvSpPr>
@@ -584,7 +584,7 @@
         <p:spPr>
           <a:xfrm>
             <a:off x="685800" y="4400640"/>
-            <a:ext cx="5485680" cy="3599640"/>
+            <a:ext cx="5485320" cy="3599280"/>
           </a:xfrm>
           <a:prstGeom prst="rect">
             <a:avLst/>
@@ -613,7 +613,7 @@
       </p:sp>
       <p:sp>
         <p:nvSpPr>
-          <p:cNvPr id="142" name="PlaceHolder 3"/>
+          <p:cNvPr id="140" name="PlaceHolder 3"/>
           <p:cNvSpPr>
             <a:spLocks noGrp="1"/>
           </p:cNvSpPr>
@@ -624,7 +624,7 @@
         <p:spPr>
           <a:xfrm>
             <a:off x="3884760" y="8685360"/>
-            <a:ext cx="2971080" cy="457920"/>
+            <a:ext cx="2970720" cy="457560"/>
           </a:xfrm>
           <a:prstGeom prst="rect">
             <a:avLst/>
@@ -666,7 +666,7 @@
                 <a:tab algn="l" pos="0"/>
               </a:tabLst>
             </a:pPr>
-            <a:fld id="{86F13DCE-36A9-4112-95B7-164CEEAB3144}" type="slidenum">
+            <a:fld id="{91578122-0E93-4B47-B3A6-A372A491DC11}" type="slidenum">
               <a:rPr b="0" lang="pl-PL" sz="1200" spc="-1" strike="noStrike">
                 <a:solidFill>
                   <a:schemeClr val="dk1"/>
@@ -709,7 +709,7 @@
       </p:grpSpPr>
       <p:sp>
         <p:nvSpPr>
-          <p:cNvPr id="116" name="PlaceHolder 1"/>
+          <p:cNvPr id="114" name="PlaceHolder 1"/>
           <p:cNvSpPr>
             <a:spLocks noGrp="1"/>
           </p:cNvSpPr>
@@ -720,19 +720,19 @@
         <p:spPr>
           <a:xfrm>
             <a:off x="685800" y="1143000"/>
-            <a:ext cx="5485680" cy="3085560"/>
-          </a:xfrm>
-          <a:prstGeom prst="rect">
-            <a:avLst/>
-          </a:prstGeom>
-          <a:ln w="0">
-            <a:noFill/>
-          </a:ln>
-        </p:spPr>
-      </p:sp>
-      <p:sp>
-        <p:nvSpPr>
-          <p:cNvPr id="117" name="PlaceHolder 2"/>
+            <a:ext cx="5485320" cy="3085200"/>
+          </a:xfrm>
+          <a:prstGeom prst="rect">
+            <a:avLst/>
+          </a:prstGeom>
+          <a:ln w="0">
+            <a:noFill/>
+          </a:ln>
+        </p:spPr>
+      </p:sp>
+      <p:sp>
+        <p:nvSpPr>
+          <p:cNvPr id="115" name="PlaceHolder 2"/>
           <p:cNvSpPr>
             <a:spLocks noGrp="1"/>
           </p:cNvSpPr>
@@ -743,7 +743,7 @@
         <p:spPr>
           <a:xfrm>
             <a:off x="685800" y="4400640"/>
-            <a:ext cx="5485680" cy="3599640"/>
+            <a:ext cx="5485320" cy="3599280"/>
           </a:xfrm>
           <a:prstGeom prst="rect">
             <a:avLst/>
@@ -772,7 +772,7 @@
       </p:sp>
       <p:sp>
         <p:nvSpPr>
-          <p:cNvPr id="118" name="PlaceHolder 3"/>
+          <p:cNvPr id="116" name="PlaceHolder 3"/>
           <p:cNvSpPr>
             <a:spLocks noGrp="1"/>
           </p:cNvSpPr>
@@ -783,7 +783,7 @@
         <p:spPr>
           <a:xfrm>
             <a:off x="3884760" y="8685360"/>
-            <a:ext cx="2971080" cy="457920"/>
+            <a:ext cx="2970720" cy="457560"/>
           </a:xfrm>
           <a:prstGeom prst="rect">
             <a:avLst/>
@@ -825,7 +825,7 @@
                 <a:tab algn="l" pos="0"/>
               </a:tabLst>
             </a:pPr>
-            <a:fld id="{0AA6EB81-2B44-413A-88A8-525EC2A336F5}" type="slidenum">
+            <a:fld id="{E62450D9-44FC-414F-A953-B637BEB40053}" type="slidenum">
               <a:rPr b="0" lang="pl-PL" sz="1200" spc="-1" strike="noStrike">
                 <a:solidFill>
                   <a:schemeClr val="dk1"/>
@@ -868,7 +868,7 @@
       </p:grpSpPr>
       <p:sp>
         <p:nvSpPr>
-          <p:cNvPr id="119" name="PlaceHolder 1"/>
+          <p:cNvPr id="117" name="PlaceHolder 1"/>
           <p:cNvSpPr>
             <a:spLocks noGrp="1"/>
           </p:cNvSpPr>
@@ -879,19 +879,19 @@
         <p:spPr>
           <a:xfrm>
             <a:off x="685800" y="1143000"/>
-            <a:ext cx="5485680" cy="3085560"/>
-          </a:xfrm>
-          <a:prstGeom prst="rect">
-            <a:avLst/>
-          </a:prstGeom>
-          <a:ln w="0">
-            <a:noFill/>
-          </a:ln>
-        </p:spPr>
-      </p:sp>
-      <p:sp>
-        <p:nvSpPr>
-          <p:cNvPr id="120" name="PlaceHolder 2"/>
+            <a:ext cx="5485320" cy="3085200"/>
+          </a:xfrm>
+          <a:prstGeom prst="rect">
+            <a:avLst/>
+          </a:prstGeom>
+          <a:ln w="0">
+            <a:noFill/>
+          </a:ln>
+        </p:spPr>
+      </p:sp>
+      <p:sp>
+        <p:nvSpPr>
+          <p:cNvPr id="118" name="PlaceHolder 2"/>
           <p:cNvSpPr>
             <a:spLocks noGrp="1"/>
           </p:cNvSpPr>
@@ -902,7 +902,7 @@
         <p:spPr>
           <a:xfrm>
             <a:off x="685800" y="4400640"/>
-            <a:ext cx="5485680" cy="3599640"/>
+            <a:ext cx="5485320" cy="3599280"/>
           </a:xfrm>
           <a:prstGeom prst="rect">
             <a:avLst/>
@@ -931,7 +931,7 @@
       </p:sp>
       <p:sp>
         <p:nvSpPr>
-          <p:cNvPr id="121" name="PlaceHolder 3"/>
+          <p:cNvPr id="119" name="PlaceHolder 3"/>
           <p:cNvSpPr>
             <a:spLocks noGrp="1"/>
           </p:cNvSpPr>
@@ -942,7 +942,7 @@
         <p:spPr>
           <a:xfrm>
             <a:off x="3884760" y="8685360"/>
-            <a:ext cx="2971080" cy="457920"/>
+            <a:ext cx="2970720" cy="457560"/>
           </a:xfrm>
           <a:prstGeom prst="rect">
             <a:avLst/>
@@ -984,7 +984,7 @@
                 <a:tab algn="l" pos="0"/>
               </a:tabLst>
             </a:pPr>
-            <a:fld id="{24AB9179-B243-40E5-A49B-46A1070395F4}" type="slidenum">
+            <a:fld id="{F5CEBCED-1F14-4C47-80F4-CE3ABAEB4B53}" type="slidenum">
               <a:rPr b="0" lang="pl-PL" sz="1200" spc="-1" strike="noStrike">
                 <a:solidFill>
                   <a:schemeClr val="dk1"/>
@@ -1027,7 +1027,7 @@
       </p:grpSpPr>
       <p:sp>
         <p:nvSpPr>
-          <p:cNvPr id="122" name="PlaceHolder 1"/>
+          <p:cNvPr id="120" name="PlaceHolder 1"/>
           <p:cNvSpPr>
             <a:spLocks noGrp="1"/>
           </p:cNvSpPr>
@@ -1038,19 +1038,19 @@
         <p:spPr>
           <a:xfrm>
             <a:off x="685800" y="1143000"/>
-            <a:ext cx="5485680" cy="3085560"/>
-          </a:xfrm>
-          <a:prstGeom prst="rect">
-            <a:avLst/>
-          </a:prstGeom>
-          <a:ln w="0">
-            <a:noFill/>
-          </a:ln>
-        </p:spPr>
-      </p:sp>
-      <p:sp>
-        <p:nvSpPr>
-          <p:cNvPr id="123" name="PlaceHolder 2"/>
+            <a:ext cx="5485320" cy="3085200"/>
+          </a:xfrm>
+          <a:prstGeom prst="rect">
+            <a:avLst/>
+          </a:prstGeom>
+          <a:ln w="0">
+            <a:noFill/>
+          </a:ln>
+        </p:spPr>
+      </p:sp>
+      <p:sp>
+        <p:nvSpPr>
+          <p:cNvPr id="121" name="PlaceHolder 2"/>
           <p:cNvSpPr>
             <a:spLocks noGrp="1"/>
           </p:cNvSpPr>
@@ -1061,7 +1061,7 @@
         <p:spPr>
           <a:xfrm>
             <a:off x="685800" y="4400640"/>
-            <a:ext cx="5485680" cy="3599640"/>
+            <a:ext cx="5485320" cy="3599280"/>
           </a:xfrm>
           <a:prstGeom prst="rect">
             <a:avLst/>
@@ -1090,7 +1090,7 @@
       </p:sp>
       <p:sp>
         <p:nvSpPr>
-          <p:cNvPr id="124" name="PlaceHolder 3"/>
+          <p:cNvPr id="122" name="PlaceHolder 3"/>
           <p:cNvSpPr>
             <a:spLocks noGrp="1"/>
           </p:cNvSpPr>
@@ -1101,7 +1101,7 @@
         <p:spPr>
           <a:xfrm>
             <a:off x="3884760" y="8685360"/>
-            <a:ext cx="2971080" cy="457920"/>
+            <a:ext cx="2970720" cy="457560"/>
           </a:xfrm>
           <a:prstGeom prst="rect">
             <a:avLst/>
@@ -1143,7 +1143,7 @@
                 <a:tab algn="l" pos="0"/>
               </a:tabLst>
             </a:pPr>
-            <a:fld id="{38C214E0-BAA3-4A99-A0D2-30E9DA28F9C5}" type="slidenum">
+            <a:fld id="{D94E3E46-79E6-41B5-993D-0844801631C4}" type="slidenum">
               <a:rPr b="0" lang="pl-PL" sz="1200" spc="-1" strike="noStrike">
                 <a:solidFill>
                   <a:schemeClr val="dk1"/>
@@ -1186,7 +1186,7 @@
       </p:grpSpPr>
       <p:sp>
         <p:nvSpPr>
-          <p:cNvPr id="125" name="PlaceHolder 1"/>
+          <p:cNvPr id="123" name="PlaceHolder 1"/>
           <p:cNvSpPr>
             <a:spLocks noGrp="1"/>
           </p:cNvSpPr>
@@ -1197,19 +1197,19 @@
         <p:spPr>
           <a:xfrm>
             <a:off x="685800" y="1143000"/>
-            <a:ext cx="5485680" cy="3085560"/>
-          </a:xfrm>
-          <a:prstGeom prst="rect">
-            <a:avLst/>
-          </a:prstGeom>
-          <a:ln w="0">
-            <a:noFill/>
-          </a:ln>
-        </p:spPr>
-      </p:sp>
-      <p:sp>
-        <p:nvSpPr>
-          <p:cNvPr id="126" name="PlaceHolder 2"/>
+            <a:ext cx="5485320" cy="3085200"/>
+          </a:xfrm>
+          <a:prstGeom prst="rect">
+            <a:avLst/>
+          </a:prstGeom>
+          <a:ln w="0">
+            <a:noFill/>
+          </a:ln>
+        </p:spPr>
+      </p:sp>
+      <p:sp>
+        <p:nvSpPr>
+          <p:cNvPr id="124" name="PlaceHolder 2"/>
           <p:cNvSpPr>
             <a:spLocks noGrp="1"/>
           </p:cNvSpPr>
@@ -1220,7 +1220,7 @@
         <p:spPr>
           <a:xfrm>
             <a:off x="685800" y="4400640"/>
-            <a:ext cx="5485680" cy="3599640"/>
+            <a:ext cx="5485320" cy="3599280"/>
           </a:xfrm>
           <a:prstGeom prst="rect">
             <a:avLst/>
@@ -1249,7 +1249,7 @@
       </p:sp>
       <p:sp>
         <p:nvSpPr>
-          <p:cNvPr id="127" name="PlaceHolder 3"/>
+          <p:cNvPr id="125" name="PlaceHolder 3"/>
           <p:cNvSpPr>
             <a:spLocks noGrp="1"/>
           </p:cNvSpPr>
@@ -1260,7 +1260,7 @@
         <p:spPr>
           <a:xfrm>
             <a:off x="3884760" y="8685360"/>
-            <a:ext cx="2971080" cy="457920"/>
+            <a:ext cx="2970720" cy="457560"/>
           </a:xfrm>
           <a:prstGeom prst="rect">
             <a:avLst/>
@@ -1302,7 +1302,7 @@
                 <a:tab algn="l" pos="0"/>
               </a:tabLst>
             </a:pPr>
-            <a:fld id="{19DA06D6-8BCE-474B-BAAB-CADEAFC8EFBE}" type="slidenum">
+            <a:fld id="{679F0AFE-528B-4FDE-B33F-6941FBFCA435}" type="slidenum">
               <a:rPr b="0" lang="pl-PL" sz="1200" spc="-1" strike="noStrike">
                 <a:solidFill>
                   <a:schemeClr val="dk1"/>
@@ -1345,7 +1345,7 @@
       </p:grpSpPr>
       <p:sp>
         <p:nvSpPr>
-          <p:cNvPr id="128" name="PlaceHolder 1"/>
+          <p:cNvPr id="126" name="PlaceHolder 1"/>
           <p:cNvSpPr>
             <a:spLocks noGrp="1"/>
           </p:cNvSpPr>
@@ -1356,19 +1356,19 @@
         <p:spPr>
           <a:xfrm>
             <a:off x="685800" y="1143000"/>
-            <a:ext cx="5485680" cy="3085560"/>
-          </a:xfrm>
-          <a:prstGeom prst="rect">
-            <a:avLst/>
-          </a:prstGeom>
-          <a:ln w="0">
-            <a:noFill/>
-          </a:ln>
-        </p:spPr>
-      </p:sp>
-      <p:sp>
-        <p:nvSpPr>
-          <p:cNvPr id="129" name="PlaceHolder 2"/>
+            <a:ext cx="5485320" cy="3085200"/>
+          </a:xfrm>
+          <a:prstGeom prst="rect">
+            <a:avLst/>
+          </a:prstGeom>
+          <a:ln w="0">
+            <a:noFill/>
+          </a:ln>
+        </p:spPr>
+      </p:sp>
+      <p:sp>
+        <p:nvSpPr>
+          <p:cNvPr id="127" name="PlaceHolder 2"/>
           <p:cNvSpPr>
             <a:spLocks noGrp="1"/>
           </p:cNvSpPr>
@@ -1379,7 +1379,7 @@
         <p:spPr>
           <a:xfrm>
             <a:off x="685800" y="4400640"/>
-            <a:ext cx="5485680" cy="3599640"/>
+            <a:ext cx="5485320" cy="3599280"/>
           </a:xfrm>
           <a:prstGeom prst="rect">
             <a:avLst/>
@@ -1408,7 +1408,7 @@
       </p:sp>
       <p:sp>
         <p:nvSpPr>
-          <p:cNvPr id="130" name="PlaceHolder 3"/>
+          <p:cNvPr id="128" name="PlaceHolder 3"/>
           <p:cNvSpPr>
             <a:spLocks noGrp="1"/>
           </p:cNvSpPr>
@@ -1419,7 +1419,7 @@
         <p:spPr>
           <a:xfrm>
             <a:off x="3884760" y="8685360"/>
-            <a:ext cx="2971080" cy="457920"/>
+            <a:ext cx="2970720" cy="457560"/>
           </a:xfrm>
           <a:prstGeom prst="rect">
             <a:avLst/>
@@ -1461,7 +1461,7 @@
                 <a:tab algn="l" pos="0"/>
               </a:tabLst>
             </a:pPr>
-            <a:fld id="{0D9A7F6D-A462-4098-8097-72D9F7BEAEE0}" type="slidenum">
+            <a:fld id="{89B8533D-B6EC-42A3-BF91-7455B969BDC6}" type="slidenum">
               <a:rPr b="0" lang="pl-PL" sz="1200" spc="-1" strike="noStrike">
                 <a:solidFill>
                   <a:schemeClr val="dk1"/>
@@ -1504,7 +1504,7 @@
       </p:grpSpPr>
       <p:sp>
         <p:nvSpPr>
-          <p:cNvPr id="131" name="PlaceHolder 1"/>
+          <p:cNvPr id="129" name="PlaceHolder 1"/>
           <p:cNvSpPr>
             <a:spLocks noGrp="1"/>
           </p:cNvSpPr>
@@ -1515,19 +1515,19 @@
         <p:spPr>
           <a:xfrm>
             <a:off x="685800" y="1143000"/>
-            <a:ext cx="5485680" cy="3085560"/>
-          </a:xfrm>
-          <a:prstGeom prst="rect">
-            <a:avLst/>
-          </a:prstGeom>
-          <a:ln w="0">
-            <a:noFill/>
-          </a:ln>
-        </p:spPr>
-      </p:sp>
-      <p:sp>
-        <p:nvSpPr>
-          <p:cNvPr id="132" name="PlaceHolder 2"/>
+            <a:ext cx="5485320" cy="3085200"/>
+          </a:xfrm>
+          <a:prstGeom prst="rect">
+            <a:avLst/>
+          </a:prstGeom>
+          <a:ln w="0">
+            <a:noFill/>
+          </a:ln>
+        </p:spPr>
+      </p:sp>
+      <p:sp>
+        <p:nvSpPr>
+          <p:cNvPr id="130" name="PlaceHolder 2"/>
           <p:cNvSpPr>
             <a:spLocks noGrp="1"/>
           </p:cNvSpPr>
@@ -1538,7 +1538,7 @@
         <p:spPr>
           <a:xfrm>
             <a:off x="685800" y="4400640"/>
-            <a:ext cx="5485680" cy="3599640"/>
+            <a:ext cx="5485320" cy="3599280"/>
           </a:xfrm>
           <a:prstGeom prst="rect">
             <a:avLst/>
@@ -1567,7 +1567,7 @@
       </p:sp>
       <p:sp>
         <p:nvSpPr>
-          <p:cNvPr id="133" name="PlaceHolder 3"/>
+          <p:cNvPr id="131" name="PlaceHolder 3"/>
           <p:cNvSpPr>
             <a:spLocks noGrp="1"/>
           </p:cNvSpPr>
@@ -1578,7 +1578,7 @@
         <p:spPr>
           <a:xfrm>
             <a:off x="3884760" y="8685360"/>
-            <a:ext cx="2971080" cy="457920"/>
+            <a:ext cx="2970720" cy="457560"/>
           </a:xfrm>
           <a:prstGeom prst="rect">
             <a:avLst/>
@@ -1620,7 +1620,7 @@
                 <a:tab algn="l" pos="0"/>
               </a:tabLst>
             </a:pPr>
-            <a:fld id="{9E3CCF60-9F62-4C24-8142-E6AE9AD7D11C}" type="slidenum">
+            <a:fld id="{35E0BDAB-EB26-4AD0-9638-703E2B48799C}" type="slidenum">
               <a:rPr b="0" lang="pl-PL" sz="1200" spc="-1" strike="noStrike">
                 <a:solidFill>
                   <a:schemeClr val="dk1"/>
@@ -1663,7 +1663,7 @@
       </p:grpSpPr>
       <p:sp>
         <p:nvSpPr>
-          <p:cNvPr id="134" name="PlaceHolder 1"/>
+          <p:cNvPr id="132" name="PlaceHolder 1"/>
           <p:cNvSpPr>
             <a:spLocks noGrp="1"/>
           </p:cNvSpPr>
@@ -1674,19 +1674,19 @@
         <p:spPr>
           <a:xfrm>
             <a:off x="685800" y="1143000"/>
-            <a:ext cx="5485680" cy="3085560"/>
-          </a:xfrm>
-          <a:prstGeom prst="rect">
-            <a:avLst/>
-          </a:prstGeom>
-          <a:ln w="0">
-            <a:noFill/>
-          </a:ln>
-        </p:spPr>
-      </p:sp>
-      <p:sp>
-        <p:nvSpPr>
-          <p:cNvPr id="135" name="PlaceHolder 2"/>
+            <a:ext cx="5485320" cy="3085200"/>
+          </a:xfrm>
+          <a:prstGeom prst="rect">
+            <a:avLst/>
+          </a:prstGeom>
+          <a:ln w="0">
+            <a:noFill/>
+          </a:ln>
+        </p:spPr>
+      </p:sp>
+      <p:sp>
+        <p:nvSpPr>
+          <p:cNvPr id="133" name="PlaceHolder 2"/>
           <p:cNvSpPr>
             <a:spLocks noGrp="1"/>
           </p:cNvSpPr>
@@ -1697,7 +1697,7 @@
         <p:spPr>
           <a:xfrm>
             <a:off x="685800" y="4400640"/>
-            <a:ext cx="5485680" cy="3599640"/>
+            <a:ext cx="5485320" cy="3599280"/>
           </a:xfrm>
           <a:prstGeom prst="rect">
             <a:avLst/>
@@ -1726,7 +1726,7 @@
       </p:sp>
       <p:sp>
         <p:nvSpPr>
-          <p:cNvPr id="136" name="PlaceHolder 3"/>
+          <p:cNvPr id="134" name="PlaceHolder 3"/>
           <p:cNvSpPr>
             <a:spLocks noGrp="1"/>
           </p:cNvSpPr>
@@ -1737,7 +1737,7 @@
         <p:spPr>
           <a:xfrm>
             <a:off x="3884760" y="8685360"/>
-            <a:ext cx="2971080" cy="457920"/>
+            <a:ext cx="2970720" cy="457560"/>
           </a:xfrm>
           <a:prstGeom prst="rect">
             <a:avLst/>
@@ -1779,7 +1779,7 @@
                 <a:tab algn="l" pos="0"/>
               </a:tabLst>
             </a:pPr>
-            <a:fld id="{E59DEF78-A97A-4B6C-9EFC-207B36571F6C}" type="slidenum">
+            <a:fld id="{674D36BF-A4A9-45BF-8ED5-00E3D03E57B3}" type="slidenum">
               <a:rPr b="0" lang="pl-PL" sz="1200" spc="-1" strike="noStrike">
                 <a:solidFill>
                   <a:schemeClr val="dk1"/>
@@ -1822,7 +1822,7 @@
       </p:grpSpPr>
       <p:sp>
         <p:nvSpPr>
-          <p:cNvPr id="137" name="PlaceHolder 1"/>
+          <p:cNvPr id="135" name="PlaceHolder 1"/>
           <p:cNvSpPr>
             <a:spLocks noGrp="1"/>
           </p:cNvSpPr>
@@ -1833,19 +1833,19 @@
         <p:spPr>
           <a:xfrm>
             <a:off x="685800" y="1143000"/>
-            <a:ext cx="5485680" cy="3085560"/>
-          </a:xfrm>
-          <a:prstGeom prst="rect">
-            <a:avLst/>
-          </a:prstGeom>
-          <a:ln w="0">
-            <a:noFill/>
-          </a:ln>
-        </p:spPr>
-      </p:sp>
-      <p:sp>
-        <p:nvSpPr>
-          <p:cNvPr id="138" name="PlaceHolder 2"/>
+            <a:ext cx="5485320" cy="3085200"/>
+          </a:xfrm>
+          <a:prstGeom prst="rect">
+            <a:avLst/>
+          </a:prstGeom>
+          <a:ln w="0">
+            <a:noFill/>
+          </a:ln>
+        </p:spPr>
+      </p:sp>
+      <p:sp>
+        <p:nvSpPr>
+          <p:cNvPr id="136" name="PlaceHolder 2"/>
           <p:cNvSpPr>
             <a:spLocks noGrp="1"/>
           </p:cNvSpPr>
@@ -1856,7 +1856,7 @@
         <p:spPr>
           <a:xfrm>
             <a:off x="685800" y="4400640"/>
-            <a:ext cx="5485680" cy="3599640"/>
+            <a:ext cx="5485320" cy="3599280"/>
           </a:xfrm>
           <a:prstGeom prst="rect">
             <a:avLst/>
@@ -1885,7 +1885,7 @@
       </p:sp>
       <p:sp>
         <p:nvSpPr>
-          <p:cNvPr id="139" name="PlaceHolder 3"/>
+          <p:cNvPr id="137" name="PlaceHolder 3"/>
           <p:cNvSpPr>
             <a:spLocks noGrp="1"/>
           </p:cNvSpPr>
@@ -1896,7 +1896,7 @@
         <p:spPr>
           <a:xfrm>
             <a:off x="3884760" y="8685360"/>
-            <a:ext cx="2971080" cy="457920"/>
+            <a:ext cx="2970720" cy="457560"/>
           </a:xfrm>
           <a:prstGeom prst="rect">
             <a:avLst/>
@@ -1938,7 +1938,7 @@
                 <a:tab algn="l" pos="0"/>
               </a:tabLst>
             </a:pPr>
-            <a:fld id="{117F90A4-D85D-4FAB-86F7-54BD9A87CF6E}" type="slidenum">
+            <a:fld id="{A4FAB3FF-FCA8-4BB8-99D7-94FFBBDB284D}" type="slidenum">
               <a:rPr b="0" lang="pl-PL" sz="1200" spc="-1" strike="noStrike">
                 <a:solidFill>
                   <a:schemeClr val="dk1"/>
@@ -4084,7 +4084,7 @@
         <p:spPr>
           <a:xfrm>
             <a:off x="0" y="0"/>
-            <a:ext cx="14629680" cy="8228880"/>
+            <a:ext cx="14629320" cy="8228520"/>
           </a:xfrm>
           <a:prstGeom prst="rect">
             <a:avLst/>
@@ -4103,7 +4103,7 @@
         <p:spPr>
           <a:xfrm>
             <a:off x="0" y="0"/>
-            <a:ext cx="14629680" cy="8228880"/>
+            <a:ext cx="14629320" cy="8228520"/>
           </a:xfrm>
           <a:prstGeom prst="rect">
             <a:avLst/>
@@ -4152,7 +4152,7 @@
         <p:spPr>
           <a:xfrm>
             <a:off x="6319440" y="1668240"/>
-            <a:ext cx="7476840" cy="2498760"/>
+            <a:ext cx="7476480" cy="2498400"/>
           </a:xfrm>
           <a:prstGeom prst="rect">
             <a:avLst/>
@@ -4209,7 +4209,7 @@
         <p:spPr>
           <a:xfrm>
             <a:off x="6319440" y="4501080"/>
-            <a:ext cx="7476840" cy="1420920"/>
+            <a:ext cx="7476480" cy="1420560"/>
           </a:xfrm>
           <a:prstGeom prst="rect">
             <a:avLst/>
@@ -4266,7 +4266,7 @@
         <p:spPr>
           <a:xfrm>
             <a:off x="6319440" y="6189120"/>
-            <a:ext cx="354600" cy="354600"/>
+            <a:ext cx="354240" cy="354240"/>
           </a:xfrm>
           <a:prstGeom prst="roundRect">
             <a:avLst>
@@ -4319,32 +4319,7 @@
         <p:spPr>
           <a:xfrm>
             <a:off x="0" y="0"/>
-            <a:ext cx="5485680" cy="8228880"/>
-          </a:xfrm>
-          <a:prstGeom prst="rect">
-            <a:avLst/>
-          </a:prstGeom>
-          <a:ln w="0">
-            <a:noFill/>
-          </a:ln>
-        </p:spPr>
-      </p:pic>
-      <p:pic>
-        <p:nvPicPr>
-          <p:cNvPr id="50" name="Image 3" descr="preencoded.png">
-            <a:hlinkClick r:id="rId3"/>
-          </p:cNvPr>
-          <p:cNvPicPr/>
-          <p:nvPr/>
-        </p:nvPicPr>
-        <p:blipFill>
-          <a:blip r:embed="rId4"/>
-          <a:stretch/>
-        </p:blipFill>
-        <p:spPr>
-          <a:xfrm>
-            <a:off x="12242160" y="7589520"/>
-            <a:ext cx="2296080" cy="547920"/>
+            <a:ext cx="5485320" cy="8228520"/>
           </a:xfrm>
           <a:prstGeom prst="rect">
             <a:avLst/>
@@ -4386,7 +4361,7 @@
       </p:grpSpPr>
       <p:pic>
         <p:nvPicPr>
-          <p:cNvPr id="106" name="Image 5" descr="preencoded.png"/>
+          <p:cNvPr id="104" name="Image 5" descr="preencoded.png"/>
           <p:cNvPicPr/>
           <p:nvPr/>
         </p:nvPicPr>
@@ -4397,7 +4372,7 @@
         <p:spPr>
           <a:xfrm>
             <a:off x="0" y="0"/>
-            <a:ext cx="14629680" cy="8228880"/>
+            <a:ext cx="14629320" cy="8228520"/>
           </a:xfrm>
           <a:prstGeom prst="rect">
             <a:avLst/>
@@ -4409,14 +4384,14 @@
       </p:pic>
       <p:sp>
         <p:nvSpPr>
-          <p:cNvPr id="107" name="Shape 1"/>
+          <p:cNvPr id="105" name="Shape 1"/>
           <p:cNvSpPr/>
           <p:nvPr/>
         </p:nvSpPr>
         <p:spPr>
           <a:xfrm>
             <a:off x="0" y="0"/>
-            <a:ext cx="14629680" cy="8228880"/>
+            <a:ext cx="14629320" cy="8228520"/>
           </a:xfrm>
           <a:prstGeom prst="rect">
             <a:avLst/>
@@ -4442,6 +4417,11 @@
             <a:noAutofit/>
           </a:bodyPr>
           <a:p>
+            <a:pPr>
+              <a:lnSpc>
+                <a:spcPct val="100000"/>
+              </a:lnSpc>
+            </a:pPr>
             <a:endParaRPr b="0" lang="pl-PL" sz="1800" spc="-1" strike="noStrike">
               <a:solidFill>
                 <a:srgbClr val="000000"/>
@@ -4453,14 +4433,14 @@
       </p:sp>
       <p:sp>
         <p:nvSpPr>
-          <p:cNvPr id="108" name="Text 8"/>
+          <p:cNvPr id="106" name="Text 8"/>
           <p:cNvSpPr/>
           <p:nvPr/>
         </p:nvSpPr>
         <p:spPr>
           <a:xfrm>
             <a:off x="2037960" y="1437840"/>
-            <a:ext cx="10553760" cy="1388160"/>
+            <a:ext cx="10553400" cy="1387800"/>
           </a:xfrm>
           <a:prstGeom prst="rect">
             <a:avLst/>
@@ -4497,27 +4477,7 @@
                 <a:latin typeface="Libre Baskerville"/>
                 <a:ea typeface="Libre Baskerville"/>
               </a:rPr>
-              <a:t>System </a:t>
-            </a:r>
-            <a:r>
-              <a:rPr b="0" lang="pl-PL" sz="4370" spc="-1" strike="noStrike">
-                <a:solidFill>
-                  <a:srgbClr val="5c4e3d"/>
-                </a:solidFill>
-                <a:latin typeface="Libre Baskerville"/>
-                <a:ea typeface="Libre Baskerville"/>
-              </a:rPr>
-              <a:t>wykonany </a:t>
-            </a:r>
-            <a:r>
-              <a:rPr b="0" lang="pl-PL" sz="4370" spc="-1" strike="noStrike">
-                <a:solidFill>
-                  <a:srgbClr val="5c4e3d"/>
-                </a:solidFill>
-                <a:latin typeface="Libre Baskerville"/>
-                <a:ea typeface="Libre Baskerville"/>
-              </a:rPr>
-              <a:t>przez team:</a:t>
+              <a:t>System wykonany przez team:</a:t>
             </a:r>
             <a:endParaRPr b="0" lang="pl-PL" sz="4370" spc="-1" strike="noStrike">
               <a:solidFill>
@@ -4530,14 +4490,14 @@
       </p:sp>
       <p:sp>
         <p:nvSpPr>
-          <p:cNvPr id="109" name="Text 20"/>
+          <p:cNvPr id="107" name="Text 20"/>
           <p:cNvSpPr/>
           <p:nvPr/>
         </p:nvSpPr>
         <p:spPr>
           <a:xfrm>
             <a:off x="5580000" y="4500000"/>
-            <a:ext cx="4140000" cy="1353240"/>
+            <a:ext cx="4139640" cy="1352880"/>
           </a:xfrm>
           <a:prstGeom prst="rect">
             <a:avLst/>
@@ -4576,25 +4536,25 @@
               </a:rPr>
               <a:t>WWZM</a:t>
             </a:r>
-            <a:endParaRPr b="1" lang="pl-PL" sz="7200" spc="-1" strike="noStrike">
-              <a:solidFill>
-                <a:srgbClr val="000000"/>
-              </a:solidFill>
-              <a:latin typeface="Arial"/>
-            </a:endParaRPr>
-          </a:p>
-        </p:txBody>
-      </p:sp>
-      <p:sp>
-        <p:nvSpPr>
-          <p:cNvPr id="110" name="Text 11"/>
+            <a:endParaRPr b="0" lang="pl-PL" sz="7200" spc="-1" strike="noStrike">
+              <a:solidFill>
+                <a:srgbClr val="000000"/>
+              </a:solidFill>
+              <a:latin typeface="Arial"/>
+            </a:endParaRPr>
+          </a:p>
+        </p:txBody>
+      </p:sp>
+      <p:sp>
+        <p:nvSpPr>
+          <p:cNvPr id="108" name="Text 11"/>
           <p:cNvSpPr/>
           <p:nvPr/>
         </p:nvSpPr>
         <p:spPr>
           <a:xfrm>
             <a:off x="12060000" y="7200000"/>
-            <a:ext cx="1800000" cy="720000"/>
+            <a:ext cx="1799640" cy="719640"/>
           </a:xfrm>
           <a:prstGeom prst="rect">
             <a:avLst/>
@@ -4637,21 +4597,21 @@
               <a:solidFill>
                 <a:srgbClr val="000000"/>
               </a:solidFill>
-              <a:latin typeface="Apple LiGothic"/>
-            </a:endParaRPr>
-          </a:p>
-        </p:txBody>
-      </p:sp>
-      <p:sp>
-        <p:nvSpPr>
-          <p:cNvPr id="111" name="Shape 6"/>
+              <a:latin typeface="Arial"/>
+            </a:endParaRPr>
+          </a:p>
+        </p:txBody>
+      </p:sp>
+      <p:sp>
+        <p:nvSpPr>
+          <p:cNvPr id="109" name="Shape 6"/>
           <p:cNvSpPr/>
           <p:nvPr/>
         </p:nvSpPr>
         <p:spPr>
           <a:xfrm>
             <a:off x="11700000" y="5040000"/>
-            <a:ext cx="2340000" cy="2252160"/>
+            <a:ext cx="2339640" cy="2251800"/>
           </a:xfrm>
           <a:prstGeom prst="roundRect">
             <a:avLst>
@@ -4679,6 +4639,11 @@
             <a:noAutofit/>
           </a:bodyPr>
           <a:p>
+            <a:pPr>
+              <a:lnSpc>
+                <a:spcPct val="100000"/>
+              </a:lnSpc>
+            </a:pPr>
             <a:endParaRPr b="0" lang="pl-PL" sz="1800" spc="-1" strike="noStrike">
               <a:solidFill>
                 <a:srgbClr val="000000"/>
@@ -4690,7 +4655,7 @@
       </p:sp>
       <p:pic>
         <p:nvPicPr>
-          <p:cNvPr id="112" name="" descr=""/>
+          <p:cNvPr id="110" name="" descr=""/>
           <p:cNvPicPr/>
           <p:nvPr/>
         </p:nvPicPr>
@@ -4701,7 +4666,7 @@
         <p:spPr>
           <a:xfrm>
             <a:off x="11807280" y="5147280"/>
-            <a:ext cx="2232720" cy="2232720"/>
+            <a:ext cx="2232360" cy="2232360"/>
           </a:xfrm>
           <a:prstGeom prst="rect">
             <a:avLst/>
@@ -4743,7 +4708,7 @@
       </p:grpSpPr>
       <p:pic>
         <p:nvPicPr>
-          <p:cNvPr id="51" name="Image 0" descr="preencoded.png"/>
+          <p:cNvPr id="50" name="Image 0" descr="preencoded.png"/>
           <p:cNvPicPr/>
           <p:nvPr/>
         </p:nvPicPr>
@@ -4754,7 +4719,7 @@
         <p:spPr>
           <a:xfrm>
             <a:off x="0" y="0"/>
-            <a:ext cx="14629680" cy="8228880"/>
+            <a:ext cx="14629320" cy="8228520"/>
           </a:xfrm>
           <a:prstGeom prst="rect">
             <a:avLst/>
@@ -4766,14 +4731,14 @@
       </p:pic>
       <p:sp>
         <p:nvSpPr>
-          <p:cNvPr id="52" name="Shape 0"/>
+          <p:cNvPr id="51" name="Shape 0"/>
           <p:cNvSpPr/>
           <p:nvPr/>
         </p:nvSpPr>
         <p:spPr>
           <a:xfrm>
             <a:off x="17640" y="17640"/>
-            <a:ext cx="14629680" cy="8231400"/>
+            <a:ext cx="14629320" cy="8231040"/>
           </a:xfrm>
           <a:prstGeom prst="rect">
             <a:avLst/>
@@ -4799,6 +4764,11 @@
             <a:noAutofit/>
           </a:bodyPr>
           <a:p>
+            <a:pPr>
+              <a:lnSpc>
+                <a:spcPct val="100000"/>
+              </a:lnSpc>
+            </a:pPr>
             <a:endParaRPr b="0" lang="pl-PL" sz="1800" spc="-1" strike="noStrike">
               <a:solidFill>
                 <a:srgbClr val="000000"/>
@@ -4810,14 +4780,14 @@
       </p:sp>
       <p:sp>
         <p:nvSpPr>
-          <p:cNvPr id="53" name="Text 1"/>
+          <p:cNvPr id="52" name="Text 1"/>
           <p:cNvSpPr/>
           <p:nvPr/>
         </p:nvSpPr>
         <p:spPr>
           <a:xfrm>
             <a:off x="823320" y="603720"/>
-            <a:ext cx="7496640" cy="2057400"/>
+            <a:ext cx="7496280" cy="2057040"/>
           </a:xfrm>
           <a:prstGeom prst="rect">
             <a:avLst/>
@@ -4867,14 +4837,14 @@
       </p:sp>
       <p:sp>
         <p:nvSpPr>
-          <p:cNvPr id="54" name="Text 3"/>
+          <p:cNvPr id="53" name="Text 3"/>
           <p:cNvSpPr/>
           <p:nvPr/>
         </p:nvSpPr>
         <p:spPr>
           <a:xfrm>
             <a:off x="1174320" y="2862360"/>
-            <a:ext cx="7145640" cy="3437640"/>
+            <a:ext cx="7145280" cy="3437280"/>
           </a:xfrm>
           <a:prstGeom prst="rect">
             <a:avLst/>
@@ -4904,8 +4874,7 @@
               <a:solidFill>
                 <a:srgbClr val="000000"/>
               </a:solidFill>
-              <a:latin typeface="AppleSystemUIFont"/>
-              <a:ea typeface="AppleSystemUIFont"/>
+              <a:latin typeface="Arial"/>
             </a:endParaRPr>
           </a:p>
           <a:p>
@@ -4928,8 +4897,27 @@
                 <a:latin typeface="DM Sans"/>
                 <a:ea typeface="DM Sans"/>
               </a:rPr>
-              <a:t>Określenie faktycznych kosztów kształcenia w przeliczeniu </a:t>
+              <a:t>Określenie faktycznych kosztów kształcenia w przeliczeniu na jednego ucznia</a:t>
             </a:r>
+            <a:endParaRPr b="0" lang="pl-PL" sz="2100" spc="-1" strike="noStrike">
+              <a:solidFill>
+                <a:srgbClr val="000000"/>
+              </a:solidFill>
+              <a:latin typeface="Arial"/>
+            </a:endParaRPr>
+          </a:p>
+          <a:p>
+            <a:pPr marL="216000" indent="-216000">
+              <a:lnSpc>
+                <a:spcPct val="150000"/>
+              </a:lnSpc>
+              <a:buClr>
+                <a:srgbClr val="000000"/>
+              </a:buClr>
+              <a:buSzPct val="45000"/>
+              <a:buFont typeface="Wingdings" charset="2"/>
+              <a:buChar char=""/>
+            </a:pPr>
             <a:r>
               <a:rPr b="0" lang="pl-PL" sz="2100" spc="-1" strike="noStrike">
                 <a:solidFill>
@@ -4938,14 +4926,13 @@
                 <a:latin typeface="DM Sans"/>
                 <a:ea typeface="DM Sans"/>
               </a:rPr>
-              <a:t>na jednego ucznia</a:t>
+              <a:t>Podniesienie jakości kształcenia przy efektywnym gospodarowaniu budżetem</a:t>
             </a:r>
             <a:endParaRPr b="0" lang="pl-PL" sz="2100" spc="-1" strike="noStrike">
               <a:solidFill>
                 <a:srgbClr val="000000"/>
               </a:solidFill>
-              <a:latin typeface="AppleSystemUIFont"/>
-              <a:ea typeface="AppleSystemUIFont"/>
+              <a:latin typeface="Arial"/>
             </a:endParaRPr>
           </a:p>
           <a:p>
@@ -4968,64 +4955,13 @@
                 <a:latin typeface="DM Sans"/>
                 <a:ea typeface="DM Sans"/>
               </a:rPr>
-              <a:t>Podniesienie jakości kształcenia przy efektywnym </a:t>
-            </a:r>
-            <a:r>
-              <a:rPr b="0" lang="pl-PL" sz="2100" spc="-1" strike="noStrike">
-                <a:solidFill>
-                  <a:srgbClr val="454240"/>
-                </a:solidFill>
-                <a:latin typeface="DM Sans"/>
-                <a:ea typeface="DM Sans"/>
-              </a:rPr>
-              <a:t>gospodarowaniu budżetem</a:t>
+              <a:t>Poszukiwanie przestrzeni do oszczędności w prowadzeniu szkół</a:t>
             </a:r>
             <a:endParaRPr b="0" lang="pl-PL" sz="2100" spc="-1" strike="noStrike">
               <a:solidFill>
                 <a:srgbClr val="000000"/>
               </a:solidFill>
-              <a:latin typeface="AppleSystemUIFont"/>
-              <a:ea typeface="AppleSystemUIFont"/>
-            </a:endParaRPr>
-          </a:p>
-          <a:p>
-            <a:pPr marL="216000" indent="-216000">
-              <a:lnSpc>
-                <a:spcPct val="150000"/>
-              </a:lnSpc>
-              <a:buClr>
-                <a:srgbClr val="000000"/>
-              </a:buClr>
-              <a:buSzPct val="45000"/>
-              <a:buFont typeface="Wingdings" charset="2"/>
-              <a:buChar char=""/>
-            </a:pPr>
-            <a:r>
-              <a:rPr b="0" lang="pl-PL" sz="2100" spc="-1" strike="noStrike">
-                <a:solidFill>
-                  <a:srgbClr val="454240"/>
-                </a:solidFill>
-                <a:latin typeface="DM Sans"/>
-                <a:ea typeface="DM Sans"/>
-              </a:rPr>
-              <a:t>Poszukiwanie przestrzeni do oszczędności w prowadzeniu </a:t>
-            </a:r>
-            <a:r>
-              <a:rPr b="0" lang="pl-PL" sz="2100" spc="-1" strike="noStrike">
-                <a:solidFill>
-                  <a:srgbClr val="454240"/>
-                </a:solidFill>
-                <a:latin typeface="DM Sans"/>
-                <a:ea typeface="DM Sans"/>
-              </a:rPr>
-              <a:t>szkół</a:t>
-            </a:r>
-            <a:endParaRPr b="0" lang="pl-PL" sz="2100" spc="-1" strike="noStrike">
-              <a:solidFill>
-                <a:srgbClr val="000000"/>
-              </a:solidFill>
-              <a:latin typeface="AppleSystemUIFont"/>
-              <a:ea typeface="AppleSystemUIFont"/>
+              <a:latin typeface="Arial"/>
             </a:endParaRPr>
           </a:p>
           <a:p>
@@ -5054,15 +4990,14 @@
               <a:solidFill>
                 <a:srgbClr val="000000"/>
               </a:solidFill>
-              <a:latin typeface="AppleSystemUIFont"/>
-              <a:ea typeface="AppleSystemUIFont"/>
+              <a:latin typeface="Arial"/>
             </a:endParaRPr>
           </a:p>
         </p:txBody>
       </p:sp>
       <p:pic>
         <p:nvPicPr>
-          <p:cNvPr id="55" name="Image 1" descr="preencoded.png"/>
+          <p:cNvPr id="54" name="Image 1" descr="preencoded.png"/>
           <p:cNvPicPr/>
           <p:nvPr/>
         </p:nvPicPr>
@@ -5073,7 +5008,7 @@
         <p:spPr>
           <a:xfrm>
             <a:off x="9144000" y="0"/>
-            <a:ext cx="5485680" cy="8231400"/>
+            <a:ext cx="5485320" cy="8231040"/>
           </a:xfrm>
           <a:prstGeom prst="rect">
             <a:avLst/>
@@ -5083,41 +5018,16 @@
           </a:ln>
         </p:spPr>
       </p:pic>
-      <p:pic>
-        <p:nvPicPr>
-          <p:cNvPr id="56" name="Image 2" descr="preencoded.png">
-            <a:hlinkClick r:id="rId3"/>
-          </p:cNvPr>
-          <p:cNvPicPr/>
-          <p:nvPr/>
-        </p:nvPicPr>
-        <p:blipFill>
-          <a:blip r:embed="rId4"/>
-          <a:stretch/>
-        </p:blipFill>
-        <p:spPr>
-          <a:xfrm>
-            <a:off x="12242160" y="7589520"/>
-            <a:ext cx="2296080" cy="547920"/>
-          </a:xfrm>
-          <a:prstGeom prst="rect">
-            <a:avLst/>
-          </a:prstGeom>
-          <a:ln w="0">
-            <a:noFill/>
-          </a:ln>
-        </p:spPr>
-      </p:pic>
-      <p:sp>
-        <p:nvSpPr>
-          <p:cNvPr id="57" name="Text 24"/>
+      <p:sp>
+        <p:nvSpPr>
+          <p:cNvPr id="55" name="Text 24"/>
           <p:cNvSpPr/>
           <p:nvPr/>
         </p:nvSpPr>
         <p:spPr>
           <a:xfrm>
             <a:off x="900000" y="2319480"/>
-            <a:ext cx="7145640" cy="701640"/>
+            <a:ext cx="7145280" cy="701280"/>
           </a:xfrm>
           <a:prstGeom prst="rect">
             <a:avLst/>
@@ -5138,6 +5048,11 @@
             <a:noAutofit/>
           </a:bodyPr>
           <a:p>
+            <a:pPr>
+              <a:lnSpc>
+                <a:spcPct val="100000"/>
+              </a:lnSpc>
+            </a:pPr>
             <a:r>
               <a:rPr b="1" lang="pl-PL" sz="2200" spc="-1" strike="noStrike">
                 <a:solidFill>
@@ -5146,14 +5061,13 @@
                 <a:latin typeface="DM Sans"/>
                 <a:ea typeface="DM Sans"/>
               </a:rPr>
-              <a:t>Wyzwania w Zarządzaniu Budżetem Oświatowym:</a:t>
+              <a:t>Wyzwania w Zarządzaniu Budżetem Oświatowym</a:t>
             </a:r>
-            <a:endParaRPr b="1" lang="pl-PL" sz="2200" spc="-1" strike="noStrike">
-              <a:solidFill>
-                <a:srgbClr val="0e121d"/>
-              </a:solidFill>
-              <a:latin typeface="Sohne-Halbfett"/>
-              <a:ea typeface="Sohne-Halbfett"/>
+            <a:endParaRPr b="0" lang="pl-PL" sz="2200" spc="-1" strike="noStrike">
+              <a:solidFill>
+                <a:srgbClr val="000000"/>
+              </a:solidFill>
+              <a:latin typeface="Arial"/>
             </a:endParaRPr>
           </a:p>
         </p:txBody>
@@ -5190,7 +5104,7 @@
       </p:grpSpPr>
       <p:pic>
         <p:nvPicPr>
-          <p:cNvPr id="58" name="Image 0" descr="preencoded.png"/>
+          <p:cNvPr id="56" name="Image 0" descr="preencoded.png"/>
           <p:cNvPicPr/>
           <p:nvPr/>
         </p:nvPicPr>
@@ -5201,7 +5115,7 @@
         <p:spPr>
           <a:xfrm>
             <a:off x="0" y="0"/>
-            <a:ext cx="14629680" cy="8228880"/>
+            <a:ext cx="14629320" cy="8228520"/>
           </a:xfrm>
           <a:prstGeom prst="rect">
             <a:avLst/>
@@ -5213,14 +5127,14 @@
       </p:pic>
       <p:sp>
         <p:nvSpPr>
-          <p:cNvPr id="59" name="Shape 0"/>
+          <p:cNvPr id="57" name="Shape 0"/>
           <p:cNvSpPr/>
           <p:nvPr/>
         </p:nvSpPr>
         <p:spPr>
           <a:xfrm>
             <a:off x="0" y="0"/>
-            <a:ext cx="14629680" cy="8228880"/>
+            <a:ext cx="14629320" cy="8228520"/>
           </a:xfrm>
           <a:prstGeom prst="rect">
             <a:avLst/>
@@ -5246,6 +5160,11 @@
             <a:noAutofit/>
           </a:bodyPr>
           <a:p>
+            <a:pPr>
+              <a:lnSpc>
+                <a:spcPct val="100000"/>
+              </a:lnSpc>
+            </a:pPr>
             <a:endParaRPr b="0" lang="pl-PL" sz="1800" spc="-1" strike="noStrike">
               <a:solidFill>
                 <a:srgbClr val="000000"/>
@@ -5257,14 +5176,14 @@
       </p:sp>
       <p:sp>
         <p:nvSpPr>
-          <p:cNvPr id="60" name="Text 1"/>
+          <p:cNvPr id="58" name="Text 1"/>
           <p:cNvSpPr/>
           <p:nvPr/>
         </p:nvSpPr>
         <p:spPr>
           <a:xfrm>
             <a:off x="2037960" y="1437840"/>
-            <a:ext cx="10553760" cy="1388160"/>
+            <a:ext cx="10553400" cy="1387800"/>
           </a:xfrm>
           <a:prstGeom prst="rect">
             <a:avLst/>
@@ -5314,14 +5233,14 @@
       </p:sp>
       <p:sp>
         <p:nvSpPr>
-          <p:cNvPr id="61" name="Shape 2"/>
+          <p:cNvPr id="59" name="Shape 2"/>
           <p:cNvSpPr/>
           <p:nvPr/>
         </p:nvSpPr>
         <p:spPr>
           <a:xfrm>
             <a:off x="741960" y="3270960"/>
-            <a:ext cx="3371760" cy="4318560"/>
+            <a:ext cx="3371400" cy="4318200"/>
           </a:xfrm>
           <a:prstGeom prst="roundRect">
             <a:avLst>
@@ -5349,6 +5268,11 @@
             <a:noAutofit/>
           </a:bodyPr>
           <a:p>
+            <a:pPr>
+              <a:lnSpc>
+                <a:spcPct val="100000"/>
+              </a:lnSpc>
+            </a:pPr>
             <a:endParaRPr b="0" lang="pl-PL" sz="1800" spc="-1" strike="noStrike">
               <a:solidFill>
                 <a:srgbClr val="000000"/>
@@ -5360,14 +5284,14 @@
       </p:sp>
       <p:sp>
         <p:nvSpPr>
-          <p:cNvPr id="62" name="Text 3"/>
+          <p:cNvPr id="60" name="Text 3"/>
           <p:cNvSpPr/>
           <p:nvPr/>
         </p:nvSpPr>
         <p:spPr>
           <a:xfrm>
             <a:off x="978120" y="3506760"/>
-            <a:ext cx="2897280" cy="693720"/>
+            <a:ext cx="2896920" cy="693360"/>
           </a:xfrm>
           <a:prstGeom prst="rect">
             <a:avLst/>
@@ -5417,14 +5341,14 @@
       </p:sp>
       <p:sp>
         <p:nvSpPr>
-          <p:cNvPr id="63" name="Shape 5"/>
+          <p:cNvPr id="61" name="Shape 5"/>
           <p:cNvSpPr/>
           <p:nvPr/>
         </p:nvSpPr>
         <p:spPr>
           <a:xfrm>
             <a:off x="4680000" y="3270960"/>
-            <a:ext cx="5220000" cy="4318560"/>
+            <a:ext cx="5219640" cy="4318200"/>
           </a:xfrm>
           <a:prstGeom prst="roundRect">
             <a:avLst>
@@ -5452,6 +5376,11 @@
             <a:noAutofit/>
           </a:bodyPr>
           <a:p>
+            <a:pPr>
+              <a:lnSpc>
+                <a:spcPct val="100000"/>
+              </a:lnSpc>
+            </a:pPr>
             <a:endParaRPr b="0" lang="pl-PL" sz="1800" spc="-1" strike="noStrike">
               <a:solidFill>
                 <a:srgbClr val="000000"/>
@@ -5463,14 +5392,14 @@
       </p:sp>
       <p:sp>
         <p:nvSpPr>
-          <p:cNvPr id="64" name="Text 6"/>
+          <p:cNvPr id="62" name="Text 6"/>
           <p:cNvSpPr/>
           <p:nvPr/>
         </p:nvSpPr>
         <p:spPr>
           <a:xfrm>
             <a:off x="5866200" y="3506760"/>
-            <a:ext cx="2897280" cy="693720"/>
+            <a:ext cx="2896920" cy="693360"/>
           </a:xfrm>
           <a:prstGeom prst="rect">
             <a:avLst/>
@@ -5520,14 +5449,14 @@
       </p:sp>
       <p:sp>
         <p:nvSpPr>
-          <p:cNvPr id="65" name="Text 7"/>
+          <p:cNvPr id="63" name="Text 7"/>
           <p:cNvSpPr/>
           <p:nvPr/>
         </p:nvSpPr>
         <p:spPr>
           <a:xfrm>
             <a:off x="5040000" y="4423320"/>
-            <a:ext cx="4680000" cy="2956680"/>
+            <a:ext cx="4679640" cy="2956320"/>
           </a:xfrm>
           <a:prstGeom prst="rect">
             <a:avLst/>
@@ -5570,21 +5499,20 @@
                 <a:srgbClr val="000000"/>
               </a:solidFill>
               <a:latin typeface="Arial"/>
-              <a:ea typeface="PingFang SC"/>
-            </a:endParaRPr>
-          </a:p>
-        </p:txBody>
-      </p:sp>
-      <p:sp>
-        <p:nvSpPr>
-          <p:cNvPr id="66" name="Shape 8"/>
+            </a:endParaRPr>
+          </a:p>
+        </p:txBody>
+      </p:sp>
+      <p:sp>
+        <p:nvSpPr>
+          <p:cNvPr id="64" name="Shape 8"/>
           <p:cNvSpPr/>
           <p:nvPr/>
         </p:nvSpPr>
         <p:spPr>
           <a:xfrm>
             <a:off x="10488240" y="3270960"/>
-            <a:ext cx="3371760" cy="4318560"/>
+            <a:ext cx="3371400" cy="4318200"/>
           </a:xfrm>
           <a:prstGeom prst="roundRect">
             <a:avLst>
@@ -5612,6 +5540,11 @@
             <a:noAutofit/>
           </a:bodyPr>
           <a:p>
+            <a:pPr>
+              <a:lnSpc>
+                <a:spcPct val="100000"/>
+              </a:lnSpc>
+            </a:pPr>
             <a:endParaRPr b="0" lang="pl-PL" sz="1800" spc="-1" strike="noStrike">
               <a:solidFill>
                 <a:srgbClr val="000000"/>
@@ -5623,14 +5556,14 @@
       </p:sp>
       <p:sp>
         <p:nvSpPr>
-          <p:cNvPr id="67" name="Text 9"/>
+          <p:cNvPr id="65" name="Text 9"/>
           <p:cNvSpPr/>
           <p:nvPr/>
         </p:nvSpPr>
         <p:spPr>
           <a:xfrm>
             <a:off x="10718280" y="3506760"/>
-            <a:ext cx="2897280" cy="693720"/>
+            <a:ext cx="2896920" cy="693360"/>
           </a:xfrm>
           <a:prstGeom prst="rect">
             <a:avLst/>
@@ -5680,14 +5613,14 @@
       </p:sp>
       <p:sp>
         <p:nvSpPr>
-          <p:cNvPr id="68" name="Text 10"/>
+          <p:cNvPr id="66" name="Text 10"/>
           <p:cNvSpPr/>
           <p:nvPr/>
         </p:nvSpPr>
         <p:spPr>
           <a:xfrm>
             <a:off x="10718280" y="4423320"/>
-            <a:ext cx="2897280" cy="2131560"/>
+            <a:ext cx="2896920" cy="2131200"/>
           </a:xfrm>
           <a:prstGeom prst="rect">
             <a:avLst/>
@@ -5737,14 +5670,14 @@
       </p:sp>
       <p:sp>
         <p:nvSpPr>
-          <p:cNvPr id="69" name="Text 26"/>
+          <p:cNvPr id="67" name="Text 26"/>
           <p:cNvSpPr/>
           <p:nvPr/>
         </p:nvSpPr>
         <p:spPr>
           <a:xfrm>
             <a:off x="900000" y="4528440"/>
-            <a:ext cx="2897280" cy="2131560"/>
+            <a:ext cx="2896920" cy="2131200"/>
           </a:xfrm>
           <a:prstGeom prst="rect">
             <a:avLst/>
@@ -5781,37 +5714,7 @@
                 <a:latin typeface="DM Sans"/>
                 <a:ea typeface="DM Sans"/>
               </a:rPr>
-              <a:t>Miara efektywnego </a:t>
-            </a:r>
-            <a:r>
-              <a:rPr b="0" lang="pl-PL" sz="1800" spc="-1" strike="noStrike">
-                <a:solidFill>
-                  <a:srgbClr val="454240"/>
-                </a:solidFill>
-                <a:latin typeface="DM Sans"/>
-                <a:ea typeface="DM Sans"/>
-              </a:rPr>
-              <a:t>wykorzystania środków </a:t>
-            </a:r>
-            <a:r>
-              <a:rPr b="0" lang="pl-PL" sz="1800" spc="-1" strike="noStrike">
-                <a:solidFill>
-                  <a:srgbClr val="454240"/>
-                </a:solidFill>
-                <a:latin typeface="DM Sans"/>
-                <a:ea typeface="DM Sans"/>
-              </a:rPr>
-              <a:t>finansowych w kontekście </a:t>
-            </a:r>
-            <a:r>
-              <a:rPr b="0" lang="pl-PL" sz="1800" spc="-1" strike="noStrike">
-                <a:solidFill>
-                  <a:srgbClr val="454240"/>
-                </a:solidFill>
-                <a:latin typeface="DM Sans"/>
-                <a:ea typeface="DM Sans"/>
-              </a:rPr>
-              <a:t>jakości kształcenia</a:t>
+              <a:t>Miara efektywnego wykorzystania środków finansowych w kontekście jakości kształcenia</a:t>
             </a:r>
             <a:endParaRPr b="0" lang="pl-PL" sz="1800" spc="-1" strike="noStrike">
               <a:solidFill>
@@ -5854,7 +5757,7 @@
       </p:grpSpPr>
       <p:pic>
         <p:nvPicPr>
-          <p:cNvPr id="70" name="Image 0" descr="preencoded.png"/>
+          <p:cNvPr id="68" name="Image 0" descr="preencoded.png"/>
           <p:cNvPicPr/>
           <p:nvPr/>
         </p:nvPicPr>
@@ -5865,7 +5768,7 @@
         <p:spPr>
           <a:xfrm>
             <a:off x="0" y="0"/>
-            <a:ext cx="14629680" cy="8228880"/>
+            <a:ext cx="14629320" cy="8228520"/>
           </a:xfrm>
           <a:prstGeom prst="rect">
             <a:avLst/>
@@ -5877,14 +5780,14 @@
       </p:pic>
       <p:sp>
         <p:nvSpPr>
-          <p:cNvPr id="71" name="Shape 0"/>
+          <p:cNvPr id="69" name="Shape 0"/>
           <p:cNvSpPr/>
           <p:nvPr/>
         </p:nvSpPr>
         <p:spPr>
           <a:xfrm>
             <a:off x="0" y="0"/>
-            <a:ext cx="14629680" cy="8228880"/>
+            <a:ext cx="14629320" cy="8228520"/>
           </a:xfrm>
           <a:prstGeom prst="rect">
             <a:avLst/>
@@ -5910,6 +5813,11 @@
             <a:noAutofit/>
           </a:bodyPr>
           <a:p>
+            <a:pPr>
+              <a:lnSpc>
+                <a:spcPct val="100000"/>
+              </a:lnSpc>
+            </a:pPr>
             <a:endParaRPr b="0" lang="pl-PL" sz="1800" spc="-1" strike="noStrike">
               <a:solidFill>
                 <a:srgbClr val="000000"/>
@@ -5921,14 +5829,14 @@
       </p:sp>
       <p:sp>
         <p:nvSpPr>
-          <p:cNvPr id="72" name="Text 1"/>
+          <p:cNvPr id="70" name="Text 1"/>
           <p:cNvSpPr/>
           <p:nvPr/>
         </p:nvSpPr>
         <p:spPr>
           <a:xfrm>
             <a:off x="2037960" y="1973880"/>
-            <a:ext cx="6278040" cy="693720"/>
+            <a:ext cx="6277680" cy="693360"/>
           </a:xfrm>
           <a:prstGeom prst="rect">
             <a:avLst/>
@@ -5978,14 +5886,14 @@
       </p:sp>
       <p:sp>
         <p:nvSpPr>
-          <p:cNvPr id="73" name="Shape 4"/>
+          <p:cNvPr id="71" name="Shape 4"/>
           <p:cNvSpPr/>
           <p:nvPr/>
         </p:nvSpPr>
         <p:spPr>
           <a:xfrm>
             <a:off x="1080000" y="3780000"/>
-            <a:ext cx="3911760" cy="3060000"/>
+            <a:ext cx="3911400" cy="3059640"/>
           </a:xfrm>
           <a:prstGeom prst="roundRect">
             <a:avLst>
@@ -6013,6 +5921,11 @@
             <a:noAutofit/>
           </a:bodyPr>
           <a:p>
+            <a:pPr>
+              <a:lnSpc>
+                <a:spcPct val="100000"/>
+              </a:lnSpc>
+            </a:pPr>
             <a:endParaRPr b="0" lang="pl-PL" sz="1800" spc="-1" strike="noStrike">
               <a:solidFill>
                 <a:srgbClr val="000000"/>
@@ -6024,14 +5937,14 @@
       </p:sp>
       <p:sp>
         <p:nvSpPr>
-          <p:cNvPr id="74" name="Shape 9"/>
+          <p:cNvPr id="72" name="Shape 9"/>
           <p:cNvSpPr/>
           <p:nvPr/>
         </p:nvSpPr>
         <p:spPr>
           <a:xfrm flipV="1">
-            <a:off x="1080360" y="3785760"/>
-            <a:ext cx="3911760" cy="3060000"/>
+            <a:off x="1080360" y="3785040"/>
+            <a:ext cx="3911400" cy="3059640"/>
           </a:xfrm>
           <a:prstGeom prst="roundRect">
             <a:avLst>
@@ -6059,6 +5972,11 @@
             <a:noAutofit/>
           </a:bodyPr>
           <a:p>
+            <a:pPr>
+              <a:lnSpc>
+                <a:spcPct val="100000"/>
+              </a:lnSpc>
+            </a:pPr>
             <a:endParaRPr b="0" lang="pl-PL" sz="1800" spc="-1" strike="noStrike">
               <a:solidFill>
                 <a:srgbClr val="000000"/>
@@ -6070,14 +5988,14 @@
       </p:sp>
       <p:sp>
         <p:nvSpPr>
-          <p:cNvPr id="75" name="Shape 11"/>
+          <p:cNvPr id="73" name="Shape 11"/>
           <p:cNvSpPr/>
           <p:nvPr/>
         </p:nvSpPr>
         <p:spPr>
           <a:xfrm flipV="1">
-            <a:off x="5268240" y="3785760"/>
-            <a:ext cx="3911760" cy="3060000"/>
+            <a:off x="5268240" y="3785040"/>
+            <a:ext cx="3911400" cy="3059640"/>
           </a:xfrm>
           <a:prstGeom prst="roundRect">
             <a:avLst>
@@ -6105,6 +6023,11 @@
             <a:noAutofit/>
           </a:bodyPr>
           <a:p>
+            <a:pPr>
+              <a:lnSpc>
+                <a:spcPct val="100000"/>
+              </a:lnSpc>
+            </a:pPr>
             <a:endParaRPr b="0" lang="pl-PL" sz="1800" spc="-1" strike="noStrike">
               <a:solidFill>
                 <a:srgbClr val="000000"/>
@@ -6116,14 +6039,14 @@
       </p:sp>
       <p:sp>
         <p:nvSpPr>
-          <p:cNvPr id="76" name="Shape 12"/>
+          <p:cNvPr id="74" name="Shape 12"/>
           <p:cNvSpPr/>
           <p:nvPr/>
         </p:nvSpPr>
         <p:spPr>
           <a:xfrm flipV="1">
-            <a:off x="9469800" y="3785760"/>
-            <a:ext cx="3911760" cy="3060000"/>
+            <a:off x="9469800" y="3785040"/>
+            <a:ext cx="3911400" cy="3059640"/>
           </a:xfrm>
           <a:prstGeom prst="roundRect">
             <a:avLst>
@@ -6151,6 +6074,11 @@
             <a:noAutofit/>
           </a:bodyPr>
           <a:p>
+            <a:pPr>
+              <a:lnSpc>
+                <a:spcPct val="100000"/>
+              </a:lnSpc>
+            </a:pPr>
             <a:endParaRPr b="0" lang="pl-PL" sz="1800" spc="-1" strike="noStrike">
               <a:solidFill>
                 <a:srgbClr val="000000"/>
@@ -6162,14 +6090,14 @@
       </p:sp>
       <p:sp>
         <p:nvSpPr>
-          <p:cNvPr id="77" name="Text 2"/>
+          <p:cNvPr id="75" name="Text 2"/>
           <p:cNvSpPr/>
           <p:nvPr/>
         </p:nvSpPr>
         <p:spPr>
           <a:xfrm>
             <a:off x="1524240" y="5220000"/>
-            <a:ext cx="3155760" cy="832320"/>
+            <a:ext cx="3155400" cy="831960"/>
           </a:xfrm>
           <a:prstGeom prst="rect">
             <a:avLst/>
@@ -6219,14 +6147,14 @@
       </p:sp>
       <p:sp>
         <p:nvSpPr>
-          <p:cNvPr id="78" name="Text 4"/>
+          <p:cNvPr id="76" name="Text 4"/>
           <p:cNvSpPr/>
           <p:nvPr/>
         </p:nvSpPr>
         <p:spPr>
           <a:xfrm>
             <a:off x="5681520" y="5177880"/>
-            <a:ext cx="3155760" cy="832320"/>
+            <a:ext cx="3155400" cy="831960"/>
           </a:xfrm>
           <a:prstGeom prst="rect">
             <a:avLst/>
@@ -6276,14 +6204,14 @@
       </p:sp>
       <p:sp>
         <p:nvSpPr>
-          <p:cNvPr id="79" name="Text 6"/>
+          <p:cNvPr id="77" name="Text 6"/>
           <p:cNvSpPr/>
           <p:nvPr/>
         </p:nvSpPr>
         <p:spPr>
           <a:xfrm>
             <a:off x="9912240" y="5148000"/>
-            <a:ext cx="3155760" cy="540000"/>
+            <a:ext cx="3155400" cy="539640"/>
           </a:xfrm>
           <a:prstGeom prst="rect">
             <a:avLst/>
@@ -6363,7 +6291,7 @@
       </p:grpSpPr>
       <p:pic>
         <p:nvPicPr>
-          <p:cNvPr id="80" name="Image 0" descr="preencoded.png"/>
+          <p:cNvPr id="78" name="Image 0" descr="preencoded.png"/>
           <p:cNvPicPr/>
           <p:nvPr/>
         </p:nvPicPr>
@@ -6374,7 +6302,7 @@
         <p:spPr>
           <a:xfrm>
             <a:off x="0" y="0"/>
-            <a:ext cx="14629680" cy="8228880"/>
+            <a:ext cx="14629320" cy="8228520"/>
           </a:xfrm>
           <a:prstGeom prst="rect">
             <a:avLst/>
@@ -6386,14 +6314,14 @@
       </p:pic>
       <p:sp>
         <p:nvSpPr>
-          <p:cNvPr id="81" name="Shape 0"/>
+          <p:cNvPr id="79" name="Shape 0"/>
           <p:cNvSpPr/>
           <p:nvPr/>
         </p:nvSpPr>
         <p:spPr>
           <a:xfrm>
             <a:off x="0" y="0"/>
-            <a:ext cx="14629680" cy="8228880"/>
+            <a:ext cx="14629320" cy="8228520"/>
           </a:xfrm>
           <a:prstGeom prst="rect">
             <a:avLst/>
@@ -6435,14 +6363,14 @@
       </p:sp>
       <p:sp>
         <p:nvSpPr>
-          <p:cNvPr id="82" name="Text 1"/>
+          <p:cNvPr id="80" name="Text 1"/>
           <p:cNvSpPr/>
           <p:nvPr/>
         </p:nvSpPr>
         <p:spPr>
           <a:xfrm>
             <a:off x="2037960" y="694080"/>
-            <a:ext cx="10553760" cy="1388160"/>
+            <a:ext cx="10553400" cy="1387800"/>
           </a:xfrm>
           <a:prstGeom prst="rect">
             <a:avLst/>
@@ -6492,7 +6420,7 @@
       </p:sp>
       <p:pic>
         <p:nvPicPr>
-          <p:cNvPr id="83" name="Image 1" descr="preencoded.png"/>
+          <p:cNvPr id="81" name="Image 1" descr="preencoded.png"/>
           <p:cNvPicPr/>
           <p:nvPr/>
         </p:nvPicPr>
@@ -6503,7 +6431,7 @@
         <p:spPr>
           <a:xfrm>
             <a:off x="1008000" y="1902240"/>
-            <a:ext cx="5472000" cy="3381480"/>
+            <a:ext cx="5471640" cy="3381120"/>
           </a:xfrm>
           <a:prstGeom prst="rect">
             <a:avLst/>
@@ -6515,14 +6443,14 @@
       </p:pic>
       <p:sp>
         <p:nvSpPr>
-          <p:cNvPr id="84" name="Text 2"/>
+          <p:cNvPr id="82" name="Text 2"/>
           <p:cNvSpPr/>
           <p:nvPr/>
         </p:nvSpPr>
         <p:spPr>
           <a:xfrm>
             <a:off x="2176920" y="5582520"/>
-            <a:ext cx="3295080" cy="693720"/>
+            <a:ext cx="3294720" cy="693360"/>
           </a:xfrm>
           <a:prstGeom prst="rect">
             <a:avLst/>
@@ -6572,14 +6500,14 @@
       </p:sp>
       <p:sp>
         <p:nvSpPr>
-          <p:cNvPr id="85" name="Text 3"/>
+          <p:cNvPr id="83" name="Text 3"/>
           <p:cNvSpPr/>
           <p:nvPr/>
         </p:nvSpPr>
         <p:spPr>
           <a:xfrm>
             <a:off x="1384920" y="6499080"/>
-            <a:ext cx="5095080" cy="1420920"/>
+            <a:ext cx="5094720" cy="1420560"/>
           </a:xfrm>
           <a:prstGeom prst="rect">
             <a:avLst/>
@@ -6629,7 +6557,7 @@
       </p:sp>
       <p:pic>
         <p:nvPicPr>
-          <p:cNvPr id="86" name="Image 2" descr="preencoded.png"/>
+          <p:cNvPr id="84" name="Image 2" descr="preencoded.png"/>
           <p:cNvPicPr/>
           <p:nvPr/>
         </p:nvPicPr>
@@ -6640,7 +6568,7 @@
         <p:spPr>
           <a:xfrm>
             <a:off x="8332200" y="4320000"/>
-            <a:ext cx="5244120" cy="3240360"/>
+            <a:ext cx="5243760" cy="3240000"/>
           </a:xfrm>
           <a:prstGeom prst="rect">
             <a:avLst/>
@@ -6652,14 +6580,14 @@
       </p:pic>
       <p:sp>
         <p:nvSpPr>
-          <p:cNvPr id="87" name="Text 4"/>
+          <p:cNvPr id="85" name="Text 4"/>
           <p:cNvSpPr/>
           <p:nvPr/>
         </p:nvSpPr>
         <p:spPr>
           <a:xfrm>
             <a:off x="9844560" y="2160000"/>
-            <a:ext cx="2948400" cy="346320"/>
+            <a:ext cx="2948040" cy="345960"/>
           </a:xfrm>
           <a:prstGeom prst="rect">
             <a:avLst/>
@@ -6709,14 +6637,14 @@
       </p:sp>
       <p:sp>
         <p:nvSpPr>
-          <p:cNvPr id="88" name="Text 5"/>
+          <p:cNvPr id="86" name="Text 5"/>
           <p:cNvSpPr/>
           <p:nvPr/>
         </p:nvSpPr>
         <p:spPr>
           <a:xfrm>
             <a:off x="9180000" y="2903760"/>
-            <a:ext cx="4500000" cy="1776240"/>
+            <a:ext cx="4499640" cy="1775880"/>
           </a:xfrm>
           <a:prstGeom prst="rect">
             <a:avLst/>
@@ -6796,7 +6724,7 @@
       </p:grpSpPr>
       <p:pic>
         <p:nvPicPr>
-          <p:cNvPr id="89" name="Image 4" descr="preencoded.png"/>
+          <p:cNvPr id="87" name="Image 4" descr="preencoded.png"/>
           <p:cNvPicPr/>
           <p:nvPr/>
         </p:nvPicPr>
@@ -6807,7 +6735,7 @@
         <p:spPr>
           <a:xfrm>
             <a:off x="0" y="0"/>
-            <a:ext cx="14629680" cy="8228880"/>
+            <a:ext cx="14629320" cy="8228520"/>
           </a:xfrm>
           <a:prstGeom prst="rect">
             <a:avLst/>
@@ -6819,14 +6747,14 @@
       </p:pic>
       <p:sp>
         <p:nvSpPr>
-          <p:cNvPr id="90" name="Shape 7"/>
+          <p:cNvPr id="88" name="Shape 7"/>
           <p:cNvSpPr/>
           <p:nvPr/>
         </p:nvSpPr>
         <p:spPr>
           <a:xfrm>
             <a:off x="0" y="0"/>
-            <a:ext cx="14629680" cy="8228880"/>
+            <a:ext cx="14629320" cy="8228520"/>
           </a:xfrm>
           <a:prstGeom prst="rect">
             <a:avLst/>
@@ -6852,6 +6780,11 @@
             <a:noAutofit/>
           </a:bodyPr>
           <a:p>
+            <a:pPr>
+              <a:lnSpc>
+                <a:spcPct val="100000"/>
+              </a:lnSpc>
+            </a:pPr>
             <a:endParaRPr b="0" lang="pl-PL" sz="1800" spc="-1" strike="noStrike">
               <a:solidFill>
                 <a:srgbClr val="000000"/>
@@ -6863,14 +6796,14 @@
       </p:sp>
       <p:sp>
         <p:nvSpPr>
-          <p:cNvPr id="91" name="Text 12"/>
+          <p:cNvPr id="89" name="Text 12"/>
           <p:cNvSpPr/>
           <p:nvPr/>
         </p:nvSpPr>
         <p:spPr>
           <a:xfrm>
             <a:off x="2037960" y="694080"/>
-            <a:ext cx="10553760" cy="1388160"/>
+            <a:ext cx="10553400" cy="1387800"/>
           </a:xfrm>
           <a:prstGeom prst="rect">
             <a:avLst/>
@@ -6920,7 +6853,7 @@
       </p:sp>
       <p:pic>
         <p:nvPicPr>
-          <p:cNvPr id="92" name="Image 6" descr="preencoded.png"/>
+          <p:cNvPr id="90" name="Image 6" descr="preencoded.png"/>
           <p:cNvPicPr/>
           <p:nvPr/>
         </p:nvPicPr>
@@ -6931,7 +6864,7 @@
         <p:spPr>
           <a:xfrm>
             <a:off x="2412000" y="1852920"/>
-            <a:ext cx="9540000" cy="5895360"/>
+            <a:ext cx="9539640" cy="5895000"/>
           </a:xfrm>
           <a:prstGeom prst="rect">
             <a:avLst/>
@@ -6973,7 +6906,7 @@
       </p:grpSpPr>
       <p:pic>
         <p:nvPicPr>
-          <p:cNvPr id="93" name="Image 9" descr="preencoded.png"/>
+          <p:cNvPr id="91" name="Image 9" descr="preencoded.png"/>
           <p:cNvPicPr/>
           <p:nvPr/>
         </p:nvPicPr>
@@ -6984,7 +6917,7 @@
         <p:spPr>
           <a:xfrm>
             <a:off x="0" y="0"/>
-            <a:ext cx="14629680" cy="8228880"/>
+            <a:ext cx="14629320" cy="8228520"/>
           </a:xfrm>
           <a:prstGeom prst="rect">
             <a:avLst/>
@@ -6996,14 +6929,14 @@
       </p:pic>
       <p:sp>
         <p:nvSpPr>
-          <p:cNvPr id="94" name="Shape 13"/>
+          <p:cNvPr id="92" name="Shape 13"/>
           <p:cNvSpPr/>
           <p:nvPr/>
         </p:nvSpPr>
         <p:spPr>
           <a:xfrm>
             <a:off x="0" y="0"/>
-            <a:ext cx="14629680" cy="8228880"/>
+            <a:ext cx="14629320" cy="8228520"/>
           </a:xfrm>
           <a:prstGeom prst="rect">
             <a:avLst/>
@@ -7029,6 +6962,11 @@
             <a:noAutofit/>
           </a:bodyPr>
           <a:p>
+            <a:pPr>
+              <a:lnSpc>
+                <a:spcPct val="100000"/>
+              </a:lnSpc>
+            </a:pPr>
             <a:endParaRPr b="0" lang="pl-PL" sz="1800" spc="-1" strike="noStrike">
               <a:solidFill>
                 <a:srgbClr val="000000"/>
@@ -7040,14 +6978,14 @@
       </p:sp>
       <p:sp>
         <p:nvSpPr>
-          <p:cNvPr id="95" name="Text 14"/>
+          <p:cNvPr id="93" name="Text 14"/>
           <p:cNvSpPr/>
           <p:nvPr/>
         </p:nvSpPr>
         <p:spPr>
           <a:xfrm>
             <a:off x="2037960" y="694080"/>
-            <a:ext cx="10553760" cy="1388160"/>
+            <a:ext cx="10553400" cy="1387800"/>
           </a:xfrm>
           <a:prstGeom prst="rect">
             <a:avLst/>
@@ -7097,7 +7035,7 @@
       </p:sp>
       <p:pic>
         <p:nvPicPr>
-          <p:cNvPr id="96" name="Image 11" descr="preencoded.png"/>
+          <p:cNvPr id="94" name="Image 11" descr="preencoded.png"/>
           <p:cNvPicPr/>
           <p:nvPr/>
         </p:nvPicPr>
@@ -7108,7 +7046,7 @@
         <p:spPr>
           <a:xfrm>
             <a:off x="2659680" y="1873800"/>
-            <a:ext cx="9436320" cy="5830560"/>
+            <a:ext cx="9435960" cy="5830200"/>
           </a:xfrm>
           <a:prstGeom prst="rect">
             <a:avLst/>
@@ -7150,7 +7088,7 @@
       </p:grpSpPr>
       <p:pic>
         <p:nvPicPr>
-          <p:cNvPr id="97" name="Image 8" descr="preencoded.png"/>
+          <p:cNvPr id="95" name="Image 8" descr="preencoded.png"/>
           <p:cNvPicPr/>
           <p:nvPr/>
         </p:nvPicPr>
@@ -7161,7 +7099,7 @@
         <p:spPr>
           <a:xfrm>
             <a:off x="0" y="0"/>
-            <a:ext cx="14629680" cy="8228880"/>
+            <a:ext cx="14629320" cy="8228520"/>
           </a:xfrm>
           <a:prstGeom prst="rect">
             <a:avLst/>
@@ -7173,14 +7111,14 @@
       </p:pic>
       <p:sp>
         <p:nvSpPr>
-          <p:cNvPr id="98" name="Shape 14"/>
+          <p:cNvPr id="96" name="Shape 14"/>
           <p:cNvSpPr/>
           <p:nvPr/>
         </p:nvSpPr>
         <p:spPr>
           <a:xfrm>
             <a:off x="0" y="0"/>
-            <a:ext cx="14629680" cy="8228880"/>
+            <a:ext cx="14629320" cy="8228520"/>
           </a:xfrm>
           <a:prstGeom prst="rect">
             <a:avLst/>
@@ -7206,6 +7144,11 @@
             <a:noAutofit/>
           </a:bodyPr>
           <a:p>
+            <a:pPr>
+              <a:lnSpc>
+                <a:spcPct val="100000"/>
+              </a:lnSpc>
+            </a:pPr>
             <a:endParaRPr b="0" lang="pl-PL" sz="1800" spc="-1" strike="noStrike">
               <a:solidFill>
                 <a:srgbClr val="000000"/>
@@ -7217,14 +7160,14 @@
       </p:sp>
       <p:sp>
         <p:nvSpPr>
-          <p:cNvPr id="99" name="Text 16"/>
+          <p:cNvPr id="97" name="Text 16"/>
           <p:cNvSpPr/>
           <p:nvPr/>
         </p:nvSpPr>
         <p:spPr>
           <a:xfrm>
             <a:off x="2037960" y="694080"/>
-            <a:ext cx="10553760" cy="1388160"/>
+            <a:ext cx="10553400" cy="1387800"/>
           </a:xfrm>
           <a:prstGeom prst="rect">
             <a:avLst/>
@@ -7274,7 +7217,7 @@
       </p:sp>
       <p:pic>
         <p:nvPicPr>
-          <p:cNvPr id="100" name="" descr=""/>
+          <p:cNvPr id="98" name="" descr=""/>
           <p:cNvPicPr/>
           <p:nvPr/>
         </p:nvPicPr>
@@ -7285,7 +7228,7 @@
         <p:spPr>
           <a:xfrm>
             <a:off x="1080000" y="1759320"/>
-            <a:ext cx="12830040" cy="5980680"/>
+            <a:ext cx="12829680" cy="5980320"/>
           </a:xfrm>
           <a:prstGeom prst="rect">
             <a:avLst/>
@@ -7327,7 +7270,7 @@
       </p:grpSpPr>
       <p:pic>
         <p:nvPicPr>
-          <p:cNvPr id="101" name="Image 7" descr="preencoded.png"/>
+          <p:cNvPr id="99" name="Image 7" descr="preencoded.png"/>
           <p:cNvPicPr/>
           <p:nvPr/>
         </p:nvPicPr>
@@ -7338,7 +7281,7 @@
         <p:spPr>
           <a:xfrm>
             <a:off x="0" y="0"/>
-            <a:ext cx="14629680" cy="8228880"/>
+            <a:ext cx="14629320" cy="8228520"/>
           </a:xfrm>
           <a:prstGeom prst="rect">
             <a:avLst/>
@@ -7350,14 +7293,14 @@
       </p:pic>
       <p:sp>
         <p:nvSpPr>
-          <p:cNvPr id="102" name="Shape 10"/>
+          <p:cNvPr id="100" name="Shape 10"/>
           <p:cNvSpPr/>
           <p:nvPr/>
         </p:nvSpPr>
         <p:spPr>
           <a:xfrm>
             <a:off x="17640" y="17640"/>
-            <a:ext cx="14629680" cy="8231400"/>
+            <a:ext cx="14629320" cy="8231040"/>
           </a:xfrm>
           <a:prstGeom prst="rect">
             <a:avLst/>
@@ -7383,6 +7326,11 @@
             <a:noAutofit/>
           </a:bodyPr>
           <a:p>
+            <a:pPr>
+              <a:lnSpc>
+                <a:spcPct val="100000"/>
+              </a:lnSpc>
+            </a:pPr>
             <a:endParaRPr b="0" lang="pl-PL" sz="1800" spc="-1" strike="noStrike">
               <a:solidFill>
                 <a:srgbClr val="000000"/>
@@ -7394,14 +7342,14 @@
       </p:sp>
       <p:sp>
         <p:nvSpPr>
-          <p:cNvPr id="103" name="Text 13"/>
+          <p:cNvPr id="101" name="Text 13"/>
           <p:cNvSpPr/>
           <p:nvPr/>
         </p:nvSpPr>
         <p:spPr>
           <a:xfrm>
             <a:off x="1503360" y="720000"/>
-            <a:ext cx="7496640" cy="2057400"/>
+            <a:ext cx="7496280" cy="2057040"/>
           </a:xfrm>
           <a:prstGeom prst="rect">
             <a:avLst/>
@@ -7451,14 +7399,14 @@
       </p:sp>
       <p:sp>
         <p:nvSpPr>
-          <p:cNvPr id="104" name="Text 15"/>
+          <p:cNvPr id="102" name="Text 15"/>
           <p:cNvSpPr/>
           <p:nvPr/>
         </p:nvSpPr>
         <p:spPr>
           <a:xfrm>
             <a:off x="900000" y="2862360"/>
-            <a:ext cx="7200000" cy="3437640"/>
+            <a:ext cx="7199640" cy="3437280"/>
           </a:xfrm>
           <a:prstGeom prst="rect">
             <a:avLst/>
@@ -7488,8 +7436,7 @@
               <a:solidFill>
                 <a:srgbClr val="000000"/>
               </a:solidFill>
-              <a:latin typeface="AppleSystemUIFont"/>
-              <a:ea typeface="AppleSystemUIFont"/>
+              <a:latin typeface="Arial"/>
             </a:endParaRPr>
           </a:p>
           <a:p>
@@ -7512,8 +7459,27 @@
                 <a:latin typeface="DM Sans"/>
                 <a:ea typeface="DM Sans"/>
               </a:rPr>
-              <a:t>A</a:t>
+              <a:t>Aplikacja dostępna jako narzędzie internetowe z każdego miejsca na ziemi</a:t>
             </a:r>
+            <a:endParaRPr b="0" lang="pl-PL" sz="2100" spc="-1" strike="noStrike">
+              <a:solidFill>
+                <a:srgbClr val="000000"/>
+              </a:solidFill>
+              <a:latin typeface="Arial"/>
+            </a:endParaRPr>
+          </a:p>
+          <a:p>
+            <a:pPr marL="216000" indent="-216000">
+              <a:lnSpc>
+                <a:spcPct val="150000"/>
+              </a:lnSpc>
+              <a:buClr>
+                <a:srgbClr val="000000"/>
+              </a:buClr>
+              <a:buSzPct val="45000"/>
+              <a:buFont typeface="Wingdings" charset="2"/>
+              <a:buChar char=""/>
+            </a:pPr>
             <a:r>
               <a:rPr b="0" lang="pl-PL" sz="2100" spc="-1" strike="noStrike">
                 <a:solidFill>
@@ -7522,8 +7488,27 @@
                 <a:latin typeface="DM Sans"/>
                 <a:ea typeface="DM Sans"/>
               </a:rPr>
-              <a:t>p</a:t>
+              <a:t>Przewidywanie kosztów na podstawie poprzednich wydatków</a:t>
             </a:r>
+            <a:endParaRPr b="0" lang="pl-PL" sz="2100" spc="-1" strike="noStrike">
+              <a:solidFill>
+                <a:srgbClr val="000000"/>
+              </a:solidFill>
+              <a:latin typeface="Arial"/>
+            </a:endParaRPr>
+          </a:p>
+          <a:p>
+            <a:pPr marL="216000" indent="-216000">
+              <a:lnSpc>
+                <a:spcPct val="150000"/>
+              </a:lnSpc>
+              <a:buClr>
+                <a:srgbClr val="000000"/>
+              </a:buClr>
+              <a:buSzPct val="45000"/>
+              <a:buFont typeface="Wingdings" charset="2"/>
+              <a:buChar char=""/>
+            </a:pPr>
             <a:r>
               <a:rPr b="0" lang="pl-PL" sz="2100" spc="-1" strike="noStrike">
                 <a:solidFill>
@@ -7532,8 +7517,27 @@
                 <a:latin typeface="DM Sans"/>
                 <a:ea typeface="DM Sans"/>
               </a:rPr>
-              <a:t>l</a:t>
+              <a:t>Integracja z publicznymi interfejsami programistycznymi</a:t>
             </a:r>
+            <a:endParaRPr b="0" lang="pl-PL" sz="2100" spc="-1" strike="noStrike">
+              <a:solidFill>
+                <a:srgbClr val="000000"/>
+              </a:solidFill>
+              <a:latin typeface="Arial"/>
+            </a:endParaRPr>
+          </a:p>
+          <a:p>
+            <a:pPr marL="216000" indent="-216000">
+              <a:lnSpc>
+                <a:spcPct val="150000"/>
+              </a:lnSpc>
+              <a:buClr>
+                <a:srgbClr val="000000"/>
+              </a:buClr>
+              <a:buSzPct val="45000"/>
+              <a:buFont typeface="Wingdings" charset="2"/>
+              <a:buChar char=""/>
+            </a:pPr>
             <a:r>
               <a:rPr b="0" lang="pl-PL" sz="2100" spc="-1" strike="noStrike">
                 <a:solidFill>
@@ -7542,8 +7546,27 @@
                 <a:latin typeface="DM Sans"/>
                 <a:ea typeface="DM Sans"/>
               </a:rPr>
-              <a:t>i</a:t>
+              <a:t>Wspomaganie pracy poprzez udostępnienie wyjaśnień, pojęć, skrótów np. Paragrafy, Kategorii subwencyjnych</a:t>
             </a:r>
+            <a:endParaRPr b="0" lang="pl-PL" sz="2100" spc="-1" strike="noStrike">
+              <a:solidFill>
+                <a:srgbClr val="000000"/>
+              </a:solidFill>
+              <a:latin typeface="Arial"/>
+            </a:endParaRPr>
+          </a:p>
+          <a:p>
+            <a:pPr marL="216000" indent="-216000">
+              <a:lnSpc>
+                <a:spcPct val="150000"/>
+              </a:lnSpc>
+              <a:buClr>
+                <a:srgbClr val="000000"/>
+              </a:buClr>
+              <a:buSzPct val="45000"/>
+              <a:buFont typeface="Wingdings" charset="2"/>
+              <a:buChar char=""/>
+            </a:pPr>
             <a:r>
               <a:rPr b="0" lang="pl-PL" sz="2100" spc="-1" strike="noStrike">
                 <a:solidFill>
@@ -7552,3051 +7575,20 @@
                 <a:latin typeface="DM Sans"/>
                 <a:ea typeface="DM Sans"/>
               </a:rPr>
-              <a:t>k</a:t>
-            </a:r>
-            <a:r>
-              <a:rPr b="0" lang="pl-PL" sz="2100" spc="-1" strike="noStrike">
-                <a:solidFill>
-                  <a:srgbClr val="454240"/>
-                </a:solidFill>
-                <a:latin typeface="DM Sans"/>
-                <a:ea typeface="DM Sans"/>
-              </a:rPr>
-              <a:t>a</a:t>
-            </a:r>
-            <a:r>
-              <a:rPr b="0" lang="pl-PL" sz="2100" spc="-1" strike="noStrike">
-                <a:solidFill>
-                  <a:srgbClr val="454240"/>
-                </a:solidFill>
-                <a:latin typeface="DM Sans"/>
-                <a:ea typeface="DM Sans"/>
-              </a:rPr>
-              <a:t>c</a:t>
-            </a:r>
-            <a:r>
-              <a:rPr b="0" lang="pl-PL" sz="2100" spc="-1" strike="noStrike">
-                <a:solidFill>
-                  <a:srgbClr val="454240"/>
-                </a:solidFill>
-                <a:latin typeface="DM Sans"/>
-                <a:ea typeface="DM Sans"/>
-              </a:rPr>
-              <a:t>j</a:t>
-            </a:r>
-            <a:r>
-              <a:rPr b="0" lang="pl-PL" sz="2100" spc="-1" strike="noStrike">
-                <a:solidFill>
-                  <a:srgbClr val="454240"/>
-                </a:solidFill>
-                <a:latin typeface="DM Sans"/>
-                <a:ea typeface="DM Sans"/>
-              </a:rPr>
-              <a:t>a</a:t>
-            </a:r>
-            <a:r>
-              <a:rPr b="0" lang="pl-PL" sz="2100" spc="-1" strike="noStrike">
-                <a:solidFill>
-                  <a:srgbClr val="454240"/>
-                </a:solidFill>
-                <a:latin typeface="DM Sans"/>
-                <a:ea typeface="DM Sans"/>
-              </a:rPr>
-              <a:t> </a:t>
-            </a:r>
-            <a:r>
-              <a:rPr b="0" lang="pl-PL" sz="2100" spc="-1" strike="noStrike">
-                <a:solidFill>
-                  <a:srgbClr val="454240"/>
-                </a:solidFill>
-                <a:latin typeface="DM Sans"/>
-                <a:ea typeface="DM Sans"/>
-              </a:rPr>
-              <a:t>d</a:t>
-            </a:r>
-            <a:r>
-              <a:rPr b="0" lang="pl-PL" sz="2100" spc="-1" strike="noStrike">
-                <a:solidFill>
-                  <a:srgbClr val="454240"/>
-                </a:solidFill>
-                <a:latin typeface="DM Sans"/>
-                <a:ea typeface="DM Sans"/>
-              </a:rPr>
-              <a:t>o</a:t>
-            </a:r>
-            <a:r>
-              <a:rPr b="0" lang="pl-PL" sz="2100" spc="-1" strike="noStrike">
-                <a:solidFill>
-                  <a:srgbClr val="454240"/>
-                </a:solidFill>
-                <a:latin typeface="DM Sans"/>
-                <a:ea typeface="DM Sans"/>
-              </a:rPr>
-              <a:t>s</a:t>
-            </a:r>
-            <a:r>
-              <a:rPr b="0" lang="pl-PL" sz="2100" spc="-1" strike="noStrike">
-                <a:solidFill>
-                  <a:srgbClr val="454240"/>
-                </a:solidFill>
-                <a:latin typeface="DM Sans"/>
-                <a:ea typeface="DM Sans"/>
-              </a:rPr>
-              <a:t>t</a:t>
-            </a:r>
-            <a:r>
-              <a:rPr b="0" lang="pl-PL" sz="2100" spc="-1" strike="noStrike">
-                <a:solidFill>
-                  <a:srgbClr val="454240"/>
-                </a:solidFill>
-                <a:latin typeface="DM Sans"/>
-                <a:ea typeface="DM Sans"/>
-              </a:rPr>
-              <a:t>ę</a:t>
-            </a:r>
-            <a:r>
-              <a:rPr b="0" lang="pl-PL" sz="2100" spc="-1" strike="noStrike">
-                <a:solidFill>
-                  <a:srgbClr val="454240"/>
-                </a:solidFill>
-                <a:latin typeface="DM Sans"/>
-                <a:ea typeface="DM Sans"/>
-              </a:rPr>
-              <a:t>p</a:t>
-            </a:r>
-            <a:r>
-              <a:rPr b="0" lang="pl-PL" sz="2100" spc="-1" strike="noStrike">
-                <a:solidFill>
-                  <a:srgbClr val="454240"/>
-                </a:solidFill>
-                <a:latin typeface="DM Sans"/>
-                <a:ea typeface="DM Sans"/>
-              </a:rPr>
-              <a:t>n</a:t>
-            </a:r>
-            <a:r>
-              <a:rPr b="0" lang="pl-PL" sz="2100" spc="-1" strike="noStrike">
-                <a:solidFill>
-                  <a:srgbClr val="454240"/>
-                </a:solidFill>
-                <a:latin typeface="DM Sans"/>
-                <a:ea typeface="DM Sans"/>
-              </a:rPr>
-              <a:t>a</a:t>
-            </a:r>
-            <a:r>
-              <a:rPr b="0" lang="pl-PL" sz="2100" spc="-1" strike="noStrike">
-                <a:solidFill>
-                  <a:srgbClr val="454240"/>
-                </a:solidFill>
-                <a:latin typeface="DM Sans"/>
-                <a:ea typeface="DM Sans"/>
-              </a:rPr>
-              <a:t> </a:t>
-            </a:r>
-            <a:r>
-              <a:rPr b="0" lang="pl-PL" sz="2100" spc="-1" strike="noStrike">
-                <a:solidFill>
-                  <a:srgbClr val="454240"/>
-                </a:solidFill>
-                <a:latin typeface="DM Sans"/>
-                <a:ea typeface="DM Sans"/>
-              </a:rPr>
-              <a:t>j</a:t>
-            </a:r>
-            <a:r>
-              <a:rPr b="0" lang="pl-PL" sz="2100" spc="-1" strike="noStrike">
-                <a:solidFill>
-                  <a:srgbClr val="454240"/>
-                </a:solidFill>
-                <a:latin typeface="DM Sans"/>
-                <a:ea typeface="DM Sans"/>
-              </a:rPr>
-              <a:t>a</a:t>
-            </a:r>
-            <a:r>
-              <a:rPr b="0" lang="pl-PL" sz="2100" spc="-1" strike="noStrike">
-                <a:solidFill>
-                  <a:srgbClr val="454240"/>
-                </a:solidFill>
-                <a:latin typeface="DM Sans"/>
-                <a:ea typeface="DM Sans"/>
-              </a:rPr>
-              <a:t>k</a:t>
-            </a:r>
-            <a:r>
-              <a:rPr b="0" lang="pl-PL" sz="2100" spc="-1" strike="noStrike">
-                <a:solidFill>
-                  <a:srgbClr val="454240"/>
-                </a:solidFill>
-                <a:latin typeface="DM Sans"/>
-                <a:ea typeface="DM Sans"/>
-              </a:rPr>
-              <a:t>o</a:t>
-            </a:r>
-            <a:r>
-              <a:rPr b="0" lang="pl-PL" sz="2100" spc="-1" strike="noStrike">
-                <a:solidFill>
-                  <a:srgbClr val="454240"/>
-                </a:solidFill>
-                <a:latin typeface="DM Sans"/>
-                <a:ea typeface="DM Sans"/>
-              </a:rPr>
-              <a:t> </a:t>
-            </a:r>
-            <a:r>
-              <a:rPr b="0" lang="pl-PL" sz="2100" spc="-1" strike="noStrike">
-                <a:solidFill>
-                  <a:srgbClr val="454240"/>
-                </a:solidFill>
-                <a:latin typeface="DM Sans"/>
-                <a:ea typeface="DM Sans"/>
-              </a:rPr>
-              <a:t>n</a:t>
-            </a:r>
-            <a:r>
-              <a:rPr b="0" lang="pl-PL" sz="2100" spc="-1" strike="noStrike">
-                <a:solidFill>
-                  <a:srgbClr val="454240"/>
-                </a:solidFill>
-                <a:latin typeface="DM Sans"/>
-                <a:ea typeface="DM Sans"/>
-              </a:rPr>
-              <a:t>a</a:t>
-            </a:r>
-            <a:r>
-              <a:rPr b="0" lang="pl-PL" sz="2100" spc="-1" strike="noStrike">
-                <a:solidFill>
-                  <a:srgbClr val="454240"/>
-                </a:solidFill>
-                <a:latin typeface="DM Sans"/>
-                <a:ea typeface="DM Sans"/>
-              </a:rPr>
-              <a:t>r</a:t>
-            </a:r>
-            <a:r>
-              <a:rPr b="0" lang="pl-PL" sz="2100" spc="-1" strike="noStrike">
-                <a:solidFill>
-                  <a:srgbClr val="454240"/>
-                </a:solidFill>
-                <a:latin typeface="DM Sans"/>
-                <a:ea typeface="DM Sans"/>
-              </a:rPr>
-              <a:t>z</a:t>
-            </a:r>
-            <a:r>
-              <a:rPr b="0" lang="pl-PL" sz="2100" spc="-1" strike="noStrike">
-                <a:solidFill>
-                  <a:srgbClr val="454240"/>
-                </a:solidFill>
-                <a:latin typeface="DM Sans"/>
-                <a:ea typeface="DM Sans"/>
-              </a:rPr>
-              <a:t>ę</a:t>
-            </a:r>
-            <a:r>
-              <a:rPr b="0" lang="pl-PL" sz="2100" spc="-1" strike="noStrike">
-                <a:solidFill>
-                  <a:srgbClr val="454240"/>
-                </a:solidFill>
-                <a:latin typeface="DM Sans"/>
-                <a:ea typeface="DM Sans"/>
-              </a:rPr>
-              <a:t>d</a:t>
-            </a:r>
-            <a:r>
-              <a:rPr b="0" lang="pl-PL" sz="2100" spc="-1" strike="noStrike">
-                <a:solidFill>
-                  <a:srgbClr val="454240"/>
-                </a:solidFill>
-                <a:latin typeface="DM Sans"/>
-                <a:ea typeface="DM Sans"/>
-              </a:rPr>
-              <a:t>z</a:t>
-            </a:r>
-            <a:r>
-              <a:rPr b="0" lang="pl-PL" sz="2100" spc="-1" strike="noStrike">
-                <a:solidFill>
-                  <a:srgbClr val="454240"/>
-                </a:solidFill>
-                <a:latin typeface="DM Sans"/>
-                <a:ea typeface="DM Sans"/>
-              </a:rPr>
-              <a:t>i</a:t>
-            </a:r>
-            <a:r>
-              <a:rPr b="0" lang="pl-PL" sz="2100" spc="-1" strike="noStrike">
-                <a:solidFill>
-                  <a:srgbClr val="454240"/>
-                </a:solidFill>
-                <a:latin typeface="DM Sans"/>
-                <a:ea typeface="DM Sans"/>
-              </a:rPr>
-              <a:t>e</a:t>
-            </a:r>
-            <a:r>
-              <a:rPr b="0" lang="pl-PL" sz="2100" spc="-1" strike="noStrike">
-                <a:solidFill>
-                  <a:srgbClr val="454240"/>
-                </a:solidFill>
-                <a:latin typeface="DM Sans"/>
-                <a:ea typeface="DM Sans"/>
-              </a:rPr>
-              <a:t> </a:t>
-            </a:r>
-            <a:r>
-              <a:rPr b="0" lang="pl-PL" sz="2100" spc="-1" strike="noStrike">
-                <a:solidFill>
-                  <a:srgbClr val="454240"/>
-                </a:solidFill>
-                <a:latin typeface="DM Sans"/>
-                <a:ea typeface="DM Sans"/>
-              </a:rPr>
-              <a:t>i</a:t>
-            </a:r>
-            <a:r>
-              <a:rPr b="0" lang="pl-PL" sz="2100" spc="-1" strike="noStrike">
-                <a:solidFill>
-                  <a:srgbClr val="454240"/>
-                </a:solidFill>
-                <a:latin typeface="DM Sans"/>
-                <a:ea typeface="DM Sans"/>
-              </a:rPr>
-              <a:t>n</a:t>
-            </a:r>
-            <a:r>
-              <a:rPr b="0" lang="pl-PL" sz="2100" spc="-1" strike="noStrike">
-                <a:solidFill>
-                  <a:srgbClr val="454240"/>
-                </a:solidFill>
-                <a:latin typeface="DM Sans"/>
-                <a:ea typeface="DM Sans"/>
-              </a:rPr>
-              <a:t>t</a:t>
-            </a:r>
-            <a:r>
-              <a:rPr b="0" lang="pl-PL" sz="2100" spc="-1" strike="noStrike">
-                <a:solidFill>
-                  <a:srgbClr val="454240"/>
-                </a:solidFill>
-                <a:latin typeface="DM Sans"/>
-                <a:ea typeface="DM Sans"/>
-              </a:rPr>
-              <a:t>e</a:t>
-            </a:r>
-            <a:r>
-              <a:rPr b="0" lang="pl-PL" sz="2100" spc="-1" strike="noStrike">
-                <a:solidFill>
-                  <a:srgbClr val="454240"/>
-                </a:solidFill>
-                <a:latin typeface="DM Sans"/>
-                <a:ea typeface="DM Sans"/>
-              </a:rPr>
-              <a:t>r</a:t>
-            </a:r>
-            <a:r>
-              <a:rPr b="0" lang="pl-PL" sz="2100" spc="-1" strike="noStrike">
-                <a:solidFill>
-                  <a:srgbClr val="454240"/>
-                </a:solidFill>
-                <a:latin typeface="DM Sans"/>
-                <a:ea typeface="DM Sans"/>
-              </a:rPr>
-              <a:t>n</a:t>
-            </a:r>
-            <a:r>
-              <a:rPr b="0" lang="pl-PL" sz="2100" spc="-1" strike="noStrike">
-                <a:solidFill>
-                  <a:srgbClr val="454240"/>
-                </a:solidFill>
-                <a:latin typeface="DM Sans"/>
-                <a:ea typeface="DM Sans"/>
-              </a:rPr>
-              <a:t>e</a:t>
-            </a:r>
-            <a:r>
-              <a:rPr b="0" lang="pl-PL" sz="2100" spc="-1" strike="noStrike">
-                <a:solidFill>
-                  <a:srgbClr val="454240"/>
-                </a:solidFill>
-                <a:latin typeface="DM Sans"/>
-                <a:ea typeface="DM Sans"/>
-              </a:rPr>
-              <a:t>t</a:t>
-            </a:r>
-            <a:r>
-              <a:rPr b="0" lang="pl-PL" sz="2100" spc="-1" strike="noStrike">
-                <a:solidFill>
-                  <a:srgbClr val="454240"/>
-                </a:solidFill>
-                <a:latin typeface="DM Sans"/>
-                <a:ea typeface="DM Sans"/>
-              </a:rPr>
-              <a:t>o</a:t>
-            </a:r>
-            <a:r>
-              <a:rPr b="0" lang="pl-PL" sz="2100" spc="-1" strike="noStrike">
-                <a:solidFill>
-                  <a:srgbClr val="454240"/>
-                </a:solidFill>
-                <a:latin typeface="DM Sans"/>
-                <a:ea typeface="DM Sans"/>
-              </a:rPr>
-              <a:t>w</a:t>
-            </a:r>
-            <a:r>
-              <a:rPr b="0" lang="pl-PL" sz="2100" spc="-1" strike="noStrike">
-                <a:solidFill>
-                  <a:srgbClr val="454240"/>
-                </a:solidFill>
-                <a:latin typeface="DM Sans"/>
-                <a:ea typeface="DM Sans"/>
-              </a:rPr>
-              <a:t>e</a:t>
-            </a:r>
-            <a:r>
-              <a:rPr b="0" lang="pl-PL" sz="2100" spc="-1" strike="noStrike">
-                <a:solidFill>
-                  <a:srgbClr val="454240"/>
-                </a:solidFill>
-                <a:latin typeface="DM Sans"/>
-                <a:ea typeface="DM Sans"/>
-              </a:rPr>
-              <a:t> </a:t>
-            </a:r>
-            <a:r>
-              <a:rPr b="0" lang="pl-PL" sz="2100" spc="-1" strike="noStrike">
-                <a:solidFill>
-                  <a:srgbClr val="454240"/>
-                </a:solidFill>
-                <a:latin typeface="DM Sans"/>
-                <a:ea typeface="DM Sans"/>
-              </a:rPr>
-              <a:t>z</a:t>
-            </a:r>
-            <a:r>
-              <a:rPr b="0" lang="pl-PL" sz="2100" spc="-1" strike="noStrike">
-                <a:solidFill>
-                  <a:srgbClr val="454240"/>
-                </a:solidFill>
-                <a:latin typeface="DM Sans"/>
-                <a:ea typeface="DM Sans"/>
-              </a:rPr>
-              <a:t> </a:t>
-            </a:r>
-            <a:r>
-              <a:rPr b="0" lang="pl-PL" sz="2100" spc="-1" strike="noStrike">
-                <a:solidFill>
-                  <a:srgbClr val="454240"/>
-                </a:solidFill>
-                <a:latin typeface="DM Sans"/>
-                <a:ea typeface="DM Sans"/>
-              </a:rPr>
-              <a:t>k</a:t>
-            </a:r>
-            <a:r>
-              <a:rPr b="0" lang="pl-PL" sz="2100" spc="-1" strike="noStrike">
-                <a:solidFill>
-                  <a:srgbClr val="454240"/>
-                </a:solidFill>
-                <a:latin typeface="DM Sans"/>
-                <a:ea typeface="DM Sans"/>
-              </a:rPr>
-              <a:t>a</a:t>
-            </a:r>
-            <a:r>
-              <a:rPr b="0" lang="pl-PL" sz="2100" spc="-1" strike="noStrike">
-                <a:solidFill>
-                  <a:srgbClr val="454240"/>
-                </a:solidFill>
-                <a:latin typeface="DM Sans"/>
-                <a:ea typeface="DM Sans"/>
-              </a:rPr>
-              <a:t>ż</a:t>
-            </a:r>
-            <a:r>
-              <a:rPr b="0" lang="pl-PL" sz="2100" spc="-1" strike="noStrike">
-                <a:solidFill>
-                  <a:srgbClr val="454240"/>
-                </a:solidFill>
-                <a:latin typeface="DM Sans"/>
-                <a:ea typeface="DM Sans"/>
-              </a:rPr>
-              <a:t>d</a:t>
-            </a:r>
-            <a:r>
-              <a:rPr b="0" lang="pl-PL" sz="2100" spc="-1" strike="noStrike">
-                <a:solidFill>
-                  <a:srgbClr val="454240"/>
-                </a:solidFill>
-                <a:latin typeface="DM Sans"/>
-                <a:ea typeface="DM Sans"/>
-              </a:rPr>
-              <a:t>e</a:t>
-            </a:r>
-            <a:r>
-              <a:rPr b="0" lang="pl-PL" sz="2100" spc="-1" strike="noStrike">
-                <a:solidFill>
-                  <a:srgbClr val="454240"/>
-                </a:solidFill>
-                <a:latin typeface="DM Sans"/>
-                <a:ea typeface="DM Sans"/>
-              </a:rPr>
-              <a:t>g</a:t>
-            </a:r>
-            <a:r>
-              <a:rPr b="0" lang="pl-PL" sz="2100" spc="-1" strike="noStrike">
-                <a:solidFill>
-                  <a:srgbClr val="454240"/>
-                </a:solidFill>
-                <a:latin typeface="DM Sans"/>
-                <a:ea typeface="DM Sans"/>
-              </a:rPr>
-              <a:t>o</a:t>
-            </a:r>
-            <a:r>
-              <a:rPr b="0" lang="pl-PL" sz="2100" spc="-1" strike="noStrike">
-                <a:solidFill>
-                  <a:srgbClr val="454240"/>
-                </a:solidFill>
-                <a:latin typeface="DM Sans"/>
-                <a:ea typeface="DM Sans"/>
-              </a:rPr>
-              <a:t> </a:t>
-            </a:r>
-            <a:r>
-              <a:rPr b="0" lang="pl-PL" sz="2100" spc="-1" strike="noStrike">
-                <a:solidFill>
-                  <a:srgbClr val="454240"/>
-                </a:solidFill>
-                <a:latin typeface="DM Sans"/>
-                <a:ea typeface="DM Sans"/>
-              </a:rPr>
-              <a:t>m</a:t>
-            </a:r>
-            <a:r>
-              <a:rPr b="0" lang="pl-PL" sz="2100" spc="-1" strike="noStrike">
-                <a:solidFill>
-                  <a:srgbClr val="454240"/>
-                </a:solidFill>
-                <a:latin typeface="DM Sans"/>
-                <a:ea typeface="DM Sans"/>
-              </a:rPr>
-              <a:t>i</a:t>
-            </a:r>
-            <a:r>
-              <a:rPr b="0" lang="pl-PL" sz="2100" spc="-1" strike="noStrike">
-                <a:solidFill>
-                  <a:srgbClr val="454240"/>
-                </a:solidFill>
-                <a:latin typeface="DM Sans"/>
-                <a:ea typeface="DM Sans"/>
-              </a:rPr>
-              <a:t>e</a:t>
-            </a:r>
-            <a:r>
-              <a:rPr b="0" lang="pl-PL" sz="2100" spc="-1" strike="noStrike">
-                <a:solidFill>
-                  <a:srgbClr val="454240"/>
-                </a:solidFill>
-                <a:latin typeface="DM Sans"/>
-                <a:ea typeface="DM Sans"/>
-              </a:rPr>
-              <a:t>j</a:t>
-            </a:r>
-            <a:r>
-              <a:rPr b="0" lang="pl-PL" sz="2100" spc="-1" strike="noStrike">
-                <a:solidFill>
-                  <a:srgbClr val="454240"/>
-                </a:solidFill>
-                <a:latin typeface="DM Sans"/>
-                <a:ea typeface="DM Sans"/>
-              </a:rPr>
-              <a:t>s</a:t>
-            </a:r>
-            <a:r>
-              <a:rPr b="0" lang="pl-PL" sz="2100" spc="-1" strike="noStrike">
-                <a:solidFill>
-                  <a:srgbClr val="454240"/>
-                </a:solidFill>
-                <a:latin typeface="DM Sans"/>
-                <a:ea typeface="DM Sans"/>
-              </a:rPr>
-              <a:t>c</a:t>
-            </a:r>
-            <a:r>
-              <a:rPr b="0" lang="pl-PL" sz="2100" spc="-1" strike="noStrike">
-                <a:solidFill>
-                  <a:srgbClr val="454240"/>
-                </a:solidFill>
-                <a:latin typeface="DM Sans"/>
-                <a:ea typeface="DM Sans"/>
-              </a:rPr>
-              <a:t>a</a:t>
-            </a:r>
-            <a:r>
-              <a:rPr b="0" lang="pl-PL" sz="2100" spc="-1" strike="noStrike">
-                <a:solidFill>
-                  <a:srgbClr val="454240"/>
-                </a:solidFill>
-                <a:latin typeface="DM Sans"/>
-                <a:ea typeface="DM Sans"/>
-              </a:rPr>
-              <a:t> </a:t>
-            </a:r>
-            <a:r>
-              <a:rPr b="0" lang="pl-PL" sz="2100" spc="-1" strike="noStrike">
-                <a:solidFill>
-                  <a:srgbClr val="454240"/>
-                </a:solidFill>
-                <a:latin typeface="DM Sans"/>
-                <a:ea typeface="DM Sans"/>
-              </a:rPr>
-              <a:t>n</a:t>
-            </a:r>
-            <a:r>
-              <a:rPr b="0" lang="pl-PL" sz="2100" spc="-1" strike="noStrike">
-                <a:solidFill>
-                  <a:srgbClr val="454240"/>
-                </a:solidFill>
-                <a:latin typeface="DM Sans"/>
-                <a:ea typeface="DM Sans"/>
-              </a:rPr>
-              <a:t>a</a:t>
-            </a:r>
-            <a:r>
-              <a:rPr b="0" lang="pl-PL" sz="2100" spc="-1" strike="noStrike">
-                <a:solidFill>
-                  <a:srgbClr val="454240"/>
-                </a:solidFill>
-                <a:latin typeface="DM Sans"/>
-                <a:ea typeface="DM Sans"/>
-              </a:rPr>
-              <a:t> </a:t>
-            </a:r>
-            <a:r>
-              <a:rPr b="0" lang="pl-PL" sz="2100" spc="-1" strike="noStrike">
-                <a:solidFill>
-                  <a:srgbClr val="454240"/>
-                </a:solidFill>
-                <a:latin typeface="DM Sans"/>
-                <a:ea typeface="DM Sans"/>
-              </a:rPr>
-              <a:t>z</a:t>
-            </a:r>
-            <a:r>
-              <a:rPr b="0" lang="pl-PL" sz="2100" spc="-1" strike="noStrike">
-                <a:solidFill>
-                  <a:srgbClr val="454240"/>
-                </a:solidFill>
-                <a:latin typeface="DM Sans"/>
-                <a:ea typeface="DM Sans"/>
-              </a:rPr>
-              <a:t>i</a:t>
-            </a:r>
-            <a:r>
-              <a:rPr b="0" lang="pl-PL" sz="2100" spc="-1" strike="noStrike">
-                <a:solidFill>
-                  <a:srgbClr val="454240"/>
-                </a:solidFill>
-                <a:latin typeface="DM Sans"/>
-                <a:ea typeface="DM Sans"/>
-              </a:rPr>
-              <a:t>e</a:t>
-            </a:r>
-            <a:r>
-              <a:rPr b="0" lang="pl-PL" sz="2100" spc="-1" strike="noStrike">
-                <a:solidFill>
-                  <a:srgbClr val="454240"/>
-                </a:solidFill>
-                <a:latin typeface="DM Sans"/>
-                <a:ea typeface="DM Sans"/>
-              </a:rPr>
-              <a:t>m</a:t>
-            </a:r>
-            <a:r>
-              <a:rPr b="0" lang="pl-PL" sz="2100" spc="-1" strike="noStrike">
-                <a:solidFill>
-                  <a:srgbClr val="454240"/>
-                </a:solidFill>
-                <a:latin typeface="DM Sans"/>
-                <a:ea typeface="DM Sans"/>
-              </a:rPr>
-              <a:t>i</a:t>
+              <a:t>Analiza danych</a:t>
             </a:r>
             <a:endParaRPr b="0" lang="pl-PL" sz="2100" spc="-1" strike="noStrike">
               <a:solidFill>
                 <a:srgbClr val="000000"/>
               </a:solidFill>
-              <a:latin typeface="AppleSystemUIFont"/>
-              <a:ea typeface="AppleSystemUIFont"/>
-            </a:endParaRPr>
-          </a:p>
-          <a:p>
-            <a:pPr marL="216000" indent="-216000">
-              <a:lnSpc>
-                <a:spcPct val="150000"/>
-              </a:lnSpc>
-              <a:buClr>
-                <a:srgbClr val="000000"/>
-              </a:buClr>
-              <a:buSzPct val="45000"/>
-              <a:buFont typeface="Wingdings" charset="2"/>
-              <a:buChar char=""/>
-            </a:pPr>
-            <a:r>
-              <a:rPr b="0" lang="pl-PL" sz="2100" spc="-1" strike="noStrike">
-                <a:solidFill>
-                  <a:srgbClr val="454240"/>
-                </a:solidFill>
-                <a:latin typeface="DM Sans"/>
-                <a:ea typeface="DM Sans"/>
-              </a:rPr>
-              <a:t>P</a:t>
-            </a:r>
-            <a:r>
-              <a:rPr b="0" lang="pl-PL" sz="2100" spc="-1" strike="noStrike">
-                <a:solidFill>
-                  <a:srgbClr val="454240"/>
-                </a:solidFill>
-                <a:latin typeface="DM Sans"/>
-                <a:ea typeface="DM Sans"/>
-              </a:rPr>
-              <a:t>r</a:t>
-            </a:r>
-            <a:r>
-              <a:rPr b="0" lang="pl-PL" sz="2100" spc="-1" strike="noStrike">
-                <a:solidFill>
-                  <a:srgbClr val="454240"/>
-                </a:solidFill>
-                <a:latin typeface="DM Sans"/>
-                <a:ea typeface="DM Sans"/>
-              </a:rPr>
-              <a:t>z</a:t>
-            </a:r>
-            <a:r>
-              <a:rPr b="0" lang="pl-PL" sz="2100" spc="-1" strike="noStrike">
-                <a:solidFill>
-                  <a:srgbClr val="454240"/>
-                </a:solidFill>
-                <a:latin typeface="DM Sans"/>
-                <a:ea typeface="DM Sans"/>
-              </a:rPr>
-              <a:t>e</a:t>
-            </a:r>
-            <a:r>
-              <a:rPr b="0" lang="pl-PL" sz="2100" spc="-1" strike="noStrike">
-                <a:solidFill>
-                  <a:srgbClr val="454240"/>
-                </a:solidFill>
-                <a:latin typeface="DM Sans"/>
-                <a:ea typeface="DM Sans"/>
-              </a:rPr>
-              <a:t>w</a:t>
-            </a:r>
-            <a:r>
-              <a:rPr b="0" lang="pl-PL" sz="2100" spc="-1" strike="noStrike">
-                <a:solidFill>
-                  <a:srgbClr val="454240"/>
-                </a:solidFill>
-                <a:latin typeface="DM Sans"/>
-                <a:ea typeface="DM Sans"/>
-              </a:rPr>
-              <a:t>i</a:t>
-            </a:r>
-            <a:r>
-              <a:rPr b="0" lang="pl-PL" sz="2100" spc="-1" strike="noStrike">
-                <a:solidFill>
-                  <a:srgbClr val="454240"/>
-                </a:solidFill>
-                <a:latin typeface="DM Sans"/>
-                <a:ea typeface="DM Sans"/>
-              </a:rPr>
-              <a:t>d</a:t>
-            </a:r>
-            <a:r>
-              <a:rPr b="0" lang="pl-PL" sz="2100" spc="-1" strike="noStrike">
-                <a:solidFill>
-                  <a:srgbClr val="454240"/>
-                </a:solidFill>
-                <a:latin typeface="DM Sans"/>
-                <a:ea typeface="DM Sans"/>
-              </a:rPr>
-              <a:t>y</a:t>
-            </a:r>
-            <a:r>
-              <a:rPr b="0" lang="pl-PL" sz="2100" spc="-1" strike="noStrike">
-                <a:solidFill>
-                  <a:srgbClr val="454240"/>
-                </a:solidFill>
-                <a:latin typeface="DM Sans"/>
-                <a:ea typeface="DM Sans"/>
-              </a:rPr>
-              <a:t>w</a:t>
-            </a:r>
-            <a:r>
-              <a:rPr b="0" lang="pl-PL" sz="2100" spc="-1" strike="noStrike">
-                <a:solidFill>
-                  <a:srgbClr val="454240"/>
-                </a:solidFill>
-                <a:latin typeface="DM Sans"/>
-                <a:ea typeface="DM Sans"/>
-              </a:rPr>
-              <a:t>a</a:t>
-            </a:r>
-            <a:r>
-              <a:rPr b="0" lang="pl-PL" sz="2100" spc="-1" strike="noStrike">
-                <a:solidFill>
-                  <a:srgbClr val="454240"/>
-                </a:solidFill>
-                <a:latin typeface="DM Sans"/>
-                <a:ea typeface="DM Sans"/>
-              </a:rPr>
-              <a:t>n</a:t>
-            </a:r>
-            <a:r>
-              <a:rPr b="0" lang="pl-PL" sz="2100" spc="-1" strike="noStrike">
-                <a:solidFill>
-                  <a:srgbClr val="454240"/>
-                </a:solidFill>
-                <a:latin typeface="DM Sans"/>
-                <a:ea typeface="DM Sans"/>
-              </a:rPr>
-              <a:t>i</a:t>
-            </a:r>
-            <a:r>
-              <a:rPr b="0" lang="pl-PL" sz="2100" spc="-1" strike="noStrike">
-                <a:solidFill>
-                  <a:srgbClr val="454240"/>
-                </a:solidFill>
-                <a:latin typeface="DM Sans"/>
-                <a:ea typeface="DM Sans"/>
-              </a:rPr>
-              <a:t>e</a:t>
-            </a:r>
-            <a:r>
-              <a:rPr b="0" lang="pl-PL" sz="2100" spc="-1" strike="noStrike">
-                <a:solidFill>
-                  <a:srgbClr val="454240"/>
-                </a:solidFill>
-                <a:latin typeface="DM Sans"/>
-                <a:ea typeface="DM Sans"/>
-              </a:rPr>
-              <a:t> </a:t>
-            </a:r>
-            <a:r>
-              <a:rPr b="0" lang="pl-PL" sz="2100" spc="-1" strike="noStrike">
-                <a:solidFill>
-                  <a:srgbClr val="454240"/>
-                </a:solidFill>
-                <a:latin typeface="DM Sans"/>
-                <a:ea typeface="DM Sans"/>
-              </a:rPr>
-              <a:t>k</a:t>
-            </a:r>
-            <a:r>
-              <a:rPr b="0" lang="pl-PL" sz="2100" spc="-1" strike="noStrike">
-                <a:solidFill>
-                  <a:srgbClr val="454240"/>
-                </a:solidFill>
-                <a:latin typeface="DM Sans"/>
-                <a:ea typeface="DM Sans"/>
-              </a:rPr>
-              <a:t>o</a:t>
-            </a:r>
-            <a:r>
-              <a:rPr b="0" lang="pl-PL" sz="2100" spc="-1" strike="noStrike">
-                <a:solidFill>
-                  <a:srgbClr val="454240"/>
-                </a:solidFill>
-                <a:latin typeface="DM Sans"/>
-                <a:ea typeface="DM Sans"/>
-              </a:rPr>
-              <a:t>s</a:t>
-            </a:r>
-            <a:r>
-              <a:rPr b="0" lang="pl-PL" sz="2100" spc="-1" strike="noStrike">
-                <a:solidFill>
-                  <a:srgbClr val="454240"/>
-                </a:solidFill>
-                <a:latin typeface="DM Sans"/>
-                <a:ea typeface="DM Sans"/>
-              </a:rPr>
-              <a:t>z</a:t>
-            </a:r>
-            <a:r>
-              <a:rPr b="0" lang="pl-PL" sz="2100" spc="-1" strike="noStrike">
-                <a:solidFill>
-                  <a:srgbClr val="454240"/>
-                </a:solidFill>
-                <a:latin typeface="DM Sans"/>
-                <a:ea typeface="DM Sans"/>
-              </a:rPr>
-              <a:t>t</a:t>
-            </a:r>
-            <a:r>
-              <a:rPr b="0" lang="pl-PL" sz="2100" spc="-1" strike="noStrike">
-                <a:solidFill>
-                  <a:srgbClr val="454240"/>
-                </a:solidFill>
-                <a:latin typeface="DM Sans"/>
-                <a:ea typeface="DM Sans"/>
-              </a:rPr>
-              <a:t>ó</a:t>
-            </a:r>
-            <a:r>
-              <a:rPr b="0" lang="pl-PL" sz="2100" spc="-1" strike="noStrike">
-                <a:solidFill>
-                  <a:srgbClr val="454240"/>
-                </a:solidFill>
-                <a:latin typeface="DM Sans"/>
-                <a:ea typeface="DM Sans"/>
-              </a:rPr>
-              <a:t>w</a:t>
-            </a:r>
-            <a:r>
-              <a:rPr b="0" lang="pl-PL" sz="2100" spc="-1" strike="noStrike">
-                <a:solidFill>
-                  <a:srgbClr val="454240"/>
-                </a:solidFill>
-                <a:latin typeface="DM Sans"/>
-                <a:ea typeface="DM Sans"/>
-              </a:rPr>
-              <a:t> </a:t>
-            </a:r>
-            <a:r>
-              <a:rPr b="0" lang="pl-PL" sz="2100" spc="-1" strike="noStrike">
-                <a:solidFill>
-                  <a:srgbClr val="454240"/>
-                </a:solidFill>
-                <a:latin typeface="DM Sans"/>
-                <a:ea typeface="DM Sans"/>
-              </a:rPr>
-              <a:t>n</a:t>
-            </a:r>
-            <a:r>
-              <a:rPr b="0" lang="pl-PL" sz="2100" spc="-1" strike="noStrike">
-                <a:solidFill>
-                  <a:srgbClr val="454240"/>
-                </a:solidFill>
-                <a:latin typeface="DM Sans"/>
-                <a:ea typeface="DM Sans"/>
-              </a:rPr>
-              <a:t>a</a:t>
-            </a:r>
-            <a:r>
-              <a:rPr b="0" lang="pl-PL" sz="2100" spc="-1" strike="noStrike">
-                <a:solidFill>
-                  <a:srgbClr val="454240"/>
-                </a:solidFill>
-                <a:latin typeface="DM Sans"/>
-                <a:ea typeface="DM Sans"/>
-              </a:rPr>
-              <a:t> </a:t>
-            </a:r>
-            <a:r>
-              <a:rPr b="0" lang="pl-PL" sz="2100" spc="-1" strike="noStrike">
-                <a:solidFill>
-                  <a:srgbClr val="454240"/>
-                </a:solidFill>
-                <a:latin typeface="DM Sans"/>
-                <a:ea typeface="DM Sans"/>
-              </a:rPr>
-              <a:t>p</a:t>
-            </a:r>
-            <a:r>
-              <a:rPr b="0" lang="pl-PL" sz="2100" spc="-1" strike="noStrike">
-                <a:solidFill>
-                  <a:srgbClr val="454240"/>
-                </a:solidFill>
-                <a:latin typeface="DM Sans"/>
-                <a:ea typeface="DM Sans"/>
-              </a:rPr>
-              <a:t>o</a:t>
-            </a:r>
-            <a:r>
-              <a:rPr b="0" lang="pl-PL" sz="2100" spc="-1" strike="noStrike">
-                <a:solidFill>
-                  <a:srgbClr val="454240"/>
-                </a:solidFill>
-                <a:latin typeface="DM Sans"/>
-                <a:ea typeface="DM Sans"/>
-              </a:rPr>
-              <a:t>d</a:t>
-            </a:r>
-            <a:r>
-              <a:rPr b="0" lang="pl-PL" sz="2100" spc="-1" strike="noStrike">
-                <a:solidFill>
-                  <a:srgbClr val="454240"/>
-                </a:solidFill>
-                <a:latin typeface="DM Sans"/>
-                <a:ea typeface="DM Sans"/>
-              </a:rPr>
-              <a:t>s</a:t>
-            </a:r>
-            <a:r>
-              <a:rPr b="0" lang="pl-PL" sz="2100" spc="-1" strike="noStrike">
-                <a:solidFill>
-                  <a:srgbClr val="454240"/>
-                </a:solidFill>
-                <a:latin typeface="DM Sans"/>
-                <a:ea typeface="DM Sans"/>
-              </a:rPr>
-              <a:t>t</a:t>
-            </a:r>
-            <a:r>
-              <a:rPr b="0" lang="pl-PL" sz="2100" spc="-1" strike="noStrike">
-                <a:solidFill>
-                  <a:srgbClr val="454240"/>
-                </a:solidFill>
-                <a:latin typeface="DM Sans"/>
-                <a:ea typeface="DM Sans"/>
-              </a:rPr>
-              <a:t>a</a:t>
-            </a:r>
-            <a:r>
-              <a:rPr b="0" lang="pl-PL" sz="2100" spc="-1" strike="noStrike">
-                <a:solidFill>
-                  <a:srgbClr val="454240"/>
-                </a:solidFill>
-                <a:latin typeface="DM Sans"/>
-                <a:ea typeface="DM Sans"/>
-              </a:rPr>
-              <a:t>w</a:t>
-            </a:r>
-            <a:r>
-              <a:rPr b="0" lang="pl-PL" sz="2100" spc="-1" strike="noStrike">
-                <a:solidFill>
-                  <a:srgbClr val="454240"/>
-                </a:solidFill>
-                <a:latin typeface="DM Sans"/>
-                <a:ea typeface="DM Sans"/>
-              </a:rPr>
-              <a:t>i</a:t>
-            </a:r>
-            <a:r>
-              <a:rPr b="0" lang="pl-PL" sz="2100" spc="-1" strike="noStrike">
-                <a:solidFill>
-                  <a:srgbClr val="454240"/>
-                </a:solidFill>
-                <a:latin typeface="DM Sans"/>
-                <a:ea typeface="DM Sans"/>
-              </a:rPr>
-              <a:t>e</a:t>
-            </a:r>
-            <a:r>
-              <a:rPr b="0" lang="pl-PL" sz="2100" spc="-1" strike="noStrike">
-                <a:solidFill>
-                  <a:srgbClr val="454240"/>
-                </a:solidFill>
-                <a:latin typeface="DM Sans"/>
-                <a:ea typeface="DM Sans"/>
-              </a:rPr>
-              <a:t> </a:t>
-            </a:r>
-            <a:r>
-              <a:rPr b="0" lang="pl-PL" sz="2100" spc="-1" strike="noStrike">
-                <a:solidFill>
-                  <a:srgbClr val="454240"/>
-                </a:solidFill>
-                <a:latin typeface="DM Sans"/>
-                <a:ea typeface="DM Sans"/>
-              </a:rPr>
-              <a:t>p</a:t>
-            </a:r>
-            <a:r>
-              <a:rPr b="0" lang="pl-PL" sz="2100" spc="-1" strike="noStrike">
-                <a:solidFill>
-                  <a:srgbClr val="454240"/>
-                </a:solidFill>
-                <a:latin typeface="DM Sans"/>
-                <a:ea typeface="DM Sans"/>
-              </a:rPr>
-              <a:t>o</a:t>
-            </a:r>
-            <a:r>
-              <a:rPr b="0" lang="pl-PL" sz="2100" spc="-1" strike="noStrike">
-                <a:solidFill>
-                  <a:srgbClr val="454240"/>
-                </a:solidFill>
-                <a:latin typeface="DM Sans"/>
-                <a:ea typeface="DM Sans"/>
-              </a:rPr>
-              <a:t>p</a:t>
-            </a:r>
-            <a:r>
-              <a:rPr b="0" lang="pl-PL" sz="2100" spc="-1" strike="noStrike">
-                <a:solidFill>
-                  <a:srgbClr val="454240"/>
-                </a:solidFill>
-                <a:latin typeface="DM Sans"/>
-                <a:ea typeface="DM Sans"/>
-              </a:rPr>
-              <a:t>r</a:t>
-            </a:r>
-            <a:r>
-              <a:rPr b="0" lang="pl-PL" sz="2100" spc="-1" strike="noStrike">
-                <a:solidFill>
-                  <a:srgbClr val="454240"/>
-                </a:solidFill>
-                <a:latin typeface="DM Sans"/>
-                <a:ea typeface="DM Sans"/>
-              </a:rPr>
-              <a:t>z</a:t>
-            </a:r>
-            <a:r>
-              <a:rPr b="0" lang="pl-PL" sz="2100" spc="-1" strike="noStrike">
-                <a:solidFill>
-                  <a:srgbClr val="454240"/>
-                </a:solidFill>
-                <a:latin typeface="DM Sans"/>
-                <a:ea typeface="DM Sans"/>
-              </a:rPr>
-              <a:t>e</a:t>
-            </a:r>
-            <a:r>
-              <a:rPr b="0" lang="pl-PL" sz="2100" spc="-1" strike="noStrike">
-                <a:solidFill>
-                  <a:srgbClr val="454240"/>
-                </a:solidFill>
-                <a:latin typeface="DM Sans"/>
-                <a:ea typeface="DM Sans"/>
-              </a:rPr>
-              <a:t>d</a:t>
-            </a:r>
-            <a:r>
-              <a:rPr b="0" lang="pl-PL" sz="2100" spc="-1" strike="noStrike">
-                <a:solidFill>
-                  <a:srgbClr val="454240"/>
-                </a:solidFill>
-                <a:latin typeface="DM Sans"/>
-                <a:ea typeface="DM Sans"/>
-              </a:rPr>
-              <a:t>n</a:t>
-            </a:r>
-            <a:r>
-              <a:rPr b="0" lang="pl-PL" sz="2100" spc="-1" strike="noStrike">
-                <a:solidFill>
-                  <a:srgbClr val="454240"/>
-                </a:solidFill>
-                <a:latin typeface="DM Sans"/>
-                <a:ea typeface="DM Sans"/>
-              </a:rPr>
-              <a:t>i</a:t>
-            </a:r>
-            <a:r>
-              <a:rPr b="0" lang="pl-PL" sz="2100" spc="-1" strike="noStrike">
-                <a:solidFill>
-                  <a:srgbClr val="454240"/>
-                </a:solidFill>
-                <a:latin typeface="DM Sans"/>
-                <a:ea typeface="DM Sans"/>
-              </a:rPr>
-              <a:t>c</a:t>
-            </a:r>
-            <a:r>
-              <a:rPr b="0" lang="pl-PL" sz="2100" spc="-1" strike="noStrike">
-                <a:solidFill>
-                  <a:srgbClr val="454240"/>
-                </a:solidFill>
-                <a:latin typeface="DM Sans"/>
-                <a:ea typeface="DM Sans"/>
-              </a:rPr>
-              <a:t>h</a:t>
-            </a:r>
-            <a:r>
-              <a:rPr b="0" lang="pl-PL" sz="2100" spc="-1" strike="noStrike">
-                <a:solidFill>
-                  <a:srgbClr val="454240"/>
-                </a:solidFill>
-                <a:latin typeface="DM Sans"/>
-                <a:ea typeface="DM Sans"/>
-              </a:rPr>
-              <a:t> </a:t>
-            </a:r>
-            <a:r>
-              <a:rPr b="0" lang="pl-PL" sz="2100" spc="-1" strike="noStrike">
-                <a:solidFill>
-                  <a:srgbClr val="454240"/>
-                </a:solidFill>
-                <a:latin typeface="DM Sans"/>
-                <a:ea typeface="DM Sans"/>
-              </a:rPr>
-              <a:t>w</a:t>
-            </a:r>
-            <a:r>
-              <a:rPr b="0" lang="pl-PL" sz="2100" spc="-1" strike="noStrike">
-                <a:solidFill>
-                  <a:srgbClr val="454240"/>
-                </a:solidFill>
-                <a:latin typeface="DM Sans"/>
-                <a:ea typeface="DM Sans"/>
-              </a:rPr>
-              <a:t>y</a:t>
-            </a:r>
-            <a:r>
-              <a:rPr b="0" lang="pl-PL" sz="2100" spc="-1" strike="noStrike">
-                <a:solidFill>
-                  <a:srgbClr val="454240"/>
-                </a:solidFill>
-                <a:latin typeface="DM Sans"/>
-                <a:ea typeface="DM Sans"/>
-              </a:rPr>
-              <a:t>d</a:t>
-            </a:r>
-            <a:r>
-              <a:rPr b="0" lang="pl-PL" sz="2100" spc="-1" strike="noStrike">
-                <a:solidFill>
-                  <a:srgbClr val="454240"/>
-                </a:solidFill>
-                <a:latin typeface="DM Sans"/>
-                <a:ea typeface="DM Sans"/>
-              </a:rPr>
-              <a:t>a</a:t>
-            </a:r>
-            <a:r>
-              <a:rPr b="0" lang="pl-PL" sz="2100" spc="-1" strike="noStrike">
-                <a:solidFill>
-                  <a:srgbClr val="454240"/>
-                </a:solidFill>
-                <a:latin typeface="DM Sans"/>
-                <a:ea typeface="DM Sans"/>
-              </a:rPr>
-              <a:t>t</a:t>
-            </a:r>
-            <a:r>
-              <a:rPr b="0" lang="pl-PL" sz="2100" spc="-1" strike="noStrike">
-                <a:solidFill>
-                  <a:srgbClr val="454240"/>
-                </a:solidFill>
-                <a:latin typeface="DM Sans"/>
-                <a:ea typeface="DM Sans"/>
-              </a:rPr>
-              <a:t>k</a:t>
-            </a:r>
-            <a:r>
-              <a:rPr b="0" lang="pl-PL" sz="2100" spc="-1" strike="noStrike">
-                <a:solidFill>
-                  <a:srgbClr val="454240"/>
-                </a:solidFill>
-                <a:latin typeface="DM Sans"/>
-                <a:ea typeface="DM Sans"/>
-              </a:rPr>
-              <a:t>ó</a:t>
-            </a:r>
-            <a:r>
-              <a:rPr b="0" lang="pl-PL" sz="2100" spc="-1" strike="noStrike">
-                <a:solidFill>
-                  <a:srgbClr val="454240"/>
-                </a:solidFill>
-                <a:latin typeface="DM Sans"/>
-                <a:ea typeface="DM Sans"/>
-              </a:rPr>
-              <a:t>w</a:t>
-            </a:r>
-            <a:endParaRPr b="0" lang="pl-PL" sz="2100" spc="-1" strike="noStrike">
-              <a:solidFill>
-                <a:srgbClr val="000000"/>
-              </a:solidFill>
-              <a:latin typeface="AppleSystemUIFont"/>
-              <a:ea typeface="AppleSystemUIFont"/>
-            </a:endParaRPr>
-          </a:p>
-          <a:p>
-            <a:pPr marL="216000" indent="-216000">
-              <a:lnSpc>
-                <a:spcPct val="150000"/>
-              </a:lnSpc>
-              <a:buClr>
-                <a:srgbClr val="000000"/>
-              </a:buClr>
-              <a:buSzPct val="45000"/>
-              <a:buFont typeface="Wingdings" charset="2"/>
-              <a:buChar char=""/>
-            </a:pPr>
-            <a:r>
-              <a:rPr b="0" lang="pl-PL" sz="2100" spc="-1" strike="noStrike">
-                <a:solidFill>
-                  <a:srgbClr val="454240"/>
-                </a:solidFill>
-                <a:latin typeface="DM Sans"/>
-                <a:ea typeface="DM Sans"/>
-              </a:rPr>
-              <a:t>I</a:t>
-            </a:r>
-            <a:r>
-              <a:rPr b="0" lang="pl-PL" sz="2100" spc="-1" strike="noStrike">
-                <a:solidFill>
-                  <a:srgbClr val="454240"/>
-                </a:solidFill>
-                <a:latin typeface="DM Sans"/>
-                <a:ea typeface="DM Sans"/>
-              </a:rPr>
-              <a:t>n</a:t>
-            </a:r>
-            <a:r>
-              <a:rPr b="0" lang="pl-PL" sz="2100" spc="-1" strike="noStrike">
-                <a:solidFill>
-                  <a:srgbClr val="454240"/>
-                </a:solidFill>
-                <a:latin typeface="DM Sans"/>
-                <a:ea typeface="DM Sans"/>
-              </a:rPr>
-              <a:t>t</a:t>
-            </a:r>
-            <a:r>
-              <a:rPr b="0" lang="pl-PL" sz="2100" spc="-1" strike="noStrike">
-                <a:solidFill>
-                  <a:srgbClr val="454240"/>
-                </a:solidFill>
-                <a:latin typeface="DM Sans"/>
-                <a:ea typeface="DM Sans"/>
-              </a:rPr>
-              <a:t>e</a:t>
-            </a:r>
-            <a:r>
-              <a:rPr b="0" lang="pl-PL" sz="2100" spc="-1" strike="noStrike">
-                <a:solidFill>
-                  <a:srgbClr val="454240"/>
-                </a:solidFill>
-                <a:latin typeface="DM Sans"/>
-                <a:ea typeface="DM Sans"/>
-              </a:rPr>
-              <a:t>g</a:t>
-            </a:r>
-            <a:r>
-              <a:rPr b="0" lang="pl-PL" sz="2100" spc="-1" strike="noStrike">
-                <a:solidFill>
-                  <a:srgbClr val="454240"/>
-                </a:solidFill>
-                <a:latin typeface="DM Sans"/>
-                <a:ea typeface="DM Sans"/>
-              </a:rPr>
-              <a:t>r</a:t>
-            </a:r>
-            <a:r>
-              <a:rPr b="0" lang="pl-PL" sz="2100" spc="-1" strike="noStrike">
-                <a:solidFill>
-                  <a:srgbClr val="454240"/>
-                </a:solidFill>
-                <a:latin typeface="DM Sans"/>
-                <a:ea typeface="DM Sans"/>
-              </a:rPr>
-              <a:t>a</a:t>
-            </a:r>
-            <a:r>
-              <a:rPr b="0" lang="pl-PL" sz="2100" spc="-1" strike="noStrike">
-                <a:solidFill>
-                  <a:srgbClr val="454240"/>
-                </a:solidFill>
-                <a:latin typeface="DM Sans"/>
-                <a:ea typeface="DM Sans"/>
-              </a:rPr>
-              <a:t>c</a:t>
-            </a:r>
-            <a:r>
-              <a:rPr b="0" lang="pl-PL" sz="2100" spc="-1" strike="noStrike">
-                <a:solidFill>
-                  <a:srgbClr val="454240"/>
-                </a:solidFill>
-                <a:latin typeface="DM Sans"/>
-                <a:ea typeface="DM Sans"/>
-              </a:rPr>
-              <a:t>j</a:t>
-            </a:r>
-            <a:r>
-              <a:rPr b="0" lang="pl-PL" sz="2100" spc="-1" strike="noStrike">
-                <a:solidFill>
-                  <a:srgbClr val="454240"/>
-                </a:solidFill>
-                <a:latin typeface="DM Sans"/>
-                <a:ea typeface="DM Sans"/>
-              </a:rPr>
-              <a:t>a</a:t>
-            </a:r>
-            <a:r>
-              <a:rPr b="0" lang="pl-PL" sz="2100" spc="-1" strike="noStrike">
-                <a:solidFill>
-                  <a:srgbClr val="454240"/>
-                </a:solidFill>
-                <a:latin typeface="DM Sans"/>
-                <a:ea typeface="DM Sans"/>
-              </a:rPr>
-              <a:t> </a:t>
-            </a:r>
-            <a:r>
-              <a:rPr b="0" lang="pl-PL" sz="2100" spc="-1" strike="noStrike">
-                <a:solidFill>
-                  <a:srgbClr val="454240"/>
-                </a:solidFill>
-                <a:latin typeface="DM Sans"/>
-                <a:ea typeface="DM Sans"/>
-              </a:rPr>
-              <a:t>z</a:t>
-            </a:r>
-            <a:r>
-              <a:rPr b="0" lang="pl-PL" sz="2100" spc="-1" strike="noStrike">
-                <a:solidFill>
-                  <a:srgbClr val="454240"/>
-                </a:solidFill>
-                <a:latin typeface="DM Sans"/>
-                <a:ea typeface="DM Sans"/>
-              </a:rPr>
-              <a:t> </a:t>
-            </a:r>
-            <a:r>
-              <a:rPr b="0" lang="pl-PL" sz="2100" spc="-1" strike="noStrike">
-                <a:solidFill>
-                  <a:srgbClr val="454240"/>
-                </a:solidFill>
-                <a:latin typeface="DM Sans"/>
-                <a:ea typeface="DM Sans"/>
-              </a:rPr>
-              <a:t>p</a:t>
-            </a:r>
-            <a:r>
-              <a:rPr b="0" lang="pl-PL" sz="2100" spc="-1" strike="noStrike">
-                <a:solidFill>
-                  <a:srgbClr val="454240"/>
-                </a:solidFill>
-                <a:latin typeface="DM Sans"/>
-                <a:ea typeface="DM Sans"/>
-              </a:rPr>
-              <a:t>u</a:t>
-            </a:r>
-            <a:r>
-              <a:rPr b="0" lang="pl-PL" sz="2100" spc="-1" strike="noStrike">
-                <a:solidFill>
-                  <a:srgbClr val="454240"/>
-                </a:solidFill>
-                <a:latin typeface="DM Sans"/>
-                <a:ea typeface="DM Sans"/>
-              </a:rPr>
-              <a:t>b</a:t>
-            </a:r>
-            <a:r>
-              <a:rPr b="0" lang="pl-PL" sz="2100" spc="-1" strike="noStrike">
-                <a:solidFill>
-                  <a:srgbClr val="454240"/>
-                </a:solidFill>
-                <a:latin typeface="DM Sans"/>
-                <a:ea typeface="DM Sans"/>
-              </a:rPr>
-              <a:t>l</a:t>
-            </a:r>
-            <a:r>
-              <a:rPr b="0" lang="pl-PL" sz="2100" spc="-1" strike="noStrike">
-                <a:solidFill>
-                  <a:srgbClr val="454240"/>
-                </a:solidFill>
-                <a:latin typeface="DM Sans"/>
-                <a:ea typeface="DM Sans"/>
-              </a:rPr>
-              <a:t>i</a:t>
-            </a:r>
-            <a:r>
-              <a:rPr b="0" lang="pl-PL" sz="2100" spc="-1" strike="noStrike">
-                <a:solidFill>
-                  <a:srgbClr val="454240"/>
-                </a:solidFill>
-                <a:latin typeface="DM Sans"/>
-                <a:ea typeface="DM Sans"/>
-              </a:rPr>
-              <a:t>c</a:t>
-            </a:r>
-            <a:r>
-              <a:rPr b="0" lang="pl-PL" sz="2100" spc="-1" strike="noStrike">
-                <a:solidFill>
-                  <a:srgbClr val="454240"/>
-                </a:solidFill>
-                <a:latin typeface="DM Sans"/>
-                <a:ea typeface="DM Sans"/>
-              </a:rPr>
-              <a:t>z</a:t>
-            </a:r>
-            <a:r>
-              <a:rPr b="0" lang="pl-PL" sz="2100" spc="-1" strike="noStrike">
-                <a:solidFill>
-                  <a:srgbClr val="454240"/>
-                </a:solidFill>
-                <a:latin typeface="DM Sans"/>
-                <a:ea typeface="DM Sans"/>
-              </a:rPr>
-              <a:t>n</a:t>
-            </a:r>
-            <a:r>
-              <a:rPr b="0" lang="pl-PL" sz="2100" spc="-1" strike="noStrike">
-                <a:solidFill>
-                  <a:srgbClr val="454240"/>
-                </a:solidFill>
-                <a:latin typeface="DM Sans"/>
-                <a:ea typeface="DM Sans"/>
-              </a:rPr>
-              <a:t>y</a:t>
-            </a:r>
-            <a:r>
-              <a:rPr b="0" lang="pl-PL" sz="2100" spc="-1" strike="noStrike">
-                <a:solidFill>
-                  <a:srgbClr val="454240"/>
-                </a:solidFill>
-                <a:latin typeface="DM Sans"/>
-                <a:ea typeface="DM Sans"/>
-              </a:rPr>
-              <a:t>m</a:t>
-            </a:r>
-            <a:r>
-              <a:rPr b="0" lang="pl-PL" sz="2100" spc="-1" strike="noStrike">
-                <a:solidFill>
-                  <a:srgbClr val="454240"/>
-                </a:solidFill>
-                <a:latin typeface="DM Sans"/>
-                <a:ea typeface="DM Sans"/>
-              </a:rPr>
-              <a:t>i</a:t>
-            </a:r>
-            <a:r>
-              <a:rPr b="0" lang="pl-PL" sz="2100" spc="-1" strike="noStrike">
-                <a:solidFill>
-                  <a:srgbClr val="454240"/>
-                </a:solidFill>
-                <a:latin typeface="DM Sans"/>
-                <a:ea typeface="DM Sans"/>
-              </a:rPr>
-              <a:t> </a:t>
-            </a:r>
-            <a:r>
-              <a:rPr b="0" lang="pl-PL" sz="2100" spc="-1" strike="noStrike">
-                <a:solidFill>
-                  <a:srgbClr val="454240"/>
-                </a:solidFill>
-                <a:latin typeface="DM Sans"/>
-                <a:ea typeface="DM Sans"/>
-              </a:rPr>
-              <a:t>i</a:t>
-            </a:r>
-            <a:r>
-              <a:rPr b="0" lang="pl-PL" sz="2100" spc="-1" strike="noStrike">
-                <a:solidFill>
-                  <a:srgbClr val="454240"/>
-                </a:solidFill>
-                <a:latin typeface="DM Sans"/>
-                <a:ea typeface="DM Sans"/>
-              </a:rPr>
-              <a:t>n</a:t>
-            </a:r>
-            <a:r>
-              <a:rPr b="0" lang="pl-PL" sz="2100" spc="-1" strike="noStrike">
-                <a:solidFill>
-                  <a:srgbClr val="454240"/>
-                </a:solidFill>
-                <a:latin typeface="DM Sans"/>
-                <a:ea typeface="DM Sans"/>
-              </a:rPr>
-              <a:t>t</a:t>
-            </a:r>
-            <a:r>
-              <a:rPr b="0" lang="pl-PL" sz="2100" spc="-1" strike="noStrike">
-                <a:solidFill>
-                  <a:srgbClr val="454240"/>
-                </a:solidFill>
-                <a:latin typeface="DM Sans"/>
-                <a:ea typeface="DM Sans"/>
-              </a:rPr>
-              <a:t>e</a:t>
-            </a:r>
-            <a:r>
-              <a:rPr b="0" lang="pl-PL" sz="2100" spc="-1" strike="noStrike">
-                <a:solidFill>
-                  <a:srgbClr val="454240"/>
-                </a:solidFill>
-                <a:latin typeface="DM Sans"/>
-                <a:ea typeface="DM Sans"/>
-              </a:rPr>
-              <a:t>r</a:t>
-            </a:r>
-            <a:r>
-              <a:rPr b="0" lang="pl-PL" sz="2100" spc="-1" strike="noStrike">
-                <a:solidFill>
-                  <a:srgbClr val="454240"/>
-                </a:solidFill>
-                <a:latin typeface="DM Sans"/>
-                <a:ea typeface="DM Sans"/>
-              </a:rPr>
-              <a:t>f</a:t>
-            </a:r>
-            <a:r>
-              <a:rPr b="0" lang="pl-PL" sz="2100" spc="-1" strike="noStrike">
-                <a:solidFill>
-                  <a:srgbClr val="454240"/>
-                </a:solidFill>
-                <a:latin typeface="DM Sans"/>
-                <a:ea typeface="DM Sans"/>
-              </a:rPr>
-              <a:t>e</a:t>
-            </a:r>
-            <a:r>
-              <a:rPr b="0" lang="pl-PL" sz="2100" spc="-1" strike="noStrike">
-                <a:solidFill>
-                  <a:srgbClr val="454240"/>
-                </a:solidFill>
-                <a:latin typeface="DM Sans"/>
-                <a:ea typeface="DM Sans"/>
-              </a:rPr>
-              <a:t>j</a:t>
-            </a:r>
-            <a:r>
-              <a:rPr b="0" lang="pl-PL" sz="2100" spc="-1" strike="noStrike">
-                <a:solidFill>
-                  <a:srgbClr val="454240"/>
-                </a:solidFill>
-                <a:latin typeface="DM Sans"/>
-                <a:ea typeface="DM Sans"/>
-              </a:rPr>
-              <a:t>s</a:t>
-            </a:r>
-            <a:r>
-              <a:rPr b="0" lang="pl-PL" sz="2100" spc="-1" strike="noStrike">
-                <a:solidFill>
-                  <a:srgbClr val="454240"/>
-                </a:solidFill>
-                <a:latin typeface="DM Sans"/>
-                <a:ea typeface="DM Sans"/>
-              </a:rPr>
-              <a:t>a</a:t>
-            </a:r>
-            <a:r>
-              <a:rPr b="0" lang="pl-PL" sz="2100" spc="-1" strike="noStrike">
-                <a:solidFill>
-                  <a:srgbClr val="454240"/>
-                </a:solidFill>
-                <a:latin typeface="DM Sans"/>
-                <a:ea typeface="DM Sans"/>
-              </a:rPr>
-              <a:t>m</a:t>
-            </a:r>
-            <a:r>
-              <a:rPr b="0" lang="pl-PL" sz="2100" spc="-1" strike="noStrike">
-                <a:solidFill>
-                  <a:srgbClr val="454240"/>
-                </a:solidFill>
-                <a:latin typeface="DM Sans"/>
-                <a:ea typeface="DM Sans"/>
-              </a:rPr>
-              <a:t>i</a:t>
-            </a:r>
-            <a:r>
-              <a:rPr b="0" lang="pl-PL" sz="2100" spc="-1" strike="noStrike">
-                <a:solidFill>
-                  <a:srgbClr val="454240"/>
-                </a:solidFill>
-                <a:latin typeface="DM Sans"/>
-                <a:ea typeface="DM Sans"/>
-              </a:rPr>
-              <a:t> </a:t>
-            </a:r>
-            <a:r>
-              <a:rPr b="0" lang="pl-PL" sz="2100" spc="-1" strike="noStrike">
-                <a:solidFill>
-                  <a:srgbClr val="454240"/>
-                </a:solidFill>
-                <a:latin typeface="DM Sans"/>
-                <a:ea typeface="DM Sans"/>
-              </a:rPr>
-              <a:t>p</a:t>
-            </a:r>
-            <a:r>
-              <a:rPr b="0" lang="pl-PL" sz="2100" spc="-1" strike="noStrike">
-                <a:solidFill>
-                  <a:srgbClr val="454240"/>
-                </a:solidFill>
-                <a:latin typeface="DM Sans"/>
-                <a:ea typeface="DM Sans"/>
-              </a:rPr>
-              <a:t>r</a:t>
-            </a:r>
-            <a:r>
-              <a:rPr b="0" lang="pl-PL" sz="2100" spc="-1" strike="noStrike">
-                <a:solidFill>
-                  <a:srgbClr val="454240"/>
-                </a:solidFill>
-                <a:latin typeface="DM Sans"/>
-                <a:ea typeface="DM Sans"/>
-              </a:rPr>
-              <a:t>o</a:t>
-            </a:r>
-            <a:r>
-              <a:rPr b="0" lang="pl-PL" sz="2100" spc="-1" strike="noStrike">
-                <a:solidFill>
-                  <a:srgbClr val="454240"/>
-                </a:solidFill>
-                <a:latin typeface="DM Sans"/>
-                <a:ea typeface="DM Sans"/>
-              </a:rPr>
-              <a:t>g</a:t>
-            </a:r>
-            <a:r>
-              <a:rPr b="0" lang="pl-PL" sz="2100" spc="-1" strike="noStrike">
-                <a:solidFill>
-                  <a:srgbClr val="454240"/>
-                </a:solidFill>
-                <a:latin typeface="DM Sans"/>
-                <a:ea typeface="DM Sans"/>
-              </a:rPr>
-              <a:t>r</a:t>
-            </a:r>
-            <a:r>
-              <a:rPr b="0" lang="pl-PL" sz="2100" spc="-1" strike="noStrike">
-                <a:solidFill>
-                  <a:srgbClr val="454240"/>
-                </a:solidFill>
-                <a:latin typeface="DM Sans"/>
-                <a:ea typeface="DM Sans"/>
-              </a:rPr>
-              <a:t>a</a:t>
-            </a:r>
-            <a:r>
-              <a:rPr b="0" lang="pl-PL" sz="2100" spc="-1" strike="noStrike">
-                <a:solidFill>
-                  <a:srgbClr val="454240"/>
-                </a:solidFill>
-                <a:latin typeface="DM Sans"/>
-                <a:ea typeface="DM Sans"/>
-              </a:rPr>
-              <a:t>m</a:t>
-            </a:r>
-            <a:r>
-              <a:rPr b="0" lang="pl-PL" sz="2100" spc="-1" strike="noStrike">
-                <a:solidFill>
-                  <a:srgbClr val="454240"/>
-                </a:solidFill>
-                <a:latin typeface="DM Sans"/>
-                <a:ea typeface="DM Sans"/>
-              </a:rPr>
-              <a:t>i</a:t>
-            </a:r>
-            <a:r>
-              <a:rPr b="0" lang="pl-PL" sz="2100" spc="-1" strike="noStrike">
-                <a:solidFill>
-                  <a:srgbClr val="454240"/>
-                </a:solidFill>
-                <a:latin typeface="DM Sans"/>
-                <a:ea typeface="DM Sans"/>
-              </a:rPr>
-              <a:t>s</a:t>
-            </a:r>
-            <a:r>
-              <a:rPr b="0" lang="pl-PL" sz="2100" spc="-1" strike="noStrike">
-                <a:solidFill>
-                  <a:srgbClr val="454240"/>
-                </a:solidFill>
-                <a:latin typeface="DM Sans"/>
-                <a:ea typeface="DM Sans"/>
-              </a:rPr>
-              <a:t>t</a:t>
-            </a:r>
-            <a:r>
-              <a:rPr b="0" lang="pl-PL" sz="2100" spc="-1" strike="noStrike">
-                <a:solidFill>
-                  <a:srgbClr val="454240"/>
-                </a:solidFill>
-                <a:latin typeface="DM Sans"/>
-                <a:ea typeface="DM Sans"/>
-              </a:rPr>
-              <a:t>y</a:t>
-            </a:r>
-            <a:r>
-              <a:rPr b="0" lang="pl-PL" sz="2100" spc="-1" strike="noStrike">
-                <a:solidFill>
-                  <a:srgbClr val="454240"/>
-                </a:solidFill>
-                <a:latin typeface="DM Sans"/>
-                <a:ea typeface="DM Sans"/>
-              </a:rPr>
-              <a:t>c</a:t>
-            </a:r>
-            <a:r>
-              <a:rPr b="0" lang="pl-PL" sz="2100" spc="-1" strike="noStrike">
-                <a:solidFill>
-                  <a:srgbClr val="454240"/>
-                </a:solidFill>
-                <a:latin typeface="DM Sans"/>
-                <a:ea typeface="DM Sans"/>
-              </a:rPr>
-              <a:t>z</a:t>
-            </a:r>
-            <a:r>
-              <a:rPr b="0" lang="pl-PL" sz="2100" spc="-1" strike="noStrike">
-                <a:solidFill>
-                  <a:srgbClr val="454240"/>
-                </a:solidFill>
-                <a:latin typeface="DM Sans"/>
-                <a:ea typeface="DM Sans"/>
-              </a:rPr>
-              <a:t>n</a:t>
-            </a:r>
-            <a:r>
-              <a:rPr b="0" lang="pl-PL" sz="2100" spc="-1" strike="noStrike">
-                <a:solidFill>
-                  <a:srgbClr val="454240"/>
-                </a:solidFill>
-                <a:latin typeface="DM Sans"/>
-                <a:ea typeface="DM Sans"/>
-              </a:rPr>
-              <a:t>y</a:t>
-            </a:r>
-            <a:r>
-              <a:rPr b="0" lang="pl-PL" sz="2100" spc="-1" strike="noStrike">
-                <a:solidFill>
-                  <a:srgbClr val="454240"/>
-                </a:solidFill>
-                <a:latin typeface="DM Sans"/>
-                <a:ea typeface="DM Sans"/>
-              </a:rPr>
-              <a:t>m</a:t>
-            </a:r>
-            <a:r>
-              <a:rPr b="0" lang="pl-PL" sz="2100" spc="-1" strike="noStrike">
-                <a:solidFill>
-                  <a:srgbClr val="454240"/>
-                </a:solidFill>
-                <a:latin typeface="DM Sans"/>
-                <a:ea typeface="DM Sans"/>
-              </a:rPr>
-              <a:t>i</a:t>
-            </a:r>
-            <a:endParaRPr b="0" lang="pl-PL" sz="2100" spc="-1" strike="noStrike">
-              <a:solidFill>
-                <a:srgbClr val="000000"/>
-              </a:solidFill>
-              <a:latin typeface="AppleSystemUIFont"/>
-              <a:ea typeface="AppleSystemUIFont"/>
-            </a:endParaRPr>
-          </a:p>
-          <a:p>
-            <a:pPr marL="216000" indent="-216000">
-              <a:lnSpc>
-                <a:spcPct val="150000"/>
-              </a:lnSpc>
-              <a:buClr>
-                <a:srgbClr val="000000"/>
-              </a:buClr>
-              <a:buSzPct val="45000"/>
-              <a:buFont typeface="Wingdings" charset="2"/>
-              <a:buChar char=""/>
-            </a:pPr>
-            <a:r>
-              <a:rPr b="0" lang="pl-PL" sz="2100" spc="-1" strike="noStrike">
-                <a:solidFill>
-                  <a:srgbClr val="454240"/>
-                </a:solidFill>
-                <a:latin typeface="DM Sans"/>
-                <a:ea typeface="DM Sans"/>
-              </a:rPr>
-              <a:t>W</a:t>
-            </a:r>
-            <a:r>
-              <a:rPr b="0" lang="pl-PL" sz="2100" spc="-1" strike="noStrike">
-                <a:solidFill>
-                  <a:srgbClr val="454240"/>
-                </a:solidFill>
-                <a:latin typeface="DM Sans"/>
-                <a:ea typeface="DM Sans"/>
-              </a:rPr>
-              <a:t>s</a:t>
-            </a:r>
-            <a:r>
-              <a:rPr b="0" lang="pl-PL" sz="2100" spc="-1" strike="noStrike">
-                <a:solidFill>
-                  <a:srgbClr val="454240"/>
-                </a:solidFill>
-                <a:latin typeface="DM Sans"/>
-                <a:ea typeface="DM Sans"/>
-              </a:rPr>
-              <a:t>p</a:t>
-            </a:r>
-            <a:r>
-              <a:rPr b="0" lang="pl-PL" sz="2100" spc="-1" strike="noStrike">
-                <a:solidFill>
-                  <a:srgbClr val="454240"/>
-                </a:solidFill>
-                <a:latin typeface="DM Sans"/>
-                <a:ea typeface="DM Sans"/>
-              </a:rPr>
-              <a:t>o</a:t>
-            </a:r>
-            <a:r>
-              <a:rPr b="0" lang="pl-PL" sz="2100" spc="-1" strike="noStrike">
-                <a:solidFill>
-                  <a:srgbClr val="454240"/>
-                </a:solidFill>
-                <a:latin typeface="DM Sans"/>
-                <a:ea typeface="DM Sans"/>
-              </a:rPr>
-              <a:t>m</a:t>
-            </a:r>
-            <a:r>
-              <a:rPr b="0" lang="pl-PL" sz="2100" spc="-1" strike="noStrike">
-                <a:solidFill>
-                  <a:srgbClr val="454240"/>
-                </a:solidFill>
-                <a:latin typeface="DM Sans"/>
-                <a:ea typeface="DM Sans"/>
-              </a:rPr>
-              <a:t>a</a:t>
-            </a:r>
-            <a:r>
-              <a:rPr b="0" lang="pl-PL" sz="2100" spc="-1" strike="noStrike">
-                <a:solidFill>
-                  <a:srgbClr val="454240"/>
-                </a:solidFill>
-                <a:latin typeface="DM Sans"/>
-                <a:ea typeface="DM Sans"/>
-              </a:rPr>
-              <a:t>g</a:t>
-            </a:r>
-            <a:r>
-              <a:rPr b="0" lang="pl-PL" sz="2100" spc="-1" strike="noStrike">
-                <a:solidFill>
-                  <a:srgbClr val="454240"/>
-                </a:solidFill>
-                <a:latin typeface="DM Sans"/>
-                <a:ea typeface="DM Sans"/>
-              </a:rPr>
-              <a:t>a</a:t>
-            </a:r>
-            <a:r>
-              <a:rPr b="0" lang="pl-PL" sz="2100" spc="-1" strike="noStrike">
-                <a:solidFill>
-                  <a:srgbClr val="454240"/>
-                </a:solidFill>
-                <a:latin typeface="DM Sans"/>
-                <a:ea typeface="DM Sans"/>
-              </a:rPr>
-              <a:t>n</a:t>
-            </a:r>
-            <a:r>
-              <a:rPr b="0" lang="pl-PL" sz="2100" spc="-1" strike="noStrike">
-                <a:solidFill>
-                  <a:srgbClr val="454240"/>
-                </a:solidFill>
-                <a:latin typeface="DM Sans"/>
-                <a:ea typeface="DM Sans"/>
-              </a:rPr>
-              <a:t>i</a:t>
-            </a:r>
-            <a:r>
-              <a:rPr b="0" lang="pl-PL" sz="2100" spc="-1" strike="noStrike">
-                <a:solidFill>
-                  <a:srgbClr val="454240"/>
-                </a:solidFill>
-                <a:latin typeface="DM Sans"/>
-                <a:ea typeface="DM Sans"/>
-              </a:rPr>
-              <a:t>e</a:t>
-            </a:r>
-            <a:r>
-              <a:rPr b="0" lang="pl-PL" sz="2100" spc="-1" strike="noStrike">
-                <a:solidFill>
-                  <a:srgbClr val="454240"/>
-                </a:solidFill>
-                <a:latin typeface="DM Sans"/>
-                <a:ea typeface="DM Sans"/>
-              </a:rPr>
-              <a:t> </a:t>
-            </a:r>
-            <a:r>
-              <a:rPr b="0" lang="pl-PL" sz="2100" spc="-1" strike="noStrike">
-                <a:solidFill>
-                  <a:srgbClr val="454240"/>
-                </a:solidFill>
-                <a:latin typeface="DM Sans"/>
-                <a:ea typeface="DM Sans"/>
-              </a:rPr>
-              <a:t>p</a:t>
-            </a:r>
-            <a:r>
-              <a:rPr b="0" lang="pl-PL" sz="2100" spc="-1" strike="noStrike">
-                <a:solidFill>
-                  <a:srgbClr val="454240"/>
-                </a:solidFill>
-                <a:latin typeface="DM Sans"/>
-                <a:ea typeface="DM Sans"/>
-              </a:rPr>
-              <a:t>r</a:t>
-            </a:r>
-            <a:r>
-              <a:rPr b="0" lang="pl-PL" sz="2100" spc="-1" strike="noStrike">
-                <a:solidFill>
-                  <a:srgbClr val="454240"/>
-                </a:solidFill>
-                <a:latin typeface="DM Sans"/>
-                <a:ea typeface="DM Sans"/>
-              </a:rPr>
-              <a:t>a</a:t>
-            </a:r>
-            <a:r>
-              <a:rPr b="0" lang="pl-PL" sz="2100" spc="-1" strike="noStrike">
-                <a:solidFill>
-                  <a:srgbClr val="454240"/>
-                </a:solidFill>
-                <a:latin typeface="DM Sans"/>
-                <a:ea typeface="DM Sans"/>
-              </a:rPr>
-              <a:t>c</a:t>
-            </a:r>
-            <a:r>
-              <a:rPr b="0" lang="pl-PL" sz="2100" spc="-1" strike="noStrike">
-                <a:solidFill>
-                  <a:srgbClr val="454240"/>
-                </a:solidFill>
-                <a:latin typeface="DM Sans"/>
-                <a:ea typeface="DM Sans"/>
-              </a:rPr>
-              <a:t>y</a:t>
-            </a:r>
-            <a:r>
-              <a:rPr b="0" lang="pl-PL" sz="2100" spc="-1" strike="noStrike">
-                <a:solidFill>
-                  <a:srgbClr val="454240"/>
-                </a:solidFill>
-                <a:latin typeface="DM Sans"/>
-                <a:ea typeface="DM Sans"/>
-              </a:rPr>
-              <a:t> </a:t>
-            </a:r>
-            <a:r>
-              <a:rPr b="0" lang="pl-PL" sz="2100" spc="-1" strike="noStrike">
-                <a:solidFill>
-                  <a:srgbClr val="454240"/>
-                </a:solidFill>
-                <a:latin typeface="DM Sans"/>
-                <a:ea typeface="DM Sans"/>
-              </a:rPr>
-              <a:t>p</a:t>
-            </a:r>
-            <a:r>
-              <a:rPr b="0" lang="pl-PL" sz="2100" spc="-1" strike="noStrike">
-                <a:solidFill>
-                  <a:srgbClr val="454240"/>
-                </a:solidFill>
-                <a:latin typeface="DM Sans"/>
-                <a:ea typeface="DM Sans"/>
-              </a:rPr>
-              <a:t>o</a:t>
-            </a:r>
-            <a:r>
-              <a:rPr b="0" lang="pl-PL" sz="2100" spc="-1" strike="noStrike">
-                <a:solidFill>
-                  <a:srgbClr val="454240"/>
-                </a:solidFill>
-                <a:latin typeface="DM Sans"/>
-                <a:ea typeface="DM Sans"/>
-              </a:rPr>
-              <a:t>p</a:t>
-            </a:r>
-            <a:r>
-              <a:rPr b="0" lang="pl-PL" sz="2100" spc="-1" strike="noStrike">
-                <a:solidFill>
-                  <a:srgbClr val="454240"/>
-                </a:solidFill>
-                <a:latin typeface="DM Sans"/>
-                <a:ea typeface="DM Sans"/>
-              </a:rPr>
-              <a:t>r</a:t>
-            </a:r>
-            <a:r>
-              <a:rPr b="0" lang="pl-PL" sz="2100" spc="-1" strike="noStrike">
-                <a:solidFill>
-                  <a:srgbClr val="454240"/>
-                </a:solidFill>
-                <a:latin typeface="DM Sans"/>
-                <a:ea typeface="DM Sans"/>
-              </a:rPr>
-              <a:t>z</a:t>
-            </a:r>
-            <a:r>
-              <a:rPr b="0" lang="pl-PL" sz="2100" spc="-1" strike="noStrike">
-                <a:solidFill>
-                  <a:srgbClr val="454240"/>
-                </a:solidFill>
-                <a:latin typeface="DM Sans"/>
-                <a:ea typeface="DM Sans"/>
-              </a:rPr>
-              <a:t>e</a:t>
-            </a:r>
-            <a:r>
-              <a:rPr b="0" lang="pl-PL" sz="2100" spc="-1" strike="noStrike">
-                <a:solidFill>
-                  <a:srgbClr val="454240"/>
-                </a:solidFill>
-                <a:latin typeface="DM Sans"/>
-                <a:ea typeface="DM Sans"/>
-              </a:rPr>
-              <a:t>z</a:t>
-            </a:r>
-            <a:r>
-              <a:rPr b="0" lang="pl-PL" sz="2100" spc="-1" strike="noStrike">
-                <a:solidFill>
-                  <a:srgbClr val="454240"/>
-                </a:solidFill>
-                <a:latin typeface="DM Sans"/>
-                <a:ea typeface="DM Sans"/>
-              </a:rPr>
-              <a:t> </a:t>
-            </a:r>
-            <a:r>
-              <a:rPr b="0" lang="pl-PL" sz="2100" spc="-1" strike="noStrike">
-                <a:solidFill>
-                  <a:srgbClr val="454240"/>
-                </a:solidFill>
-                <a:latin typeface="DM Sans"/>
-                <a:ea typeface="DM Sans"/>
-              </a:rPr>
-              <a:t>u</a:t>
-            </a:r>
-            <a:r>
-              <a:rPr b="0" lang="pl-PL" sz="2100" spc="-1" strike="noStrike">
-                <a:solidFill>
-                  <a:srgbClr val="454240"/>
-                </a:solidFill>
-                <a:latin typeface="DM Sans"/>
-                <a:ea typeface="DM Sans"/>
-              </a:rPr>
-              <a:t>d</a:t>
-            </a:r>
-            <a:r>
-              <a:rPr b="0" lang="pl-PL" sz="2100" spc="-1" strike="noStrike">
-                <a:solidFill>
-                  <a:srgbClr val="454240"/>
-                </a:solidFill>
-                <a:latin typeface="DM Sans"/>
-                <a:ea typeface="DM Sans"/>
-              </a:rPr>
-              <a:t>o</a:t>
-            </a:r>
-            <a:r>
-              <a:rPr b="0" lang="pl-PL" sz="2100" spc="-1" strike="noStrike">
-                <a:solidFill>
-                  <a:srgbClr val="454240"/>
-                </a:solidFill>
-                <a:latin typeface="DM Sans"/>
-                <a:ea typeface="DM Sans"/>
-              </a:rPr>
-              <a:t>s</a:t>
-            </a:r>
-            <a:r>
-              <a:rPr b="0" lang="pl-PL" sz="2100" spc="-1" strike="noStrike">
-                <a:solidFill>
-                  <a:srgbClr val="454240"/>
-                </a:solidFill>
-                <a:latin typeface="DM Sans"/>
-                <a:ea typeface="DM Sans"/>
-              </a:rPr>
-              <a:t>t</a:t>
-            </a:r>
-            <a:r>
-              <a:rPr b="0" lang="pl-PL" sz="2100" spc="-1" strike="noStrike">
-                <a:solidFill>
-                  <a:srgbClr val="454240"/>
-                </a:solidFill>
-                <a:latin typeface="DM Sans"/>
-                <a:ea typeface="DM Sans"/>
-              </a:rPr>
-              <a:t>ę</a:t>
-            </a:r>
-            <a:r>
-              <a:rPr b="0" lang="pl-PL" sz="2100" spc="-1" strike="noStrike">
-                <a:solidFill>
-                  <a:srgbClr val="454240"/>
-                </a:solidFill>
-                <a:latin typeface="DM Sans"/>
-                <a:ea typeface="DM Sans"/>
-              </a:rPr>
-              <a:t>p</a:t>
-            </a:r>
-            <a:r>
-              <a:rPr b="0" lang="pl-PL" sz="2100" spc="-1" strike="noStrike">
-                <a:solidFill>
-                  <a:srgbClr val="454240"/>
-                </a:solidFill>
-                <a:latin typeface="DM Sans"/>
-                <a:ea typeface="DM Sans"/>
-              </a:rPr>
-              <a:t>n</a:t>
-            </a:r>
-            <a:r>
-              <a:rPr b="0" lang="pl-PL" sz="2100" spc="-1" strike="noStrike">
-                <a:solidFill>
-                  <a:srgbClr val="454240"/>
-                </a:solidFill>
-                <a:latin typeface="DM Sans"/>
-                <a:ea typeface="DM Sans"/>
-              </a:rPr>
-              <a:t>i</a:t>
-            </a:r>
-            <a:r>
-              <a:rPr b="0" lang="pl-PL" sz="2100" spc="-1" strike="noStrike">
-                <a:solidFill>
-                  <a:srgbClr val="454240"/>
-                </a:solidFill>
-                <a:latin typeface="DM Sans"/>
-                <a:ea typeface="DM Sans"/>
-              </a:rPr>
-              <a:t>e</a:t>
-            </a:r>
-            <a:r>
-              <a:rPr b="0" lang="pl-PL" sz="2100" spc="-1" strike="noStrike">
-                <a:solidFill>
-                  <a:srgbClr val="454240"/>
-                </a:solidFill>
-                <a:latin typeface="DM Sans"/>
-                <a:ea typeface="DM Sans"/>
-              </a:rPr>
-              <a:t>n</a:t>
-            </a:r>
-            <a:r>
-              <a:rPr b="0" lang="pl-PL" sz="2100" spc="-1" strike="noStrike">
-                <a:solidFill>
-                  <a:srgbClr val="454240"/>
-                </a:solidFill>
-                <a:latin typeface="DM Sans"/>
-                <a:ea typeface="DM Sans"/>
-              </a:rPr>
-              <a:t>i</a:t>
-            </a:r>
-            <a:r>
-              <a:rPr b="0" lang="pl-PL" sz="2100" spc="-1" strike="noStrike">
-                <a:solidFill>
-                  <a:srgbClr val="454240"/>
-                </a:solidFill>
-                <a:latin typeface="DM Sans"/>
-                <a:ea typeface="DM Sans"/>
-              </a:rPr>
-              <a:t>e</a:t>
-            </a:r>
-            <a:r>
-              <a:rPr b="0" lang="pl-PL" sz="2100" spc="-1" strike="noStrike">
-                <a:solidFill>
-                  <a:srgbClr val="454240"/>
-                </a:solidFill>
-                <a:latin typeface="DM Sans"/>
-                <a:ea typeface="DM Sans"/>
-              </a:rPr>
-              <a:t> </a:t>
-            </a:r>
-            <a:r>
-              <a:rPr b="0" lang="pl-PL" sz="2100" spc="-1" strike="noStrike">
-                <a:solidFill>
-                  <a:srgbClr val="454240"/>
-                </a:solidFill>
-                <a:latin typeface="DM Sans"/>
-                <a:ea typeface="DM Sans"/>
-              </a:rPr>
-              <a:t>w</a:t>
-            </a:r>
-            <a:r>
-              <a:rPr b="0" lang="pl-PL" sz="2100" spc="-1" strike="noStrike">
-                <a:solidFill>
-                  <a:srgbClr val="454240"/>
-                </a:solidFill>
-                <a:latin typeface="DM Sans"/>
-                <a:ea typeface="DM Sans"/>
-              </a:rPr>
-              <a:t>y</a:t>
-            </a:r>
-            <a:r>
-              <a:rPr b="0" lang="pl-PL" sz="2100" spc="-1" strike="noStrike">
-                <a:solidFill>
-                  <a:srgbClr val="454240"/>
-                </a:solidFill>
-                <a:latin typeface="DM Sans"/>
-                <a:ea typeface="DM Sans"/>
-              </a:rPr>
-              <a:t>j</a:t>
-            </a:r>
-            <a:r>
-              <a:rPr b="0" lang="pl-PL" sz="2100" spc="-1" strike="noStrike">
-                <a:solidFill>
-                  <a:srgbClr val="454240"/>
-                </a:solidFill>
-                <a:latin typeface="DM Sans"/>
-                <a:ea typeface="DM Sans"/>
-              </a:rPr>
-              <a:t>a</a:t>
-            </a:r>
-            <a:r>
-              <a:rPr b="0" lang="pl-PL" sz="2100" spc="-1" strike="noStrike">
-                <a:solidFill>
-                  <a:srgbClr val="454240"/>
-                </a:solidFill>
-                <a:latin typeface="DM Sans"/>
-                <a:ea typeface="DM Sans"/>
-              </a:rPr>
-              <a:t>ś</a:t>
-            </a:r>
-            <a:r>
-              <a:rPr b="0" lang="pl-PL" sz="2100" spc="-1" strike="noStrike">
-                <a:solidFill>
-                  <a:srgbClr val="454240"/>
-                </a:solidFill>
-                <a:latin typeface="DM Sans"/>
-                <a:ea typeface="DM Sans"/>
-              </a:rPr>
-              <a:t>n</a:t>
-            </a:r>
-            <a:r>
-              <a:rPr b="0" lang="pl-PL" sz="2100" spc="-1" strike="noStrike">
-                <a:solidFill>
-                  <a:srgbClr val="454240"/>
-                </a:solidFill>
-                <a:latin typeface="DM Sans"/>
-                <a:ea typeface="DM Sans"/>
-              </a:rPr>
-              <a:t>i</a:t>
-            </a:r>
-            <a:r>
-              <a:rPr b="0" lang="pl-PL" sz="2100" spc="-1" strike="noStrike">
-                <a:solidFill>
-                  <a:srgbClr val="454240"/>
-                </a:solidFill>
-                <a:latin typeface="DM Sans"/>
-                <a:ea typeface="DM Sans"/>
-              </a:rPr>
-              <a:t>e</a:t>
-            </a:r>
-            <a:r>
-              <a:rPr b="0" lang="pl-PL" sz="2100" spc="-1" strike="noStrike">
-                <a:solidFill>
-                  <a:srgbClr val="454240"/>
-                </a:solidFill>
-                <a:latin typeface="DM Sans"/>
-                <a:ea typeface="DM Sans"/>
-              </a:rPr>
-              <a:t>ń</a:t>
-            </a:r>
-            <a:r>
-              <a:rPr b="0" lang="pl-PL" sz="2100" spc="-1" strike="noStrike">
-                <a:solidFill>
-                  <a:srgbClr val="454240"/>
-                </a:solidFill>
-                <a:latin typeface="DM Sans"/>
-                <a:ea typeface="DM Sans"/>
-              </a:rPr>
-              <a:t>,</a:t>
-            </a:r>
-            <a:r>
-              <a:rPr b="0" lang="pl-PL" sz="2100" spc="-1" strike="noStrike">
-                <a:solidFill>
-                  <a:srgbClr val="454240"/>
-                </a:solidFill>
-                <a:latin typeface="DM Sans"/>
-                <a:ea typeface="DM Sans"/>
-              </a:rPr>
-              <a:t> </a:t>
-            </a:r>
-            <a:r>
-              <a:rPr b="0" lang="pl-PL" sz="2100" spc="-1" strike="noStrike">
-                <a:solidFill>
-                  <a:srgbClr val="454240"/>
-                </a:solidFill>
-                <a:latin typeface="DM Sans"/>
-                <a:ea typeface="DM Sans"/>
-              </a:rPr>
-              <a:t>p</a:t>
-            </a:r>
-            <a:r>
-              <a:rPr b="0" lang="pl-PL" sz="2100" spc="-1" strike="noStrike">
-                <a:solidFill>
-                  <a:srgbClr val="454240"/>
-                </a:solidFill>
-                <a:latin typeface="DM Sans"/>
-                <a:ea typeface="DM Sans"/>
-              </a:rPr>
-              <a:t>o</a:t>
-            </a:r>
-            <a:r>
-              <a:rPr b="0" lang="pl-PL" sz="2100" spc="-1" strike="noStrike">
-                <a:solidFill>
-                  <a:srgbClr val="454240"/>
-                </a:solidFill>
-                <a:latin typeface="DM Sans"/>
-                <a:ea typeface="DM Sans"/>
-              </a:rPr>
-              <a:t>j</a:t>
-            </a:r>
-            <a:r>
-              <a:rPr b="0" lang="pl-PL" sz="2100" spc="-1" strike="noStrike">
-                <a:solidFill>
-                  <a:srgbClr val="454240"/>
-                </a:solidFill>
-                <a:latin typeface="DM Sans"/>
-                <a:ea typeface="DM Sans"/>
-              </a:rPr>
-              <a:t>ę</a:t>
-            </a:r>
-            <a:r>
-              <a:rPr b="0" lang="pl-PL" sz="2100" spc="-1" strike="noStrike">
-                <a:solidFill>
-                  <a:srgbClr val="454240"/>
-                </a:solidFill>
-                <a:latin typeface="DM Sans"/>
-                <a:ea typeface="DM Sans"/>
-              </a:rPr>
-              <a:t>ć</a:t>
-            </a:r>
-            <a:r>
-              <a:rPr b="0" lang="pl-PL" sz="2100" spc="-1" strike="noStrike">
-                <a:solidFill>
-                  <a:srgbClr val="454240"/>
-                </a:solidFill>
-                <a:latin typeface="DM Sans"/>
-                <a:ea typeface="DM Sans"/>
-              </a:rPr>
-              <a:t>,</a:t>
-            </a:r>
-            <a:r>
-              <a:rPr b="0" lang="pl-PL" sz="2100" spc="-1" strike="noStrike">
-                <a:solidFill>
-                  <a:srgbClr val="454240"/>
-                </a:solidFill>
-                <a:latin typeface="DM Sans"/>
-                <a:ea typeface="DM Sans"/>
-              </a:rPr>
-              <a:t> </a:t>
-            </a:r>
-            <a:r>
-              <a:rPr b="0" lang="pl-PL" sz="2100" spc="-1" strike="noStrike">
-                <a:solidFill>
-                  <a:srgbClr val="454240"/>
-                </a:solidFill>
-                <a:latin typeface="DM Sans"/>
-                <a:ea typeface="DM Sans"/>
-              </a:rPr>
-              <a:t>s</a:t>
-            </a:r>
-            <a:r>
-              <a:rPr b="0" lang="pl-PL" sz="2100" spc="-1" strike="noStrike">
-                <a:solidFill>
-                  <a:srgbClr val="454240"/>
-                </a:solidFill>
-                <a:latin typeface="DM Sans"/>
-                <a:ea typeface="DM Sans"/>
-              </a:rPr>
-              <a:t>k</a:t>
-            </a:r>
-            <a:r>
-              <a:rPr b="0" lang="pl-PL" sz="2100" spc="-1" strike="noStrike">
-                <a:solidFill>
-                  <a:srgbClr val="454240"/>
-                </a:solidFill>
-                <a:latin typeface="DM Sans"/>
-                <a:ea typeface="DM Sans"/>
-              </a:rPr>
-              <a:t>r</a:t>
-            </a:r>
-            <a:r>
-              <a:rPr b="0" lang="pl-PL" sz="2100" spc="-1" strike="noStrike">
-                <a:solidFill>
-                  <a:srgbClr val="454240"/>
-                </a:solidFill>
-                <a:latin typeface="DM Sans"/>
-                <a:ea typeface="DM Sans"/>
-              </a:rPr>
-              <a:t>ó</a:t>
-            </a:r>
-            <a:r>
-              <a:rPr b="0" lang="pl-PL" sz="2100" spc="-1" strike="noStrike">
-                <a:solidFill>
-                  <a:srgbClr val="454240"/>
-                </a:solidFill>
-                <a:latin typeface="DM Sans"/>
-                <a:ea typeface="DM Sans"/>
-              </a:rPr>
-              <a:t>t</a:t>
-            </a:r>
-            <a:r>
-              <a:rPr b="0" lang="pl-PL" sz="2100" spc="-1" strike="noStrike">
-                <a:solidFill>
-                  <a:srgbClr val="454240"/>
-                </a:solidFill>
-                <a:latin typeface="DM Sans"/>
-                <a:ea typeface="DM Sans"/>
-              </a:rPr>
-              <a:t>ó</a:t>
-            </a:r>
-            <a:r>
-              <a:rPr b="0" lang="pl-PL" sz="2100" spc="-1" strike="noStrike">
-                <a:solidFill>
-                  <a:srgbClr val="454240"/>
-                </a:solidFill>
-                <a:latin typeface="DM Sans"/>
-                <a:ea typeface="DM Sans"/>
-              </a:rPr>
-              <a:t>w</a:t>
-            </a:r>
-            <a:r>
-              <a:rPr b="0" lang="pl-PL" sz="2100" spc="-1" strike="noStrike">
-                <a:solidFill>
-                  <a:srgbClr val="454240"/>
-                </a:solidFill>
-                <a:latin typeface="DM Sans"/>
-                <a:ea typeface="DM Sans"/>
-              </a:rPr>
-              <a:t> </a:t>
-            </a:r>
-            <a:r>
-              <a:rPr b="0" lang="pl-PL" sz="2100" spc="-1" strike="noStrike">
-                <a:solidFill>
-                  <a:srgbClr val="454240"/>
-                </a:solidFill>
-                <a:latin typeface="DM Sans"/>
-                <a:ea typeface="DM Sans"/>
-              </a:rPr>
-              <a:t>n</a:t>
-            </a:r>
-            <a:r>
-              <a:rPr b="0" lang="pl-PL" sz="2100" spc="-1" strike="noStrike">
-                <a:solidFill>
-                  <a:srgbClr val="454240"/>
-                </a:solidFill>
-                <a:latin typeface="DM Sans"/>
-                <a:ea typeface="DM Sans"/>
-              </a:rPr>
-              <a:t>p</a:t>
-            </a:r>
-            <a:r>
-              <a:rPr b="0" lang="pl-PL" sz="2100" spc="-1" strike="noStrike">
-                <a:solidFill>
-                  <a:srgbClr val="454240"/>
-                </a:solidFill>
-                <a:latin typeface="DM Sans"/>
-                <a:ea typeface="DM Sans"/>
-              </a:rPr>
-              <a:t>.</a:t>
-            </a:r>
-            <a:r>
-              <a:rPr b="0" lang="pl-PL" sz="2100" spc="-1" strike="noStrike">
-                <a:solidFill>
-                  <a:srgbClr val="454240"/>
-                </a:solidFill>
-                <a:latin typeface="DM Sans"/>
-                <a:ea typeface="DM Sans"/>
-              </a:rPr>
-              <a:t> </a:t>
-            </a:r>
-            <a:r>
-              <a:rPr b="0" lang="pl-PL" sz="2100" spc="-1" strike="noStrike">
-                <a:solidFill>
-                  <a:srgbClr val="454240"/>
-                </a:solidFill>
-                <a:latin typeface="DM Sans"/>
-                <a:ea typeface="DM Sans"/>
-              </a:rPr>
-              <a:t>P</a:t>
-            </a:r>
-            <a:r>
-              <a:rPr b="0" lang="pl-PL" sz="2100" spc="-1" strike="noStrike">
-                <a:solidFill>
-                  <a:srgbClr val="454240"/>
-                </a:solidFill>
-                <a:latin typeface="DM Sans"/>
-                <a:ea typeface="DM Sans"/>
-              </a:rPr>
-              <a:t>a</a:t>
-            </a:r>
-            <a:r>
-              <a:rPr b="0" lang="pl-PL" sz="2100" spc="-1" strike="noStrike">
-                <a:solidFill>
-                  <a:srgbClr val="454240"/>
-                </a:solidFill>
-                <a:latin typeface="DM Sans"/>
-                <a:ea typeface="DM Sans"/>
-              </a:rPr>
-              <a:t>r</a:t>
-            </a:r>
-            <a:r>
-              <a:rPr b="0" lang="pl-PL" sz="2100" spc="-1" strike="noStrike">
-                <a:solidFill>
-                  <a:srgbClr val="454240"/>
-                </a:solidFill>
-                <a:latin typeface="DM Sans"/>
-                <a:ea typeface="DM Sans"/>
-              </a:rPr>
-              <a:t>a</a:t>
-            </a:r>
-            <a:r>
-              <a:rPr b="0" lang="pl-PL" sz="2100" spc="-1" strike="noStrike">
-                <a:solidFill>
-                  <a:srgbClr val="454240"/>
-                </a:solidFill>
-                <a:latin typeface="DM Sans"/>
-                <a:ea typeface="DM Sans"/>
-              </a:rPr>
-              <a:t>g</a:t>
-            </a:r>
-            <a:r>
-              <a:rPr b="0" lang="pl-PL" sz="2100" spc="-1" strike="noStrike">
-                <a:solidFill>
-                  <a:srgbClr val="454240"/>
-                </a:solidFill>
-                <a:latin typeface="DM Sans"/>
-                <a:ea typeface="DM Sans"/>
-              </a:rPr>
-              <a:t>r</a:t>
-            </a:r>
-            <a:r>
-              <a:rPr b="0" lang="pl-PL" sz="2100" spc="-1" strike="noStrike">
-                <a:solidFill>
-                  <a:srgbClr val="454240"/>
-                </a:solidFill>
-                <a:latin typeface="DM Sans"/>
-                <a:ea typeface="DM Sans"/>
-              </a:rPr>
-              <a:t>a</a:t>
-            </a:r>
-            <a:r>
-              <a:rPr b="0" lang="pl-PL" sz="2100" spc="-1" strike="noStrike">
-                <a:solidFill>
-                  <a:srgbClr val="454240"/>
-                </a:solidFill>
-                <a:latin typeface="DM Sans"/>
-                <a:ea typeface="DM Sans"/>
-              </a:rPr>
-              <a:t>f</a:t>
-            </a:r>
-            <a:r>
-              <a:rPr b="0" lang="pl-PL" sz="2100" spc="-1" strike="noStrike">
-                <a:solidFill>
-                  <a:srgbClr val="454240"/>
-                </a:solidFill>
-                <a:latin typeface="DM Sans"/>
-                <a:ea typeface="DM Sans"/>
-              </a:rPr>
-              <a:t>y</a:t>
-            </a:r>
-            <a:r>
-              <a:rPr b="0" lang="pl-PL" sz="2100" spc="-1" strike="noStrike">
-                <a:solidFill>
-                  <a:srgbClr val="454240"/>
-                </a:solidFill>
-                <a:latin typeface="DM Sans"/>
-                <a:ea typeface="DM Sans"/>
-              </a:rPr>
-              <a:t>,</a:t>
-            </a:r>
-            <a:r>
-              <a:rPr b="0" lang="pl-PL" sz="2100" spc="-1" strike="noStrike">
-                <a:solidFill>
-                  <a:srgbClr val="454240"/>
-                </a:solidFill>
-                <a:latin typeface="DM Sans"/>
-                <a:ea typeface="DM Sans"/>
-              </a:rPr>
-              <a:t> </a:t>
-            </a:r>
-            <a:r>
-              <a:rPr b="0" lang="pl-PL" sz="2100" spc="-1" strike="noStrike">
-                <a:solidFill>
-                  <a:srgbClr val="454240"/>
-                </a:solidFill>
-                <a:latin typeface="DM Sans"/>
-                <a:ea typeface="DM Sans"/>
-              </a:rPr>
-              <a:t>K</a:t>
-            </a:r>
-            <a:r>
-              <a:rPr b="0" lang="pl-PL" sz="2100" spc="-1" strike="noStrike">
-                <a:solidFill>
-                  <a:srgbClr val="454240"/>
-                </a:solidFill>
-                <a:latin typeface="DM Sans"/>
-                <a:ea typeface="DM Sans"/>
-              </a:rPr>
-              <a:t>a</a:t>
-            </a:r>
-            <a:r>
-              <a:rPr b="0" lang="pl-PL" sz="2100" spc="-1" strike="noStrike">
-                <a:solidFill>
-                  <a:srgbClr val="454240"/>
-                </a:solidFill>
-                <a:latin typeface="DM Sans"/>
-                <a:ea typeface="DM Sans"/>
-              </a:rPr>
-              <a:t>t</a:t>
-            </a:r>
-            <a:r>
-              <a:rPr b="0" lang="pl-PL" sz="2100" spc="-1" strike="noStrike">
-                <a:solidFill>
-                  <a:srgbClr val="454240"/>
-                </a:solidFill>
-                <a:latin typeface="DM Sans"/>
-                <a:ea typeface="DM Sans"/>
-              </a:rPr>
-              <a:t>e</a:t>
-            </a:r>
-            <a:r>
-              <a:rPr b="0" lang="pl-PL" sz="2100" spc="-1" strike="noStrike">
-                <a:solidFill>
-                  <a:srgbClr val="454240"/>
-                </a:solidFill>
-                <a:latin typeface="DM Sans"/>
-                <a:ea typeface="DM Sans"/>
-              </a:rPr>
-              <a:t>g</a:t>
-            </a:r>
-            <a:r>
-              <a:rPr b="0" lang="pl-PL" sz="2100" spc="-1" strike="noStrike">
-                <a:solidFill>
-                  <a:srgbClr val="454240"/>
-                </a:solidFill>
-                <a:latin typeface="DM Sans"/>
-                <a:ea typeface="DM Sans"/>
-              </a:rPr>
-              <a:t>o</a:t>
-            </a:r>
-            <a:r>
-              <a:rPr b="0" lang="pl-PL" sz="2100" spc="-1" strike="noStrike">
-                <a:solidFill>
-                  <a:srgbClr val="454240"/>
-                </a:solidFill>
-                <a:latin typeface="DM Sans"/>
-                <a:ea typeface="DM Sans"/>
-              </a:rPr>
-              <a:t>r</a:t>
-            </a:r>
-            <a:r>
-              <a:rPr b="0" lang="pl-PL" sz="2100" spc="-1" strike="noStrike">
-                <a:solidFill>
-                  <a:srgbClr val="454240"/>
-                </a:solidFill>
-                <a:latin typeface="DM Sans"/>
-                <a:ea typeface="DM Sans"/>
-              </a:rPr>
-              <a:t>i</a:t>
-            </a:r>
-            <a:r>
-              <a:rPr b="0" lang="pl-PL" sz="2100" spc="-1" strike="noStrike">
-                <a:solidFill>
-                  <a:srgbClr val="454240"/>
-                </a:solidFill>
-                <a:latin typeface="DM Sans"/>
-                <a:ea typeface="DM Sans"/>
-              </a:rPr>
-              <a:t>i</a:t>
-            </a:r>
-            <a:r>
-              <a:rPr b="0" lang="pl-PL" sz="2100" spc="-1" strike="noStrike">
-                <a:solidFill>
-                  <a:srgbClr val="454240"/>
-                </a:solidFill>
-                <a:latin typeface="DM Sans"/>
-                <a:ea typeface="DM Sans"/>
-              </a:rPr>
-              <a:t> </a:t>
-            </a:r>
-            <a:r>
-              <a:rPr b="0" lang="pl-PL" sz="2100" spc="-1" strike="noStrike">
-                <a:solidFill>
-                  <a:srgbClr val="454240"/>
-                </a:solidFill>
-                <a:latin typeface="DM Sans"/>
-                <a:ea typeface="DM Sans"/>
-              </a:rPr>
-              <a:t>s</a:t>
-            </a:r>
-            <a:r>
-              <a:rPr b="0" lang="pl-PL" sz="2100" spc="-1" strike="noStrike">
-                <a:solidFill>
-                  <a:srgbClr val="454240"/>
-                </a:solidFill>
-                <a:latin typeface="DM Sans"/>
-                <a:ea typeface="DM Sans"/>
-              </a:rPr>
-              <a:t>u</a:t>
-            </a:r>
-            <a:r>
-              <a:rPr b="0" lang="pl-PL" sz="2100" spc="-1" strike="noStrike">
-                <a:solidFill>
-                  <a:srgbClr val="454240"/>
-                </a:solidFill>
-                <a:latin typeface="DM Sans"/>
-                <a:ea typeface="DM Sans"/>
-              </a:rPr>
-              <a:t>b</a:t>
-            </a:r>
-            <a:r>
-              <a:rPr b="0" lang="pl-PL" sz="2100" spc="-1" strike="noStrike">
-                <a:solidFill>
-                  <a:srgbClr val="454240"/>
-                </a:solidFill>
-                <a:latin typeface="DM Sans"/>
-                <a:ea typeface="DM Sans"/>
-              </a:rPr>
-              <a:t>w</a:t>
-            </a:r>
-            <a:r>
-              <a:rPr b="0" lang="pl-PL" sz="2100" spc="-1" strike="noStrike">
-                <a:solidFill>
-                  <a:srgbClr val="454240"/>
-                </a:solidFill>
-                <a:latin typeface="DM Sans"/>
-                <a:ea typeface="DM Sans"/>
-              </a:rPr>
-              <a:t>e</a:t>
-            </a:r>
-            <a:r>
-              <a:rPr b="0" lang="pl-PL" sz="2100" spc="-1" strike="noStrike">
-                <a:solidFill>
-                  <a:srgbClr val="454240"/>
-                </a:solidFill>
-                <a:latin typeface="DM Sans"/>
-                <a:ea typeface="DM Sans"/>
-              </a:rPr>
-              <a:t>n</a:t>
-            </a:r>
-            <a:r>
-              <a:rPr b="0" lang="pl-PL" sz="2100" spc="-1" strike="noStrike">
-                <a:solidFill>
-                  <a:srgbClr val="454240"/>
-                </a:solidFill>
-                <a:latin typeface="DM Sans"/>
-                <a:ea typeface="DM Sans"/>
-              </a:rPr>
-              <a:t>c</a:t>
-            </a:r>
-            <a:r>
-              <a:rPr b="0" lang="pl-PL" sz="2100" spc="-1" strike="noStrike">
-                <a:solidFill>
-                  <a:srgbClr val="454240"/>
-                </a:solidFill>
-                <a:latin typeface="DM Sans"/>
-                <a:ea typeface="DM Sans"/>
-              </a:rPr>
-              <a:t>y</a:t>
-            </a:r>
-            <a:r>
-              <a:rPr b="0" lang="pl-PL" sz="2100" spc="-1" strike="noStrike">
-                <a:solidFill>
-                  <a:srgbClr val="454240"/>
-                </a:solidFill>
-                <a:latin typeface="DM Sans"/>
-                <a:ea typeface="DM Sans"/>
-              </a:rPr>
-              <a:t>j</a:t>
-            </a:r>
-            <a:r>
-              <a:rPr b="0" lang="pl-PL" sz="2100" spc="-1" strike="noStrike">
-                <a:solidFill>
-                  <a:srgbClr val="454240"/>
-                </a:solidFill>
-                <a:latin typeface="DM Sans"/>
-                <a:ea typeface="DM Sans"/>
-              </a:rPr>
-              <a:t>n</a:t>
-            </a:r>
-            <a:r>
-              <a:rPr b="0" lang="pl-PL" sz="2100" spc="-1" strike="noStrike">
-                <a:solidFill>
-                  <a:srgbClr val="454240"/>
-                </a:solidFill>
-                <a:latin typeface="DM Sans"/>
-                <a:ea typeface="DM Sans"/>
-              </a:rPr>
-              <a:t>y</a:t>
-            </a:r>
-            <a:r>
-              <a:rPr b="0" lang="pl-PL" sz="2100" spc="-1" strike="noStrike">
-                <a:solidFill>
-                  <a:srgbClr val="454240"/>
-                </a:solidFill>
-                <a:latin typeface="DM Sans"/>
-                <a:ea typeface="DM Sans"/>
-              </a:rPr>
-              <a:t>c</a:t>
-            </a:r>
-            <a:r>
-              <a:rPr b="0" lang="pl-PL" sz="2100" spc="-1" strike="noStrike">
-                <a:solidFill>
-                  <a:srgbClr val="454240"/>
-                </a:solidFill>
-                <a:latin typeface="DM Sans"/>
-                <a:ea typeface="DM Sans"/>
-              </a:rPr>
-              <a:t>h</a:t>
-            </a:r>
-            <a:endParaRPr b="0" lang="pl-PL" sz="2100" spc="-1" strike="noStrike">
-              <a:solidFill>
-                <a:srgbClr val="000000"/>
-              </a:solidFill>
-              <a:latin typeface="AppleSystemUIFont"/>
-              <a:ea typeface="AppleSystemUIFont"/>
-            </a:endParaRPr>
-          </a:p>
-          <a:p>
-            <a:pPr marL="216000" indent="-216000">
-              <a:lnSpc>
-                <a:spcPct val="150000"/>
-              </a:lnSpc>
-              <a:buClr>
-                <a:srgbClr val="000000"/>
-              </a:buClr>
-              <a:buSzPct val="45000"/>
-              <a:buFont typeface="Wingdings" charset="2"/>
-              <a:buChar char=""/>
-            </a:pPr>
-            <a:r>
-              <a:rPr b="0" lang="pl-PL" sz="2100" spc="-1" strike="noStrike">
-                <a:solidFill>
-                  <a:srgbClr val="454240"/>
-                </a:solidFill>
-                <a:latin typeface="DM Sans"/>
-                <a:ea typeface="DM Sans"/>
-              </a:rPr>
-              <a:t>A</a:t>
-            </a:r>
-            <a:r>
-              <a:rPr b="0" lang="pl-PL" sz="2100" spc="-1" strike="noStrike">
-                <a:solidFill>
-                  <a:srgbClr val="454240"/>
-                </a:solidFill>
-                <a:latin typeface="DM Sans"/>
-                <a:ea typeface="DM Sans"/>
-              </a:rPr>
-              <a:t>n</a:t>
-            </a:r>
-            <a:r>
-              <a:rPr b="0" lang="pl-PL" sz="2100" spc="-1" strike="noStrike">
-                <a:solidFill>
-                  <a:srgbClr val="454240"/>
-                </a:solidFill>
-                <a:latin typeface="DM Sans"/>
-                <a:ea typeface="DM Sans"/>
-              </a:rPr>
-              <a:t>a</a:t>
-            </a:r>
-            <a:r>
-              <a:rPr b="0" lang="pl-PL" sz="2100" spc="-1" strike="noStrike">
-                <a:solidFill>
-                  <a:srgbClr val="454240"/>
-                </a:solidFill>
-                <a:latin typeface="DM Sans"/>
-                <a:ea typeface="DM Sans"/>
-              </a:rPr>
-              <a:t>l</a:t>
-            </a:r>
-            <a:r>
-              <a:rPr b="0" lang="pl-PL" sz="2100" spc="-1" strike="noStrike">
-                <a:solidFill>
-                  <a:srgbClr val="454240"/>
-                </a:solidFill>
-                <a:latin typeface="DM Sans"/>
-                <a:ea typeface="DM Sans"/>
-              </a:rPr>
-              <a:t>i</a:t>
-            </a:r>
-            <a:r>
-              <a:rPr b="0" lang="pl-PL" sz="2100" spc="-1" strike="noStrike">
-                <a:solidFill>
-                  <a:srgbClr val="454240"/>
-                </a:solidFill>
-                <a:latin typeface="DM Sans"/>
-                <a:ea typeface="DM Sans"/>
-              </a:rPr>
-              <a:t>z</a:t>
-            </a:r>
-            <a:r>
-              <a:rPr b="0" lang="pl-PL" sz="2100" spc="-1" strike="noStrike">
-                <a:solidFill>
-                  <a:srgbClr val="454240"/>
-                </a:solidFill>
-                <a:latin typeface="DM Sans"/>
-                <a:ea typeface="DM Sans"/>
-              </a:rPr>
-              <a:t>a</a:t>
-            </a:r>
-            <a:r>
-              <a:rPr b="0" lang="pl-PL" sz="2100" spc="-1" strike="noStrike">
-                <a:solidFill>
-                  <a:srgbClr val="454240"/>
-                </a:solidFill>
-                <a:latin typeface="DM Sans"/>
-                <a:ea typeface="DM Sans"/>
-              </a:rPr>
-              <a:t> </a:t>
-            </a:r>
-            <a:r>
-              <a:rPr b="0" lang="pl-PL" sz="2100" spc="-1" strike="noStrike">
-                <a:solidFill>
-                  <a:srgbClr val="454240"/>
-                </a:solidFill>
-                <a:latin typeface="DM Sans"/>
-                <a:ea typeface="DM Sans"/>
-              </a:rPr>
-              <a:t>d</a:t>
-            </a:r>
-            <a:r>
-              <a:rPr b="0" lang="pl-PL" sz="2100" spc="-1" strike="noStrike">
-                <a:solidFill>
-                  <a:srgbClr val="454240"/>
-                </a:solidFill>
-                <a:latin typeface="DM Sans"/>
-                <a:ea typeface="DM Sans"/>
-              </a:rPr>
-              <a:t>a</a:t>
-            </a:r>
-            <a:r>
-              <a:rPr b="0" lang="pl-PL" sz="2100" spc="-1" strike="noStrike">
-                <a:solidFill>
-                  <a:srgbClr val="454240"/>
-                </a:solidFill>
-                <a:latin typeface="DM Sans"/>
-                <a:ea typeface="DM Sans"/>
-              </a:rPr>
-              <a:t>n</a:t>
-            </a:r>
-            <a:r>
-              <a:rPr b="0" lang="pl-PL" sz="2100" spc="-1" strike="noStrike">
-                <a:solidFill>
-                  <a:srgbClr val="454240"/>
-                </a:solidFill>
-                <a:latin typeface="DM Sans"/>
-                <a:ea typeface="DM Sans"/>
-              </a:rPr>
-              <a:t>y</a:t>
-            </a:r>
-            <a:r>
-              <a:rPr b="0" lang="pl-PL" sz="2100" spc="-1" strike="noStrike">
-                <a:solidFill>
-                  <a:srgbClr val="454240"/>
-                </a:solidFill>
-                <a:latin typeface="DM Sans"/>
-                <a:ea typeface="DM Sans"/>
-              </a:rPr>
-              <a:t>c</a:t>
-            </a:r>
-            <a:r>
-              <a:rPr b="0" lang="pl-PL" sz="2100" spc="-1" strike="noStrike">
-                <a:solidFill>
-                  <a:srgbClr val="454240"/>
-                </a:solidFill>
-                <a:latin typeface="DM Sans"/>
-                <a:ea typeface="DM Sans"/>
-              </a:rPr>
-              <a:t>h</a:t>
-            </a:r>
-            <a:endParaRPr b="0" lang="pl-PL" sz="2100" spc="-1" strike="noStrike">
-              <a:solidFill>
-                <a:srgbClr val="000000"/>
-              </a:solidFill>
-              <a:latin typeface="AppleSystemUIFont"/>
-              <a:ea typeface="AppleSystemUIFont"/>
+              <a:latin typeface="Arial"/>
             </a:endParaRPr>
           </a:p>
         </p:txBody>
       </p:sp>
       <p:pic>
         <p:nvPicPr>
-          <p:cNvPr id="105" name="" descr=""/>
+          <p:cNvPr id="103" name="" descr=""/>
           <p:cNvPicPr/>
           <p:nvPr/>
         </p:nvPicPr>
@@ -10607,7 +7599,7 @@
         <p:spPr>
           <a:xfrm>
             <a:off x="8413560" y="3216600"/>
-            <a:ext cx="5834880" cy="3443400"/>
+            <a:ext cx="5834520" cy="3443040"/>
           </a:xfrm>
           <a:prstGeom prst="rect">
             <a:avLst/>
